--- a/Fase1/Evidencias Grupales/Presentación Proyecto.pptx
+++ b/Fase1/Evidencias Grupales/Presentación Proyecto.pptx
@@ -20,37 +20,38 @@
     <p:sldId id="265" r:id="rId15"/>
     <p:sldId id="266" r:id="rId16"/>
     <p:sldId id="267" r:id="rId17"/>
+    <p:sldId id="268" r:id="rId18"/>
   </p:sldIdLst>
   <p:sldSz cy="5143500" cx="9144000"/>
   <p:notesSz cx="6858000" cy="9144000"/>
   <p:embeddedFontLst>
     <p:embeddedFont>
       <p:font typeface="Fira Sans Extra Condensed Medium"/>
-      <p:regular r:id="rId18"/>
-      <p:bold r:id="rId19"/>
-      <p:italic r:id="rId20"/>
-      <p:boldItalic r:id="rId21"/>
+      <p:regular r:id="rId19"/>
+      <p:bold r:id="rId20"/>
+      <p:italic r:id="rId21"/>
+      <p:boldItalic r:id="rId22"/>
     </p:embeddedFont>
     <p:embeddedFont>
       <p:font typeface="Fira Sans Medium"/>
-      <p:regular r:id="rId22"/>
-      <p:bold r:id="rId23"/>
-      <p:italic r:id="rId24"/>
-      <p:boldItalic r:id="rId25"/>
+      <p:regular r:id="rId23"/>
+      <p:bold r:id="rId24"/>
+      <p:italic r:id="rId25"/>
+      <p:boldItalic r:id="rId26"/>
     </p:embeddedFont>
     <p:embeddedFont>
       <p:font typeface="Fira Sans"/>
-      <p:regular r:id="rId26"/>
-      <p:bold r:id="rId27"/>
-      <p:italic r:id="rId28"/>
-      <p:boldItalic r:id="rId29"/>
+      <p:regular r:id="rId27"/>
+      <p:bold r:id="rId28"/>
+      <p:italic r:id="rId29"/>
+      <p:boldItalic r:id="rId30"/>
     </p:embeddedFont>
     <p:embeddedFont>
       <p:font typeface="Fira Sans Extra Condensed SemiBold"/>
-      <p:regular r:id="rId30"/>
-      <p:bold r:id="rId31"/>
-      <p:italic r:id="rId32"/>
-      <p:boldItalic r:id="rId33"/>
+      <p:regular r:id="rId31"/>
+      <p:bold r:id="rId32"/>
+      <p:italic r:id="rId33"/>
+      <p:boldItalic r:id="rId34"/>
     </p:embeddedFont>
   </p:embeddedFontLst>
   <p:defaultTextStyle>
@@ -313,7 +314,7 @@
       </p15:sldGuideLst>
     </p:ext>
     <p:ext uri="GoogleSlidesCustomDataVersion2">
-      <go:slidesCustomData xmlns:go="http://customooxmlschemas.google.com/" r:id="rId34" roundtripDataSignature="AMtx7mh48X1mNV6J7AioCjSYpbWDV5HGtQ=="/>
+      <go:slidesCustomData xmlns:go="http://customooxmlschemas.google.com/" r:id="rId35" roundtripDataSignature="AMtx7mj/QDSACfjw3cxC42NKiwlIi+I7jQ=="/>
     </p:ext>
   </p:extLst>
 </p:presentation>
@@ -1133,106 +1134,7 @@
       </p:grpSpPr>
       <p:sp>
         <p:nvSpPr>
-          <p:cNvPr id="415" name="Google Shape;415;g385652bf586_0_219:notes"/>
-          <p:cNvSpPr/>
-          <p:nvPr>
-            <p:ph idx="2" type="sldImg"/>
-          </p:nvPr>
-        </p:nvSpPr>
-        <p:spPr>
-          <a:xfrm>
-            <a:off x="381300" y="685800"/>
-            <a:ext cx="6096000" cy="3429000"/>
-          </a:xfrm>
-          <a:custGeom>
-            <a:rect b="b" l="l" r="r" t="t"/>
-            <a:pathLst>
-              <a:path extrusionOk="0" h="120000" w="120000">
-                <a:moveTo>
-                  <a:pt x="0" y="0"/>
-                </a:moveTo>
-                <a:lnTo>
-                  <a:pt x="120000" y="0"/>
-                </a:lnTo>
-                <a:lnTo>
-                  <a:pt x="120000" y="120000"/>
-                </a:lnTo>
-                <a:lnTo>
-                  <a:pt x="0" y="120000"/>
-                </a:lnTo>
-                <a:close/>
-              </a:path>
-            </a:pathLst>
-          </a:custGeom>
-        </p:spPr>
-      </p:sp>
-      <p:sp>
-        <p:nvSpPr>
-          <p:cNvPr id="416" name="Google Shape;416;g385652bf586_0_219:notes"/>
-          <p:cNvSpPr txBox="1"/>
-          <p:nvPr>
-            <p:ph idx="1" type="body"/>
-          </p:nvPr>
-        </p:nvSpPr>
-        <p:spPr>
-          <a:xfrm>
-            <a:off x="685800" y="4343400"/>
-            <a:ext cx="5486400" cy="4114800"/>
-          </a:xfrm>
-          <a:prstGeom prst="rect">
-            <a:avLst/>
-          </a:prstGeom>
-        </p:spPr>
-        <p:txBody>
-          <a:bodyPr anchorCtr="0" anchor="t" bIns="91425" lIns="91425" spcFirstLastPara="1" rIns="91425" wrap="square" tIns="91425">
-            <a:noAutofit/>
-          </a:bodyPr>
-          <a:lstStyle/>
-          <a:p>
-            <a:pPr indent="0" lvl="0" marL="0" rtl="0" algn="l">
-              <a:spcBef>
-                <a:spcPts val="0"/>
-              </a:spcBef>
-              <a:spcAft>
-                <a:spcPts val="0"/>
-              </a:spcAft>
-              <a:buNone/>
-            </a:pPr>
-            <a:r>
-              <a:t/>
-            </a:r>
-            <a:endParaRPr/>
-          </a:p>
-        </p:txBody>
-      </p:sp>
-    </p:spTree>
-  </p:cSld>
-  <p:clrMapOvr>
-    <a:masterClrMapping/>
-  </p:clrMapOvr>
-</p:notes>
-</file>
-
-<file path=ppt/notesSlides/notesSlide12.xml><?xml version="1.0" encoding="utf-8"?>
-<p:notes xmlns:a="http://schemas.openxmlformats.org/drawingml/2006/main" xmlns:r="http://schemas.openxmlformats.org/officeDocument/2006/relationships" xmlns:mc="http://schemas.openxmlformats.org/markup-compatibility/2006" xmlns:mv="urn:schemas-microsoft-com:mac:vml" xmlns:p="http://schemas.openxmlformats.org/presentationml/2006/main" xmlns:c="http://schemas.openxmlformats.org/drawingml/2006/chart" xmlns:dgm="http://schemas.openxmlformats.org/drawingml/2006/diagram" xmlns:o="urn:schemas-microsoft-com:office:office" xmlns:v="urn:schemas-microsoft-com:vml" xmlns:pvml="urn:schemas-microsoft-com:office:powerpoint" xmlns:com="http://schemas.openxmlformats.org/drawingml/2006/compatibility" xmlns:p14="http://schemas.microsoft.com/office/powerpoint/2010/main" xmlns:p15="http://schemas.microsoft.com/office/powerpoint/2012/main" xmlns:ahyp="http://schemas.microsoft.com/office/drawing/2018/hyperlinkcolor" showMasterPhAnim="0" showMasterSp="0">
-  <p:cSld>
-    <p:spTree>
-      <p:nvGrpSpPr>
-        <p:cNvPr id="451" name="Shape 451"/>
-        <p:cNvGrpSpPr/>
-        <p:nvPr/>
-      </p:nvGrpSpPr>
-      <p:grpSpPr>
-        <a:xfrm>
-          <a:off x="0" y="0"/>
-          <a:ext cx="0" cy="0"/>
-          <a:chOff x="0" y="0"/>
-          <a:chExt cx="0" cy="0"/>
-        </a:xfrm>
-      </p:grpSpPr>
-      <p:sp>
-        <p:nvSpPr>
-          <p:cNvPr id="452" name="Google Shape;452;p31:notes"/>
+          <p:cNvPr id="415" name="Google Shape;415;g37a920eea83_0_78:notes"/>
           <p:cNvSpPr/>
           <p:nvPr>
             <p:ph idx="2" type="sldImg"/>
@@ -1277,7 +1179,223 @@
       </p:sp>
       <p:sp>
         <p:nvSpPr>
-          <p:cNvPr id="453" name="Google Shape;453;p31:notes"/>
+          <p:cNvPr id="416" name="Google Shape;416;g37a920eea83_0_78:notes"/>
+          <p:cNvSpPr txBox="1"/>
+          <p:nvPr>
+            <p:ph idx="1" type="body"/>
+          </p:nvPr>
+        </p:nvSpPr>
+        <p:spPr>
+          <a:xfrm>
+            <a:off x="685800" y="4343400"/>
+            <a:ext cx="5486400" cy="4114800"/>
+          </a:xfrm>
+          <a:prstGeom prst="rect">
+            <a:avLst/>
+          </a:prstGeom>
+          <a:noFill/>
+          <a:ln>
+            <a:noFill/>
+          </a:ln>
+        </p:spPr>
+        <p:txBody>
+          <a:bodyPr anchorCtr="0" anchor="t" bIns="91425" lIns="91425" spcFirstLastPara="1" rIns="91425" wrap="square" tIns="91425">
+            <a:noAutofit/>
+          </a:bodyPr>
+          <a:lstStyle/>
+          <a:p>
+            <a:pPr indent="0" lvl="0" marL="0" rtl="0" algn="l">
+              <a:lnSpc>
+                <a:spcPct val="100000"/>
+              </a:lnSpc>
+              <a:spcBef>
+                <a:spcPts val="0"/>
+              </a:spcBef>
+              <a:spcAft>
+                <a:spcPts val="0"/>
+              </a:spcAft>
+              <a:buSzPts val="1100"/>
+              <a:buNone/>
+            </a:pPr>
+            <a:r>
+              <a:t/>
+            </a:r>
+            <a:endParaRPr/>
+          </a:p>
+        </p:txBody>
+      </p:sp>
+    </p:spTree>
+  </p:cSld>
+  <p:clrMapOvr>
+    <a:masterClrMapping/>
+  </p:clrMapOvr>
+</p:notes>
+</file>
+
+<file path=ppt/notesSlides/notesSlide12.xml><?xml version="1.0" encoding="utf-8"?>
+<p:notes xmlns:a="http://schemas.openxmlformats.org/drawingml/2006/main" xmlns:r="http://schemas.openxmlformats.org/officeDocument/2006/relationships" xmlns:mc="http://schemas.openxmlformats.org/markup-compatibility/2006" xmlns:mv="urn:schemas-microsoft-com:mac:vml" xmlns:p="http://schemas.openxmlformats.org/presentationml/2006/main" xmlns:c="http://schemas.openxmlformats.org/drawingml/2006/chart" xmlns:dgm="http://schemas.openxmlformats.org/drawingml/2006/diagram" xmlns:o="urn:schemas-microsoft-com:office:office" xmlns:v="urn:schemas-microsoft-com:vml" xmlns:pvml="urn:schemas-microsoft-com:office:powerpoint" xmlns:com="http://schemas.openxmlformats.org/drawingml/2006/compatibility" xmlns:p14="http://schemas.microsoft.com/office/powerpoint/2010/main" xmlns:p15="http://schemas.microsoft.com/office/powerpoint/2012/main" xmlns:ahyp="http://schemas.microsoft.com/office/drawing/2018/hyperlinkcolor" showMasterPhAnim="0" showMasterSp="0">
+  <p:cSld>
+    <p:spTree>
+      <p:nvGrpSpPr>
+        <p:cNvPr id="420" name="Shape 420"/>
+        <p:cNvGrpSpPr/>
+        <p:nvPr/>
+      </p:nvGrpSpPr>
+      <p:grpSpPr>
+        <a:xfrm>
+          <a:off x="0" y="0"/>
+          <a:ext cx="0" cy="0"/>
+          <a:chOff x="0" y="0"/>
+          <a:chExt cx="0" cy="0"/>
+        </a:xfrm>
+      </p:grpSpPr>
+      <p:sp>
+        <p:nvSpPr>
+          <p:cNvPr id="421" name="Google Shape;421;g385652bf586_0_219:notes"/>
+          <p:cNvSpPr/>
+          <p:nvPr>
+            <p:ph idx="2" type="sldImg"/>
+          </p:nvPr>
+        </p:nvSpPr>
+        <p:spPr>
+          <a:xfrm>
+            <a:off x="381300" y="685800"/>
+            <a:ext cx="6096000" cy="3429000"/>
+          </a:xfrm>
+          <a:custGeom>
+            <a:rect b="b" l="l" r="r" t="t"/>
+            <a:pathLst>
+              <a:path extrusionOk="0" h="120000" w="120000">
+                <a:moveTo>
+                  <a:pt x="0" y="0"/>
+                </a:moveTo>
+                <a:lnTo>
+                  <a:pt x="120000" y="0"/>
+                </a:lnTo>
+                <a:lnTo>
+                  <a:pt x="120000" y="120000"/>
+                </a:lnTo>
+                <a:lnTo>
+                  <a:pt x="0" y="120000"/>
+                </a:lnTo>
+                <a:close/>
+              </a:path>
+            </a:pathLst>
+          </a:custGeom>
+        </p:spPr>
+      </p:sp>
+      <p:sp>
+        <p:nvSpPr>
+          <p:cNvPr id="422" name="Google Shape;422;g385652bf586_0_219:notes"/>
+          <p:cNvSpPr txBox="1"/>
+          <p:nvPr>
+            <p:ph idx="1" type="body"/>
+          </p:nvPr>
+        </p:nvSpPr>
+        <p:spPr>
+          <a:xfrm>
+            <a:off x="685800" y="4343400"/>
+            <a:ext cx="5486400" cy="4114800"/>
+          </a:xfrm>
+          <a:prstGeom prst="rect">
+            <a:avLst/>
+          </a:prstGeom>
+        </p:spPr>
+        <p:txBody>
+          <a:bodyPr anchorCtr="0" anchor="t" bIns="91425" lIns="91425" spcFirstLastPara="1" rIns="91425" wrap="square" tIns="91425">
+            <a:noAutofit/>
+          </a:bodyPr>
+          <a:lstStyle/>
+          <a:p>
+            <a:pPr indent="0" lvl="0" marL="0" rtl="0" algn="l">
+              <a:spcBef>
+                <a:spcPts val="0"/>
+              </a:spcBef>
+              <a:spcAft>
+                <a:spcPts val="0"/>
+              </a:spcAft>
+              <a:buNone/>
+            </a:pPr>
+            <a:r>
+              <a:t/>
+            </a:r>
+            <a:endParaRPr/>
+          </a:p>
+        </p:txBody>
+      </p:sp>
+    </p:spTree>
+  </p:cSld>
+  <p:clrMapOvr>
+    <a:masterClrMapping/>
+  </p:clrMapOvr>
+</p:notes>
+</file>
+
+<file path=ppt/notesSlides/notesSlide13.xml><?xml version="1.0" encoding="utf-8"?>
+<p:notes xmlns:a="http://schemas.openxmlformats.org/drawingml/2006/main" xmlns:r="http://schemas.openxmlformats.org/officeDocument/2006/relationships" xmlns:mc="http://schemas.openxmlformats.org/markup-compatibility/2006" xmlns:mv="urn:schemas-microsoft-com:mac:vml" xmlns:p="http://schemas.openxmlformats.org/presentationml/2006/main" xmlns:c="http://schemas.openxmlformats.org/drawingml/2006/chart" xmlns:dgm="http://schemas.openxmlformats.org/drawingml/2006/diagram" xmlns:o="urn:schemas-microsoft-com:office:office" xmlns:v="urn:schemas-microsoft-com:vml" xmlns:pvml="urn:schemas-microsoft-com:office:powerpoint" xmlns:com="http://schemas.openxmlformats.org/drawingml/2006/compatibility" xmlns:p14="http://schemas.microsoft.com/office/powerpoint/2010/main" xmlns:p15="http://schemas.microsoft.com/office/powerpoint/2012/main" xmlns:ahyp="http://schemas.microsoft.com/office/drawing/2018/hyperlinkcolor" showMasterPhAnim="0" showMasterSp="0">
+  <p:cSld>
+    <p:spTree>
+      <p:nvGrpSpPr>
+        <p:cNvPr id="457" name="Shape 457"/>
+        <p:cNvGrpSpPr/>
+        <p:nvPr/>
+      </p:nvGrpSpPr>
+      <p:grpSpPr>
+        <a:xfrm>
+          <a:off x="0" y="0"/>
+          <a:ext cx="0" cy="0"/>
+          <a:chOff x="0" y="0"/>
+          <a:chExt cx="0" cy="0"/>
+        </a:xfrm>
+      </p:grpSpPr>
+      <p:sp>
+        <p:nvSpPr>
+          <p:cNvPr id="458" name="Google Shape;458;p31:notes"/>
+          <p:cNvSpPr/>
+          <p:nvPr>
+            <p:ph idx="2" type="sldImg"/>
+          </p:nvPr>
+        </p:nvSpPr>
+        <p:spPr>
+          <a:xfrm>
+            <a:off x="381300" y="685800"/>
+            <a:ext cx="6096000" cy="3429000"/>
+          </a:xfrm>
+          <a:custGeom>
+            <a:rect b="b" l="l" r="r" t="t"/>
+            <a:pathLst>
+              <a:path extrusionOk="0" h="120000" w="120000">
+                <a:moveTo>
+                  <a:pt x="0" y="0"/>
+                </a:moveTo>
+                <a:lnTo>
+                  <a:pt x="120000" y="0"/>
+                </a:lnTo>
+                <a:lnTo>
+                  <a:pt x="120000" y="120000"/>
+                </a:lnTo>
+                <a:lnTo>
+                  <a:pt x="0" y="120000"/>
+                </a:lnTo>
+                <a:close/>
+              </a:path>
+            </a:pathLst>
+          </a:custGeom>
+          <a:noFill/>
+          <a:ln cap="flat" cmpd="sng" w="9525">
+            <a:solidFill>
+              <a:srgbClr val="000000"/>
+            </a:solidFill>
+            <a:prstDash val="solid"/>
+            <a:round/>
+            <a:headEnd len="sm" w="sm" type="none"/>
+            <a:tailEnd len="sm" w="sm" type="none"/>
+          </a:ln>
+        </p:spPr>
+      </p:sp>
+      <p:sp>
+        <p:nvSpPr>
+          <p:cNvPr id="459" name="Google Shape;459;p31:notes"/>
           <p:cNvSpPr txBox="1"/>
           <p:nvPr>
             <p:ph idx="1" type="body"/>
@@ -10368,7 +10486,123 @@
       </p:grpSpPr>
       <p:sp>
         <p:nvSpPr>
-          <p:cNvPr id="418" name="Google Shape;418;g385652bf586_0_219"/>
+          <p:cNvPr id="418" name="Google Shape;418;g37a920eea83_0_78"/>
+          <p:cNvSpPr txBox="1"/>
+          <p:nvPr/>
+        </p:nvSpPr>
+        <p:spPr>
+          <a:xfrm>
+            <a:off x="326000" y="2116925"/>
+            <a:ext cx="1861500" cy="481200"/>
+          </a:xfrm>
+          <a:prstGeom prst="rect">
+            <a:avLst/>
+          </a:prstGeom>
+          <a:noFill/>
+          <a:ln>
+            <a:noFill/>
+          </a:ln>
+        </p:spPr>
+        <p:txBody>
+          <a:bodyPr anchorCtr="0" anchor="ctr" bIns="91425" lIns="91425" spcFirstLastPara="1" rIns="91425" wrap="square" tIns="91425">
+            <a:noAutofit/>
+          </a:bodyPr>
+          <a:lstStyle/>
+          <a:p>
+            <a:pPr indent="0" lvl="0" marL="0" marR="0" rtl="0" algn="ctr">
+              <a:lnSpc>
+                <a:spcPct val="100000"/>
+              </a:lnSpc>
+              <a:spcBef>
+                <a:spcPts val="0"/>
+              </a:spcBef>
+              <a:spcAft>
+                <a:spcPts val="0"/>
+              </a:spcAft>
+              <a:buClr>
+                <a:srgbClr val="000000"/>
+              </a:buClr>
+              <a:buSzPts val="2800"/>
+              <a:buFont typeface="Arial"/>
+              <a:buNone/>
+            </a:pPr>
+            <a:r>
+              <a:rPr lang="en" sz="2800">
+                <a:latin typeface="Fira Sans Medium"/>
+                <a:ea typeface="Fira Sans Medium"/>
+                <a:cs typeface="Fira Sans Medium"/>
+                <a:sym typeface="Fira Sans Medium"/>
+              </a:rPr>
+              <a:t>Modelo de datos</a:t>
+            </a:r>
+            <a:endParaRPr b="0" i="0" sz="2800" u="none" cap="none" strike="noStrike">
+              <a:solidFill>
+                <a:srgbClr val="000000"/>
+              </a:solidFill>
+              <a:latin typeface="Fira Sans Medium"/>
+              <a:ea typeface="Fira Sans Medium"/>
+              <a:cs typeface="Fira Sans Medium"/>
+              <a:sym typeface="Fira Sans Medium"/>
+            </a:endParaRPr>
+          </a:p>
+        </p:txBody>
+      </p:sp>
+      <p:pic>
+        <p:nvPicPr>
+          <p:cNvPr id="419" name="Google Shape;419;g37a920eea83_0_78" title="Base de datos.jpg"/>
+          <p:cNvPicPr preferRelativeResize="0"/>
+          <p:nvPr/>
+        </p:nvPicPr>
+        <p:blipFill>
+          <a:blip r:embed="rId3">
+            <a:alphaModFix/>
+          </a:blip>
+          <a:stretch>
+            <a:fillRect/>
+          </a:stretch>
+        </p:blipFill>
+        <p:spPr>
+          <a:xfrm>
+            <a:off x="2619650" y="115275"/>
+            <a:ext cx="6210924" cy="4819026"/>
+          </a:xfrm>
+          <a:prstGeom prst="rect">
+            <a:avLst/>
+          </a:prstGeom>
+          <a:noFill/>
+          <a:ln>
+            <a:noFill/>
+          </a:ln>
+        </p:spPr>
+      </p:pic>
+    </p:spTree>
+  </p:cSld>
+  <p:clrMapOvr>
+    <a:masterClrMapping/>
+  </p:clrMapOvr>
+</p:sld>
+</file>
+
+<file path=ppt/slides/slide12.xml><?xml version="1.0" encoding="utf-8"?>
+<p:sld xmlns:a="http://schemas.openxmlformats.org/drawingml/2006/main" xmlns:r="http://schemas.openxmlformats.org/officeDocument/2006/relationships" xmlns:mc="http://schemas.openxmlformats.org/markup-compatibility/2006" xmlns:mv="urn:schemas-microsoft-com:mac:vml" xmlns:p="http://schemas.openxmlformats.org/presentationml/2006/main" xmlns:c="http://schemas.openxmlformats.org/drawingml/2006/chart" xmlns:dgm="http://schemas.openxmlformats.org/drawingml/2006/diagram" xmlns:o="urn:schemas-microsoft-com:office:office" xmlns:v="urn:schemas-microsoft-com:vml" xmlns:pvml="urn:schemas-microsoft-com:office:powerpoint" xmlns:com="http://schemas.openxmlformats.org/drawingml/2006/compatibility" xmlns:p14="http://schemas.microsoft.com/office/powerpoint/2010/main" xmlns:p15="http://schemas.microsoft.com/office/powerpoint/2012/main" xmlns:ahyp="http://schemas.microsoft.com/office/drawing/2018/hyperlinkcolor">
+  <p:cSld>
+    <p:spTree>
+      <p:nvGrpSpPr>
+        <p:cNvPr id="423" name="Shape 423"/>
+        <p:cNvGrpSpPr/>
+        <p:nvPr/>
+      </p:nvGrpSpPr>
+      <p:grpSpPr>
+        <a:xfrm>
+          <a:off x="0" y="0"/>
+          <a:ext cx="0" cy="0"/>
+          <a:chOff x="0" y="0"/>
+          <a:chExt cx="0" cy="0"/>
+        </a:xfrm>
+      </p:grpSpPr>
+      <p:sp>
+        <p:nvSpPr>
+          <p:cNvPr id="424" name="Google Shape;424;g385652bf586_0_219"/>
           <p:cNvSpPr txBox="1"/>
           <p:nvPr/>
         </p:nvSpPr>
@@ -10431,7 +10665,7 @@
       </p:sp>
       <p:grpSp>
         <p:nvGrpSpPr>
-          <p:cNvPr id="419" name="Google Shape;419;g385652bf586_0_219"/>
+          <p:cNvPr id="425" name="Google Shape;425;g385652bf586_0_219"/>
           <p:cNvGrpSpPr/>
           <p:nvPr/>
         </p:nvGrpSpPr>
@@ -10445,7 +10679,7 @@
         </p:grpSpPr>
         <p:sp>
           <p:nvSpPr>
-            <p:cNvPr id="420" name="Google Shape;420;g385652bf586_0_219"/>
+            <p:cNvPr id="426" name="Google Shape;426;g385652bf586_0_219"/>
             <p:cNvSpPr/>
             <p:nvPr/>
           </p:nvSpPr>
@@ -10556,7 +10790,7 @@
         </p:sp>
         <p:sp>
           <p:nvSpPr>
-            <p:cNvPr id="421" name="Google Shape;421;g385652bf586_0_219"/>
+            <p:cNvPr id="427" name="Google Shape;427;g385652bf586_0_219"/>
             <p:cNvSpPr/>
             <p:nvPr/>
           </p:nvSpPr>
@@ -10615,576 +10849,6 @@
                     <a:pt x="17577" y="3959"/>
                     <a:pt x="13650" y="1"/>
                     <a:pt x="8804" y="1"/>
-                  </a:cubicBezTo>
-                  <a:close/>
-                </a:path>
-              </a:pathLst>
-            </a:custGeom>
-            <a:solidFill>
-              <a:srgbClr val="222831"/>
-            </a:solidFill>
-            <a:ln>
-              <a:noFill/>
-            </a:ln>
-          </p:spPr>
-          <p:txBody>
-            <a:bodyPr anchorCtr="0" anchor="ctr" bIns="89650" lIns="89650" spcFirstLastPara="1" rIns="89650" wrap="square" tIns="89650">
-              <a:noAutofit/>
-            </a:bodyPr>
-            <a:lstStyle/>
-            <a:p>
-              <a:pPr indent="0" lvl="0" marL="0" marR="0" rtl="0" algn="l">
-                <a:lnSpc>
-                  <a:spcPct val="100000"/>
-                </a:lnSpc>
-                <a:spcBef>
-                  <a:spcPts val="0"/>
-                </a:spcBef>
-                <a:spcAft>
-                  <a:spcPts val="0"/>
-                </a:spcAft>
-                <a:buClr>
-                  <a:srgbClr val="000000"/>
-                </a:buClr>
-                <a:buSzPts val="1373"/>
-                <a:buFont typeface="Arial"/>
-                <a:buNone/>
-              </a:pPr>
-              <a:r>
-                <a:t/>
-              </a:r>
-              <a:endParaRPr b="0" i="0" sz="1372" u="none" cap="none" strike="noStrike">
-                <a:solidFill>
-                  <a:srgbClr val="000000"/>
-                </a:solidFill>
-                <a:latin typeface="Arial"/>
-                <a:ea typeface="Arial"/>
-                <a:cs typeface="Arial"/>
-                <a:sym typeface="Arial"/>
-              </a:endParaRPr>
-            </a:p>
-          </p:txBody>
-        </p:sp>
-        <p:sp>
-          <p:nvSpPr>
-            <p:cNvPr id="422" name="Google Shape;422;g385652bf586_0_219"/>
-            <p:cNvSpPr/>
-            <p:nvPr/>
-          </p:nvSpPr>
-          <p:spPr>
-            <a:xfrm>
-              <a:off x="2185750" y="2387600"/>
-              <a:ext cx="507525" cy="508300"/>
-            </a:xfrm>
-            <a:custGeom>
-              <a:rect b="b" l="l" r="r" t="t"/>
-              <a:pathLst>
-                <a:path extrusionOk="0" h="20332" w="20301">
-                  <a:moveTo>
-                    <a:pt x="10135" y="2185"/>
-                  </a:moveTo>
-                  <a:cubicBezTo>
-                    <a:pt x="14569" y="2185"/>
-                    <a:pt x="18147" y="5764"/>
-                    <a:pt x="18147" y="10166"/>
-                  </a:cubicBezTo>
-                  <a:cubicBezTo>
-                    <a:pt x="18147" y="14599"/>
-                    <a:pt x="14569" y="18178"/>
-                    <a:pt x="10135" y="18178"/>
-                  </a:cubicBezTo>
-                  <a:cubicBezTo>
-                    <a:pt x="5733" y="18178"/>
-                    <a:pt x="2154" y="14599"/>
-                    <a:pt x="2154" y="10166"/>
-                  </a:cubicBezTo>
-                  <a:cubicBezTo>
-                    <a:pt x="2154" y="5764"/>
-                    <a:pt x="5733" y="2185"/>
-                    <a:pt x="10135" y="2185"/>
-                  </a:cubicBezTo>
-                  <a:close/>
-                  <a:moveTo>
-                    <a:pt x="10135" y="0"/>
-                  </a:moveTo>
-                  <a:cubicBezTo>
-                    <a:pt x="4530" y="0"/>
-                    <a:pt x="1" y="4560"/>
-                    <a:pt x="1" y="10166"/>
-                  </a:cubicBezTo>
-                  <a:cubicBezTo>
-                    <a:pt x="1" y="15771"/>
-                    <a:pt x="4561" y="20331"/>
-                    <a:pt x="10135" y="20331"/>
-                  </a:cubicBezTo>
-                  <a:cubicBezTo>
-                    <a:pt x="15740" y="20331"/>
-                    <a:pt x="20301" y="15771"/>
-                    <a:pt x="20301" y="10166"/>
-                  </a:cubicBezTo>
-                  <a:cubicBezTo>
-                    <a:pt x="20301" y="4560"/>
-                    <a:pt x="15740" y="0"/>
-                    <a:pt x="10135" y="0"/>
-                  </a:cubicBezTo>
-                  <a:close/>
-                </a:path>
-              </a:pathLst>
-            </a:custGeom>
-            <a:solidFill>
-              <a:srgbClr val="F2A365"/>
-            </a:solidFill>
-            <a:ln>
-              <a:noFill/>
-            </a:ln>
-          </p:spPr>
-          <p:txBody>
-            <a:bodyPr anchorCtr="0" anchor="ctr" bIns="89650" lIns="89650" spcFirstLastPara="1" rIns="89650" wrap="square" tIns="89650">
-              <a:noAutofit/>
-            </a:bodyPr>
-            <a:lstStyle/>
-            <a:p>
-              <a:pPr indent="0" lvl="0" marL="0" marR="0" rtl="0" algn="l">
-                <a:lnSpc>
-                  <a:spcPct val="100000"/>
-                </a:lnSpc>
-                <a:spcBef>
-                  <a:spcPts val="0"/>
-                </a:spcBef>
-                <a:spcAft>
-                  <a:spcPts val="0"/>
-                </a:spcAft>
-                <a:buClr>
-                  <a:srgbClr val="000000"/>
-                </a:buClr>
-                <a:buSzPts val="1373"/>
-                <a:buFont typeface="Arial"/>
-                <a:buNone/>
-              </a:pPr>
-              <a:r>
-                <a:t/>
-              </a:r>
-              <a:endParaRPr b="0" i="0" sz="1372" u="none" cap="none" strike="noStrike">
-                <a:solidFill>
-                  <a:srgbClr val="000000"/>
-                </a:solidFill>
-                <a:latin typeface="Arial"/>
-                <a:ea typeface="Arial"/>
-                <a:cs typeface="Arial"/>
-                <a:sym typeface="Arial"/>
-              </a:endParaRPr>
-            </a:p>
-          </p:txBody>
-        </p:sp>
-        <p:sp>
-          <p:nvSpPr>
-            <p:cNvPr id="423" name="Google Shape;423;g385652bf586_0_219"/>
-            <p:cNvSpPr/>
-            <p:nvPr/>
-          </p:nvSpPr>
-          <p:spPr>
-            <a:xfrm>
-              <a:off x="2603000" y="3506300"/>
-              <a:ext cx="374500" cy="374500"/>
-            </a:xfrm>
-            <a:custGeom>
-              <a:rect b="b" l="l" r="r" t="t"/>
-              <a:pathLst>
-                <a:path extrusionOk="0" h="14980" w="14980">
-                  <a:moveTo>
-                    <a:pt x="7506" y="2185"/>
-                  </a:moveTo>
-                  <a:cubicBezTo>
-                    <a:pt x="10420" y="2185"/>
-                    <a:pt x="12826" y="4560"/>
-                    <a:pt x="12826" y="7506"/>
-                  </a:cubicBezTo>
-                  <a:cubicBezTo>
-                    <a:pt x="12826" y="10419"/>
-                    <a:pt x="10420" y="12794"/>
-                    <a:pt x="7506" y="12794"/>
-                  </a:cubicBezTo>
-                  <a:cubicBezTo>
-                    <a:pt x="4561" y="12794"/>
-                    <a:pt x="2186" y="10419"/>
-                    <a:pt x="2186" y="7506"/>
-                  </a:cubicBezTo>
-                  <a:cubicBezTo>
-                    <a:pt x="2186" y="4560"/>
-                    <a:pt x="4561" y="2185"/>
-                    <a:pt x="7506" y="2185"/>
-                  </a:cubicBezTo>
-                  <a:close/>
-                  <a:moveTo>
-                    <a:pt x="7506" y="0"/>
-                  </a:moveTo>
-                  <a:cubicBezTo>
-                    <a:pt x="3357" y="0"/>
-                    <a:pt x="1" y="3357"/>
-                    <a:pt x="1" y="7474"/>
-                  </a:cubicBezTo>
-                  <a:cubicBezTo>
-                    <a:pt x="1" y="11623"/>
-                    <a:pt x="3357" y="14980"/>
-                    <a:pt x="7506" y="14980"/>
-                  </a:cubicBezTo>
-                  <a:cubicBezTo>
-                    <a:pt x="11623" y="14980"/>
-                    <a:pt x="14980" y="11623"/>
-                    <a:pt x="14980" y="7474"/>
-                  </a:cubicBezTo>
-                  <a:cubicBezTo>
-                    <a:pt x="14980" y="3357"/>
-                    <a:pt x="11623" y="0"/>
-                    <a:pt x="7506" y="0"/>
-                  </a:cubicBezTo>
-                  <a:close/>
-                </a:path>
-              </a:pathLst>
-            </a:custGeom>
-            <a:solidFill>
-              <a:srgbClr val="CECECE"/>
-            </a:solidFill>
-            <a:ln>
-              <a:noFill/>
-            </a:ln>
-          </p:spPr>
-          <p:txBody>
-            <a:bodyPr anchorCtr="0" anchor="ctr" bIns="89650" lIns="89650" spcFirstLastPara="1" rIns="89650" wrap="square" tIns="89650">
-              <a:noAutofit/>
-            </a:bodyPr>
-            <a:lstStyle/>
-            <a:p>
-              <a:pPr indent="0" lvl="0" marL="0" marR="0" rtl="0" algn="l">
-                <a:lnSpc>
-                  <a:spcPct val="100000"/>
-                </a:lnSpc>
-                <a:spcBef>
-                  <a:spcPts val="0"/>
-                </a:spcBef>
-                <a:spcAft>
-                  <a:spcPts val="0"/>
-                </a:spcAft>
-                <a:buClr>
-                  <a:srgbClr val="000000"/>
-                </a:buClr>
-                <a:buSzPts val="1373"/>
-                <a:buFont typeface="Arial"/>
-                <a:buNone/>
-              </a:pPr>
-              <a:r>
-                <a:t/>
-              </a:r>
-              <a:endParaRPr b="0" i="0" sz="1372" u="none" cap="none" strike="noStrike">
-                <a:solidFill>
-                  <a:srgbClr val="000000"/>
-                </a:solidFill>
-                <a:latin typeface="Arial"/>
-                <a:ea typeface="Arial"/>
-                <a:cs typeface="Arial"/>
-                <a:sym typeface="Arial"/>
-              </a:endParaRPr>
-            </a:p>
-          </p:txBody>
-        </p:sp>
-        <p:sp>
-          <p:nvSpPr>
-            <p:cNvPr id="424" name="Google Shape;424;g385652bf586_0_219"/>
-            <p:cNvSpPr/>
-            <p:nvPr/>
-          </p:nvSpPr>
-          <p:spPr>
-            <a:xfrm>
-              <a:off x="4264050" y="3195925"/>
-              <a:ext cx="344425" cy="232000"/>
-            </a:xfrm>
-            <a:custGeom>
-              <a:rect b="b" l="l" r="r" t="t"/>
-              <a:pathLst>
-                <a:path extrusionOk="0" h="9280" w="13777">
-                  <a:moveTo>
-                    <a:pt x="1077" y="1"/>
-                  </a:moveTo>
-                  <a:lnTo>
-                    <a:pt x="0" y="1869"/>
-                  </a:lnTo>
-                  <a:lnTo>
-                    <a:pt x="12700" y="9280"/>
-                  </a:lnTo>
-                  <a:lnTo>
-                    <a:pt x="13776" y="7411"/>
-                  </a:lnTo>
-                  <a:lnTo>
-                    <a:pt x="1077" y="1"/>
-                  </a:lnTo>
-                  <a:close/>
-                </a:path>
-              </a:pathLst>
-            </a:custGeom>
-            <a:solidFill>
-              <a:srgbClr val="30475E"/>
-            </a:solidFill>
-            <a:ln>
-              <a:noFill/>
-            </a:ln>
-          </p:spPr>
-          <p:txBody>
-            <a:bodyPr anchorCtr="0" anchor="ctr" bIns="89650" lIns="89650" spcFirstLastPara="1" rIns="89650" wrap="square" tIns="89650">
-              <a:noAutofit/>
-            </a:bodyPr>
-            <a:lstStyle/>
-            <a:p>
-              <a:pPr indent="0" lvl="0" marL="0" marR="0" rtl="0" algn="l">
-                <a:lnSpc>
-                  <a:spcPct val="100000"/>
-                </a:lnSpc>
-                <a:spcBef>
-                  <a:spcPts val="0"/>
-                </a:spcBef>
-                <a:spcAft>
-                  <a:spcPts val="0"/>
-                </a:spcAft>
-                <a:buClr>
-                  <a:srgbClr val="000000"/>
-                </a:buClr>
-                <a:buSzPts val="1373"/>
-                <a:buFont typeface="Arial"/>
-                <a:buNone/>
-              </a:pPr>
-              <a:r>
-                <a:t/>
-              </a:r>
-              <a:endParaRPr b="0" i="0" sz="1372" u="none" cap="none" strike="noStrike">
-                <a:solidFill>
-                  <a:srgbClr val="000000"/>
-                </a:solidFill>
-                <a:latin typeface="Arial"/>
-                <a:ea typeface="Arial"/>
-                <a:cs typeface="Arial"/>
-                <a:sym typeface="Arial"/>
-              </a:endParaRPr>
-            </a:p>
-          </p:txBody>
-        </p:sp>
-        <p:sp>
-          <p:nvSpPr>
-            <p:cNvPr id="425" name="Google Shape;425;g385652bf586_0_219"/>
-            <p:cNvSpPr/>
-            <p:nvPr/>
-          </p:nvSpPr>
-          <p:spPr>
-            <a:xfrm>
-              <a:off x="4263250" y="2574425"/>
-              <a:ext cx="749800" cy="292975"/>
-            </a:xfrm>
-            <a:custGeom>
-              <a:rect b="b" l="l" r="r" t="t"/>
-              <a:pathLst>
-                <a:path extrusionOk="0" h="11719" w="29992">
-                  <a:moveTo>
-                    <a:pt x="29294" y="1"/>
-                  </a:moveTo>
-                  <a:lnTo>
-                    <a:pt x="1" y="9692"/>
-                  </a:lnTo>
-                  <a:lnTo>
-                    <a:pt x="666" y="11718"/>
-                  </a:lnTo>
-                  <a:lnTo>
-                    <a:pt x="29991" y="2028"/>
-                  </a:lnTo>
-                  <a:lnTo>
-                    <a:pt x="29294" y="1"/>
-                  </a:lnTo>
-                  <a:close/>
-                </a:path>
-              </a:pathLst>
-            </a:custGeom>
-            <a:solidFill>
-              <a:srgbClr val="222831"/>
-            </a:solidFill>
-            <a:ln>
-              <a:noFill/>
-            </a:ln>
-          </p:spPr>
-          <p:txBody>
-            <a:bodyPr anchorCtr="0" anchor="ctr" bIns="89650" lIns="89650" spcFirstLastPara="1" rIns="89650" wrap="square" tIns="89650">
-              <a:noAutofit/>
-            </a:bodyPr>
-            <a:lstStyle/>
-            <a:p>
-              <a:pPr indent="0" lvl="0" marL="0" marR="0" rtl="0" algn="l">
-                <a:lnSpc>
-                  <a:spcPct val="100000"/>
-                </a:lnSpc>
-                <a:spcBef>
-                  <a:spcPts val="0"/>
-                </a:spcBef>
-                <a:spcAft>
-                  <a:spcPts val="0"/>
-                </a:spcAft>
-                <a:buClr>
-                  <a:srgbClr val="000000"/>
-                </a:buClr>
-                <a:buSzPts val="1373"/>
-                <a:buFont typeface="Arial"/>
-                <a:buNone/>
-              </a:pPr>
-              <a:r>
-                <a:t/>
-              </a:r>
-              <a:endParaRPr b="0" i="0" sz="1372" u="none" cap="none" strike="noStrike">
-                <a:solidFill>
-                  <a:srgbClr val="000000"/>
-                </a:solidFill>
-                <a:latin typeface="Arial"/>
-                <a:ea typeface="Arial"/>
-                <a:cs typeface="Arial"/>
-                <a:sym typeface="Arial"/>
-              </a:endParaRPr>
-            </a:p>
-          </p:txBody>
-        </p:sp>
-        <p:sp>
-          <p:nvSpPr>
-            <p:cNvPr id="426" name="Google Shape;426;g385652bf586_0_219"/>
-            <p:cNvSpPr/>
-            <p:nvPr/>
-          </p:nvSpPr>
-          <p:spPr>
-            <a:xfrm>
-              <a:off x="2652075" y="2671025"/>
-              <a:ext cx="598575" cy="227250"/>
-            </a:xfrm>
-            <a:custGeom>
-              <a:rect b="b" l="l" r="r" t="t"/>
-              <a:pathLst>
-                <a:path extrusionOk="0" h="9090" w="23943">
-                  <a:moveTo>
-                    <a:pt x="603" y="0"/>
-                  </a:moveTo>
-                  <a:lnTo>
-                    <a:pt x="1" y="2091"/>
-                  </a:lnTo>
-                  <a:lnTo>
-                    <a:pt x="23309" y="9089"/>
-                  </a:lnTo>
-                  <a:lnTo>
-                    <a:pt x="23943" y="6999"/>
-                  </a:lnTo>
-                  <a:lnTo>
-                    <a:pt x="603" y="0"/>
-                  </a:lnTo>
-                  <a:close/>
-                </a:path>
-              </a:pathLst>
-            </a:custGeom>
-            <a:solidFill>
-              <a:srgbClr val="F2A365"/>
-            </a:solidFill>
-            <a:ln>
-              <a:noFill/>
-            </a:ln>
-          </p:spPr>
-          <p:txBody>
-            <a:bodyPr anchorCtr="0" anchor="ctr" bIns="89650" lIns="89650" spcFirstLastPara="1" rIns="89650" wrap="square" tIns="89650">
-              <a:noAutofit/>
-            </a:bodyPr>
-            <a:lstStyle/>
-            <a:p>
-              <a:pPr indent="0" lvl="0" marL="0" marR="0" rtl="0" algn="l">
-                <a:lnSpc>
-                  <a:spcPct val="100000"/>
-                </a:lnSpc>
-                <a:spcBef>
-                  <a:spcPts val="0"/>
-                </a:spcBef>
-                <a:spcAft>
-                  <a:spcPts val="0"/>
-                </a:spcAft>
-                <a:buClr>
-                  <a:srgbClr val="000000"/>
-                </a:buClr>
-                <a:buSzPts val="1373"/>
-                <a:buFont typeface="Arial"/>
-                <a:buNone/>
-              </a:pPr>
-              <a:r>
-                <a:t/>
-              </a:r>
-              <a:endParaRPr b="0" i="0" sz="1372" u="none" cap="none" strike="noStrike">
-                <a:solidFill>
-                  <a:srgbClr val="000000"/>
-                </a:solidFill>
-                <a:latin typeface="Arial"/>
-                <a:ea typeface="Arial"/>
-                <a:cs typeface="Arial"/>
-                <a:sym typeface="Arial"/>
-              </a:endParaRPr>
-            </a:p>
-          </p:txBody>
-        </p:sp>
-        <p:sp>
-          <p:nvSpPr>
-            <p:cNvPr id="427" name="Google Shape;427;g385652bf586_0_219"/>
-            <p:cNvSpPr/>
-            <p:nvPr/>
-          </p:nvSpPr>
-          <p:spPr>
-            <a:xfrm>
-              <a:off x="2920475" y="3168225"/>
-              <a:ext cx="183725" cy="183700"/>
-            </a:xfrm>
-            <a:custGeom>
-              <a:rect b="b" l="l" r="r" t="t"/>
-              <a:pathLst>
-                <a:path extrusionOk="0" h="7348" w="7349">
-                  <a:moveTo>
-                    <a:pt x="3674" y="2154"/>
-                  </a:moveTo>
-                  <a:cubicBezTo>
-                    <a:pt x="4498" y="2154"/>
-                    <a:pt x="5195" y="2851"/>
-                    <a:pt x="5195" y="3674"/>
-                  </a:cubicBezTo>
-                  <a:cubicBezTo>
-                    <a:pt x="5195" y="4498"/>
-                    <a:pt x="4498" y="5194"/>
-                    <a:pt x="3674" y="5194"/>
-                  </a:cubicBezTo>
-                  <a:cubicBezTo>
-                    <a:pt x="2851" y="5194"/>
-                    <a:pt x="2154" y="4498"/>
-                    <a:pt x="2154" y="3674"/>
-                  </a:cubicBezTo>
-                  <a:cubicBezTo>
-                    <a:pt x="2154" y="2851"/>
-                    <a:pt x="2851" y="2154"/>
-                    <a:pt x="3674" y="2154"/>
-                  </a:cubicBezTo>
-                  <a:close/>
-                  <a:moveTo>
-                    <a:pt x="3674" y="1"/>
-                  </a:moveTo>
-                  <a:cubicBezTo>
-                    <a:pt x="1648" y="1"/>
-                    <a:pt x="1" y="1647"/>
-                    <a:pt x="1" y="3674"/>
-                  </a:cubicBezTo>
-                  <a:cubicBezTo>
-                    <a:pt x="1" y="5701"/>
-                    <a:pt x="1648" y="7348"/>
-                    <a:pt x="3674" y="7348"/>
-                  </a:cubicBezTo>
-                  <a:cubicBezTo>
-                    <a:pt x="5701" y="7348"/>
-                    <a:pt x="7348" y="5701"/>
-                    <a:pt x="7348" y="3674"/>
-                  </a:cubicBezTo>
-                  <a:cubicBezTo>
-                    <a:pt x="7348" y="1647"/>
-                    <a:pt x="5701" y="1"/>
-                    <a:pt x="3674" y="1"/>
                   </a:cubicBezTo>
                   <a:close/>
                 </a:path>
@@ -11243,34 +10907,66 @@
           </p:nvSpPr>
           <p:spPr>
             <a:xfrm>
-              <a:off x="3062200" y="3162675"/>
-              <a:ext cx="186075" cy="91075"/>
+              <a:off x="2185750" y="2387600"/>
+              <a:ext cx="507525" cy="508300"/>
             </a:xfrm>
             <a:custGeom>
               <a:rect b="b" l="l" r="r" t="t"/>
               <a:pathLst>
-                <a:path extrusionOk="0" h="3643" w="7443">
+                <a:path extrusionOk="0" h="20332" w="20301">
                   <a:moveTo>
-                    <a:pt x="6999" y="1"/>
+                    <a:pt x="10135" y="2185"/>
                   </a:moveTo>
-                  <a:lnTo>
-                    <a:pt x="1" y="1521"/>
-                  </a:lnTo>
-                  <a:lnTo>
-                    <a:pt x="476" y="3643"/>
-                  </a:lnTo>
-                  <a:lnTo>
-                    <a:pt x="7443" y="2123"/>
-                  </a:lnTo>
-                  <a:lnTo>
-                    <a:pt x="6999" y="1"/>
-                  </a:lnTo>
+                  <a:cubicBezTo>
+                    <a:pt x="14569" y="2185"/>
+                    <a:pt x="18147" y="5764"/>
+                    <a:pt x="18147" y="10166"/>
+                  </a:cubicBezTo>
+                  <a:cubicBezTo>
+                    <a:pt x="18147" y="14599"/>
+                    <a:pt x="14569" y="18178"/>
+                    <a:pt x="10135" y="18178"/>
+                  </a:cubicBezTo>
+                  <a:cubicBezTo>
+                    <a:pt x="5733" y="18178"/>
+                    <a:pt x="2154" y="14599"/>
+                    <a:pt x="2154" y="10166"/>
+                  </a:cubicBezTo>
+                  <a:cubicBezTo>
+                    <a:pt x="2154" y="5764"/>
+                    <a:pt x="5733" y="2185"/>
+                    <a:pt x="10135" y="2185"/>
+                  </a:cubicBezTo>
+                  <a:close/>
+                  <a:moveTo>
+                    <a:pt x="10135" y="0"/>
+                  </a:moveTo>
+                  <a:cubicBezTo>
+                    <a:pt x="4530" y="0"/>
+                    <a:pt x="1" y="4560"/>
+                    <a:pt x="1" y="10166"/>
+                  </a:cubicBezTo>
+                  <a:cubicBezTo>
+                    <a:pt x="1" y="15771"/>
+                    <a:pt x="4561" y="20331"/>
+                    <a:pt x="10135" y="20331"/>
+                  </a:cubicBezTo>
+                  <a:cubicBezTo>
+                    <a:pt x="15740" y="20331"/>
+                    <a:pt x="20301" y="15771"/>
+                    <a:pt x="20301" y="10166"/>
+                  </a:cubicBezTo>
+                  <a:cubicBezTo>
+                    <a:pt x="20301" y="4560"/>
+                    <a:pt x="15740" y="0"/>
+                    <a:pt x="10135" y="0"/>
+                  </a:cubicBezTo>
                   <a:close/>
                 </a:path>
               </a:pathLst>
             </a:custGeom>
             <a:solidFill>
-              <a:srgbClr val="222831"/>
+              <a:srgbClr val="F2A365"/>
             </a:solidFill>
             <a:ln>
               <a:noFill/>
@@ -11322,28 +11018,60 @@
           </p:nvSpPr>
           <p:spPr>
             <a:xfrm>
-              <a:off x="2917325" y="3359025"/>
-              <a:ext cx="447350" cy="280300"/>
+              <a:off x="2603000" y="3506300"/>
+              <a:ext cx="374500" cy="374500"/>
             </a:xfrm>
             <a:custGeom>
               <a:rect b="b" l="l" r="r" t="t"/>
               <a:pathLst>
-                <a:path extrusionOk="0" h="11212" w="17894">
+                <a:path extrusionOk="0" h="14980" w="14980">
                   <a:moveTo>
-                    <a:pt x="16848" y="1"/>
+                    <a:pt x="7506" y="2185"/>
                   </a:moveTo>
-                  <a:lnTo>
-                    <a:pt x="0" y="9311"/>
-                  </a:lnTo>
-                  <a:lnTo>
-                    <a:pt x="1045" y="11212"/>
-                  </a:lnTo>
-                  <a:lnTo>
-                    <a:pt x="17893" y="1901"/>
-                  </a:lnTo>
-                  <a:lnTo>
-                    <a:pt x="16848" y="1"/>
-                  </a:lnTo>
+                  <a:cubicBezTo>
+                    <a:pt x="10420" y="2185"/>
+                    <a:pt x="12826" y="4560"/>
+                    <a:pt x="12826" y="7506"/>
+                  </a:cubicBezTo>
+                  <a:cubicBezTo>
+                    <a:pt x="12826" y="10419"/>
+                    <a:pt x="10420" y="12794"/>
+                    <a:pt x="7506" y="12794"/>
+                  </a:cubicBezTo>
+                  <a:cubicBezTo>
+                    <a:pt x="4561" y="12794"/>
+                    <a:pt x="2186" y="10419"/>
+                    <a:pt x="2186" y="7506"/>
+                  </a:cubicBezTo>
+                  <a:cubicBezTo>
+                    <a:pt x="2186" y="4560"/>
+                    <a:pt x="4561" y="2185"/>
+                    <a:pt x="7506" y="2185"/>
+                  </a:cubicBezTo>
+                  <a:close/>
+                  <a:moveTo>
+                    <a:pt x="7506" y="0"/>
+                  </a:moveTo>
+                  <a:cubicBezTo>
+                    <a:pt x="3357" y="0"/>
+                    <a:pt x="1" y="3357"/>
+                    <a:pt x="1" y="7474"/>
+                  </a:cubicBezTo>
+                  <a:cubicBezTo>
+                    <a:pt x="1" y="11623"/>
+                    <a:pt x="3357" y="14980"/>
+                    <a:pt x="7506" y="14980"/>
+                  </a:cubicBezTo>
+                  <a:cubicBezTo>
+                    <a:pt x="11623" y="14980"/>
+                    <a:pt x="14980" y="11623"/>
+                    <a:pt x="14980" y="7474"/>
+                  </a:cubicBezTo>
+                  <a:cubicBezTo>
+                    <a:pt x="14980" y="3357"/>
+                    <a:pt x="11623" y="0"/>
+                    <a:pt x="7506" y="0"/>
+                  </a:cubicBezTo>
                   <a:close/>
                 </a:path>
               </a:pathLst>
@@ -11401,60 +11129,186 @@
           </p:nvSpPr>
           <p:spPr>
             <a:xfrm>
-              <a:off x="4016225" y="3644850"/>
-              <a:ext cx="184500" cy="183700"/>
+              <a:off x="4264050" y="3195925"/>
+              <a:ext cx="344425" cy="232000"/>
             </a:xfrm>
             <a:custGeom>
               <a:rect b="b" l="l" r="r" t="t"/>
               <a:pathLst>
-                <a:path extrusionOk="0" h="7348" w="7380">
+                <a:path extrusionOk="0" h="9280" w="13777">
                   <a:moveTo>
-                    <a:pt x="3706" y="2154"/>
+                    <a:pt x="1077" y="1"/>
                   </a:moveTo>
-                  <a:cubicBezTo>
-                    <a:pt x="4529" y="2154"/>
-                    <a:pt x="5195" y="2850"/>
-                    <a:pt x="5195" y="3674"/>
-                  </a:cubicBezTo>
-                  <a:cubicBezTo>
-                    <a:pt x="5195" y="4497"/>
-                    <a:pt x="4529" y="5194"/>
-                    <a:pt x="3706" y="5194"/>
-                  </a:cubicBezTo>
-                  <a:cubicBezTo>
-                    <a:pt x="2851" y="5194"/>
-                    <a:pt x="2186" y="4497"/>
-                    <a:pt x="2186" y="3674"/>
-                  </a:cubicBezTo>
-                  <a:cubicBezTo>
-                    <a:pt x="2186" y="2850"/>
-                    <a:pt x="2851" y="2154"/>
-                    <a:pt x="3706" y="2154"/>
-                  </a:cubicBezTo>
+                  <a:lnTo>
+                    <a:pt x="0" y="1869"/>
+                  </a:lnTo>
+                  <a:lnTo>
+                    <a:pt x="12700" y="9280"/>
+                  </a:lnTo>
+                  <a:lnTo>
+                    <a:pt x="13776" y="7411"/>
+                  </a:lnTo>
+                  <a:lnTo>
+                    <a:pt x="1077" y="1"/>
+                  </a:lnTo>
                   <a:close/>
+                </a:path>
+              </a:pathLst>
+            </a:custGeom>
+            <a:solidFill>
+              <a:srgbClr val="30475E"/>
+            </a:solidFill>
+            <a:ln>
+              <a:noFill/>
+            </a:ln>
+          </p:spPr>
+          <p:txBody>
+            <a:bodyPr anchorCtr="0" anchor="ctr" bIns="89650" lIns="89650" spcFirstLastPara="1" rIns="89650" wrap="square" tIns="89650">
+              <a:noAutofit/>
+            </a:bodyPr>
+            <a:lstStyle/>
+            <a:p>
+              <a:pPr indent="0" lvl="0" marL="0" marR="0" rtl="0" algn="l">
+                <a:lnSpc>
+                  <a:spcPct val="100000"/>
+                </a:lnSpc>
+                <a:spcBef>
+                  <a:spcPts val="0"/>
+                </a:spcBef>
+                <a:spcAft>
+                  <a:spcPts val="0"/>
+                </a:spcAft>
+                <a:buClr>
+                  <a:srgbClr val="000000"/>
+                </a:buClr>
+                <a:buSzPts val="1373"/>
+                <a:buFont typeface="Arial"/>
+                <a:buNone/>
+              </a:pPr>
+              <a:r>
+                <a:t/>
+              </a:r>
+              <a:endParaRPr b="0" i="0" sz="1372" u="none" cap="none" strike="noStrike">
+                <a:solidFill>
+                  <a:srgbClr val="000000"/>
+                </a:solidFill>
+                <a:latin typeface="Arial"/>
+                <a:ea typeface="Arial"/>
+                <a:cs typeface="Arial"/>
+                <a:sym typeface="Arial"/>
+              </a:endParaRPr>
+            </a:p>
+          </p:txBody>
+        </p:sp>
+        <p:sp>
+          <p:nvSpPr>
+            <p:cNvPr id="431" name="Google Shape;431;g385652bf586_0_219"/>
+            <p:cNvSpPr/>
+            <p:nvPr/>
+          </p:nvSpPr>
+          <p:spPr>
+            <a:xfrm>
+              <a:off x="4263250" y="2574425"/>
+              <a:ext cx="749800" cy="292975"/>
+            </a:xfrm>
+            <a:custGeom>
+              <a:rect b="b" l="l" r="r" t="t"/>
+              <a:pathLst>
+                <a:path extrusionOk="0" h="11719" w="29992">
                   <a:moveTo>
-                    <a:pt x="3706" y="0"/>
+                    <a:pt x="29294" y="1"/>
                   </a:moveTo>
-                  <a:cubicBezTo>
-                    <a:pt x="1648" y="0"/>
-                    <a:pt x="1" y="1647"/>
-                    <a:pt x="1" y="3674"/>
-                  </a:cubicBezTo>
-                  <a:cubicBezTo>
-                    <a:pt x="1" y="5701"/>
-                    <a:pt x="1648" y="7347"/>
-                    <a:pt x="3706" y="7347"/>
-                  </a:cubicBezTo>
-                  <a:cubicBezTo>
-                    <a:pt x="5733" y="7347"/>
-                    <a:pt x="7380" y="5701"/>
-                    <a:pt x="7380" y="3674"/>
-                  </a:cubicBezTo>
-                  <a:cubicBezTo>
-                    <a:pt x="7380" y="1647"/>
-                    <a:pt x="5733" y="0"/>
-                    <a:pt x="3706" y="0"/>
-                  </a:cubicBezTo>
+                  <a:lnTo>
+                    <a:pt x="1" y="9692"/>
+                  </a:lnTo>
+                  <a:lnTo>
+                    <a:pt x="666" y="11718"/>
+                  </a:lnTo>
+                  <a:lnTo>
+                    <a:pt x="29991" y="2028"/>
+                  </a:lnTo>
+                  <a:lnTo>
+                    <a:pt x="29294" y="1"/>
+                  </a:lnTo>
+                  <a:close/>
+                </a:path>
+              </a:pathLst>
+            </a:custGeom>
+            <a:solidFill>
+              <a:srgbClr val="222831"/>
+            </a:solidFill>
+            <a:ln>
+              <a:noFill/>
+            </a:ln>
+          </p:spPr>
+          <p:txBody>
+            <a:bodyPr anchorCtr="0" anchor="ctr" bIns="89650" lIns="89650" spcFirstLastPara="1" rIns="89650" wrap="square" tIns="89650">
+              <a:noAutofit/>
+            </a:bodyPr>
+            <a:lstStyle/>
+            <a:p>
+              <a:pPr indent="0" lvl="0" marL="0" marR="0" rtl="0" algn="l">
+                <a:lnSpc>
+                  <a:spcPct val="100000"/>
+                </a:lnSpc>
+                <a:spcBef>
+                  <a:spcPts val="0"/>
+                </a:spcBef>
+                <a:spcAft>
+                  <a:spcPts val="0"/>
+                </a:spcAft>
+                <a:buClr>
+                  <a:srgbClr val="000000"/>
+                </a:buClr>
+                <a:buSzPts val="1373"/>
+                <a:buFont typeface="Arial"/>
+                <a:buNone/>
+              </a:pPr>
+              <a:r>
+                <a:t/>
+              </a:r>
+              <a:endParaRPr b="0" i="0" sz="1372" u="none" cap="none" strike="noStrike">
+                <a:solidFill>
+                  <a:srgbClr val="000000"/>
+                </a:solidFill>
+                <a:latin typeface="Arial"/>
+                <a:ea typeface="Arial"/>
+                <a:cs typeface="Arial"/>
+                <a:sym typeface="Arial"/>
+              </a:endParaRPr>
+            </a:p>
+          </p:txBody>
+        </p:sp>
+        <p:sp>
+          <p:nvSpPr>
+            <p:cNvPr id="432" name="Google Shape;432;g385652bf586_0_219"/>
+            <p:cNvSpPr/>
+            <p:nvPr/>
+          </p:nvSpPr>
+          <p:spPr>
+            <a:xfrm>
+              <a:off x="2652075" y="2671025"/>
+              <a:ext cx="598575" cy="227250"/>
+            </a:xfrm>
+            <a:custGeom>
+              <a:rect b="b" l="l" r="r" t="t"/>
+              <a:pathLst>
+                <a:path extrusionOk="0" h="9090" w="23943">
+                  <a:moveTo>
+                    <a:pt x="603" y="0"/>
+                  </a:moveTo>
+                  <a:lnTo>
+                    <a:pt x="1" y="2091"/>
+                  </a:lnTo>
+                  <a:lnTo>
+                    <a:pt x="23309" y="9089"/>
+                  </a:lnTo>
+                  <a:lnTo>
+                    <a:pt x="23943" y="6999"/>
+                  </a:lnTo>
+                  <a:lnTo>
+                    <a:pt x="603" y="0"/>
+                  </a:lnTo>
                   <a:close/>
                 </a:path>
               </a:pathLst>
@@ -11506,250 +11360,72 @@
         </p:sp>
         <p:sp>
           <p:nvSpPr>
-            <p:cNvPr id="431" name="Google Shape;431;g385652bf586_0_219"/>
-            <p:cNvSpPr/>
-            <p:nvPr/>
-          </p:nvSpPr>
-          <p:spPr>
-            <a:xfrm>
-              <a:off x="3987725" y="3503925"/>
-              <a:ext cx="121175" cy="178950"/>
-            </a:xfrm>
-            <a:custGeom>
-              <a:rect b="b" l="l" r="r" t="t"/>
-              <a:pathLst>
-                <a:path extrusionOk="0" h="7158" w="4847">
-                  <a:moveTo>
-                    <a:pt x="1964" y="0"/>
-                  </a:moveTo>
-                  <a:lnTo>
-                    <a:pt x="1" y="919"/>
-                  </a:lnTo>
-                  <a:lnTo>
-                    <a:pt x="2883" y="7157"/>
-                  </a:lnTo>
-                  <a:lnTo>
-                    <a:pt x="4846" y="6239"/>
-                  </a:lnTo>
-                  <a:lnTo>
-                    <a:pt x="1964" y="0"/>
-                  </a:lnTo>
-                  <a:close/>
-                </a:path>
-              </a:pathLst>
-            </a:custGeom>
-            <a:solidFill>
-              <a:srgbClr val="F2A365"/>
-            </a:solidFill>
-            <a:ln>
-              <a:noFill/>
-            </a:ln>
-          </p:spPr>
-          <p:txBody>
-            <a:bodyPr anchorCtr="0" anchor="ctr" bIns="89650" lIns="89650" spcFirstLastPara="1" rIns="89650" wrap="square" tIns="89650">
-              <a:noAutofit/>
-            </a:bodyPr>
-            <a:lstStyle/>
-            <a:p>
-              <a:pPr indent="0" lvl="0" marL="0" marR="0" rtl="0" algn="l">
-                <a:lnSpc>
-                  <a:spcPct val="100000"/>
-                </a:lnSpc>
-                <a:spcBef>
-                  <a:spcPts val="0"/>
-                </a:spcBef>
-                <a:spcAft>
-                  <a:spcPts val="0"/>
-                </a:spcAft>
-                <a:buClr>
-                  <a:srgbClr val="000000"/>
-                </a:buClr>
-                <a:buSzPts val="1373"/>
-                <a:buFont typeface="Arial"/>
-                <a:buNone/>
-              </a:pPr>
-              <a:r>
-                <a:t/>
-              </a:r>
-              <a:endParaRPr b="0" i="0" sz="1372" u="none" cap="none" strike="noStrike">
-                <a:solidFill>
-                  <a:srgbClr val="000000"/>
-                </a:solidFill>
-                <a:latin typeface="Arial"/>
-                <a:ea typeface="Arial"/>
-                <a:cs typeface="Arial"/>
-                <a:sym typeface="Arial"/>
-              </a:endParaRPr>
-            </a:p>
-          </p:txBody>
-        </p:sp>
-        <p:sp>
-          <p:nvSpPr>
-            <p:cNvPr id="432" name="Google Shape;432;g385652bf586_0_219"/>
-            <p:cNvSpPr/>
-            <p:nvPr/>
-          </p:nvSpPr>
-          <p:spPr>
-            <a:xfrm>
-              <a:off x="3312375" y="2224300"/>
-              <a:ext cx="191625" cy="184175"/>
-            </a:xfrm>
-            <a:custGeom>
-              <a:rect b="b" l="l" r="r" t="t"/>
-              <a:pathLst>
-                <a:path extrusionOk="0" h="7367" w="7665">
-                  <a:moveTo>
-                    <a:pt x="3825" y="2189"/>
-                  </a:moveTo>
-                  <a:cubicBezTo>
-                    <a:pt x="4599" y="2189"/>
-                    <a:pt x="5261" y="2773"/>
-                    <a:pt x="5321" y="3587"/>
-                  </a:cubicBezTo>
-                  <a:cubicBezTo>
-                    <a:pt x="5385" y="4410"/>
-                    <a:pt x="4783" y="5139"/>
-                    <a:pt x="3928" y="5202"/>
-                  </a:cubicBezTo>
-                  <a:cubicBezTo>
-                    <a:pt x="3890" y="5205"/>
-                    <a:pt x="3852" y="5206"/>
-                    <a:pt x="3814" y="5206"/>
-                  </a:cubicBezTo>
-                  <a:cubicBezTo>
-                    <a:pt x="3039" y="5206"/>
-                    <a:pt x="2373" y="4594"/>
-                    <a:pt x="2313" y="3808"/>
-                  </a:cubicBezTo>
-                  <a:cubicBezTo>
-                    <a:pt x="2250" y="2985"/>
-                    <a:pt x="2883" y="2257"/>
-                    <a:pt x="3706" y="2193"/>
-                  </a:cubicBezTo>
-                  <a:cubicBezTo>
-                    <a:pt x="3746" y="2190"/>
-                    <a:pt x="3786" y="2189"/>
-                    <a:pt x="3825" y="2189"/>
-                  </a:cubicBezTo>
-                  <a:close/>
-                  <a:moveTo>
-                    <a:pt x="3784" y="1"/>
-                  </a:moveTo>
-                  <a:cubicBezTo>
-                    <a:pt x="3706" y="1"/>
-                    <a:pt x="3627" y="3"/>
-                    <a:pt x="3548" y="8"/>
-                  </a:cubicBezTo>
-                  <a:cubicBezTo>
-                    <a:pt x="1521" y="167"/>
-                    <a:pt x="1" y="1940"/>
-                    <a:pt x="159" y="3967"/>
-                  </a:cubicBezTo>
-                  <a:cubicBezTo>
-                    <a:pt x="310" y="5896"/>
-                    <a:pt x="1896" y="7367"/>
-                    <a:pt x="3797" y="7367"/>
-                  </a:cubicBezTo>
-                  <a:cubicBezTo>
-                    <a:pt x="3892" y="7367"/>
-                    <a:pt x="3989" y="7363"/>
-                    <a:pt x="4086" y="7355"/>
-                  </a:cubicBezTo>
-                  <a:cubicBezTo>
-                    <a:pt x="6113" y="7229"/>
-                    <a:pt x="7665" y="5455"/>
-                    <a:pt x="7507" y="3428"/>
-                  </a:cubicBezTo>
-                  <a:cubicBezTo>
-                    <a:pt x="7354" y="1481"/>
-                    <a:pt x="5711" y="1"/>
-                    <a:pt x="3784" y="1"/>
-                  </a:cubicBezTo>
-                  <a:close/>
-                </a:path>
-              </a:pathLst>
-            </a:custGeom>
-            <a:solidFill>
-              <a:srgbClr val="30475E"/>
-            </a:solidFill>
-            <a:ln>
-              <a:noFill/>
-            </a:ln>
-          </p:spPr>
-          <p:txBody>
-            <a:bodyPr anchorCtr="0" anchor="ctr" bIns="89650" lIns="89650" spcFirstLastPara="1" rIns="89650" wrap="square" tIns="89650">
-              <a:noAutofit/>
-            </a:bodyPr>
-            <a:lstStyle/>
-            <a:p>
-              <a:pPr indent="0" lvl="0" marL="0" marR="0" rtl="0" algn="l">
-                <a:lnSpc>
-                  <a:spcPct val="100000"/>
-                </a:lnSpc>
-                <a:spcBef>
-                  <a:spcPts val="0"/>
-                </a:spcBef>
-                <a:spcAft>
-                  <a:spcPts val="0"/>
-                </a:spcAft>
-                <a:buClr>
-                  <a:srgbClr val="000000"/>
-                </a:buClr>
-                <a:buSzPts val="1373"/>
-                <a:buFont typeface="Arial"/>
-                <a:buNone/>
-              </a:pPr>
-              <a:r>
-                <a:t/>
-              </a:r>
-              <a:endParaRPr b="0" i="0" sz="1372" u="none" cap="none" strike="noStrike">
-                <a:solidFill>
-                  <a:srgbClr val="000000"/>
-                </a:solidFill>
-                <a:latin typeface="Arial"/>
-                <a:ea typeface="Arial"/>
-                <a:cs typeface="Arial"/>
-                <a:sym typeface="Arial"/>
-              </a:endParaRPr>
-            </a:p>
-          </p:txBody>
-        </p:sp>
-        <p:sp>
-          <p:nvSpPr>
             <p:cNvPr id="433" name="Google Shape;433;g385652bf586_0_219"/>
             <p:cNvSpPr/>
             <p:nvPr/>
           </p:nvSpPr>
           <p:spPr>
             <a:xfrm>
-              <a:off x="3412925" y="2366200"/>
-              <a:ext cx="131475" cy="177375"/>
+              <a:off x="2920475" y="3168225"/>
+              <a:ext cx="183725" cy="183700"/>
             </a:xfrm>
             <a:custGeom>
               <a:rect b="b" l="l" r="r" t="t"/>
               <a:pathLst>
-                <a:path extrusionOk="0" h="7095" w="5259">
+                <a:path extrusionOk="0" h="7348" w="7349">
                   <a:moveTo>
-                    <a:pt x="1901" y="1"/>
+                    <a:pt x="3674" y="2154"/>
                   </a:moveTo>
-                  <a:lnTo>
-                    <a:pt x="1" y="1078"/>
-                  </a:lnTo>
-                  <a:lnTo>
-                    <a:pt x="3358" y="7095"/>
-                  </a:lnTo>
-                  <a:lnTo>
-                    <a:pt x="5258" y="6018"/>
-                  </a:lnTo>
-                  <a:lnTo>
-                    <a:pt x="1901" y="1"/>
-                  </a:lnTo>
+                  <a:cubicBezTo>
+                    <a:pt x="4498" y="2154"/>
+                    <a:pt x="5195" y="2851"/>
+                    <a:pt x="5195" y="3674"/>
+                  </a:cubicBezTo>
+                  <a:cubicBezTo>
+                    <a:pt x="5195" y="4498"/>
+                    <a:pt x="4498" y="5194"/>
+                    <a:pt x="3674" y="5194"/>
+                  </a:cubicBezTo>
+                  <a:cubicBezTo>
+                    <a:pt x="2851" y="5194"/>
+                    <a:pt x="2154" y="4498"/>
+                    <a:pt x="2154" y="3674"/>
+                  </a:cubicBezTo>
+                  <a:cubicBezTo>
+                    <a:pt x="2154" y="2851"/>
+                    <a:pt x="2851" y="2154"/>
+                    <a:pt x="3674" y="2154"/>
+                  </a:cubicBezTo>
+                  <a:close/>
+                  <a:moveTo>
+                    <a:pt x="3674" y="1"/>
+                  </a:moveTo>
+                  <a:cubicBezTo>
+                    <a:pt x="1648" y="1"/>
+                    <a:pt x="1" y="1647"/>
+                    <a:pt x="1" y="3674"/>
+                  </a:cubicBezTo>
+                  <a:cubicBezTo>
+                    <a:pt x="1" y="5701"/>
+                    <a:pt x="1648" y="7348"/>
+                    <a:pt x="3674" y="7348"/>
+                  </a:cubicBezTo>
+                  <a:cubicBezTo>
+                    <a:pt x="5701" y="7348"/>
+                    <a:pt x="7348" y="5701"/>
+                    <a:pt x="7348" y="3674"/>
+                  </a:cubicBezTo>
+                  <a:cubicBezTo>
+                    <a:pt x="7348" y="1647"/>
+                    <a:pt x="5701" y="1"/>
+                    <a:pt x="3674" y="1"/>
+                  </a:cubicBezTo>
                   <a:close/>
                 </a:path>
               </a:pathLst>
             </a:custGeom>
             <a:solidFill>
-              <a:srgbClr val="30475E"/>
+              <a:srgbClr val="222831"/>
             </a:solidFill>
             <a:ln>
               <a:noFill/>
@@ -11801,86 +11477,34 @@
           </p:nvSpPr>
           <p:spPr>
             <a:xfrm>
-              <a:off x="4122325" y="2059275"/>
-              <a:ext cx="209825" cy="184225"/>
+              <a:off x="3062200" y="3162675"/>
+              <a:ext cx="186075" cy="91075"/>
             </a:xfrm>
             <a:custGeom>
               <a:rect b="b" l="l" r="r" t="t"/>
               <a:pathLst>
-                <a:path extrusionOk="0" h="7369" w="8393">
+                <a:path extrusionOk="0" h="3643" w="7443">
                   <a:moveTo>
-                    <a:pt x="4183" y="2167"/>
+                    <a:pt x="6999" y="1"/>
                   </a:moveTo>
-                  <a:cubicBezTo>
-                    <a:pt x="4666" y="2167"/>
-                    <a:pt x="5150" y="2404"/>
-                    <a:pt x="5448" y="2841"/>
-                  </a:cubicBezTo>
-                  <a:cubicBezTo>
-                    <a:pt x="5923" y="3537"/>
-                    <a:pt x="5733" y="4487"/>
-                    <a:pt x="5036" y="4962"/>
-                  </a:cubicBezTo>
-                  <a:cubicBezTo>
-                    <a:pt x="4780" y="5125"/>
-                    <a:pt x="4491" y="5202"/>
-                    <a:pt x="4204" y="5202"/>
-                  </a:cubicBezTo>
-                  <a:cubicBezTo>
-                    <a:pt x="3710" y="5202"/>
-                    <a:pt x="3226" y="4972"/>
-                    <a:pt x="2946" y="4551"/>
-                  </a:cubicBezTo>
-                  <a:cubicBezTo>
-                    <a:pt x="2471" y="3854"/>
-                    <a:pt x="2661" y="2904"/>
-                    <a:pt x="3357" y="2429"/>
-                  </a:cubicBezTo>
-                  <a:cubicBezTo>
-                    <a:pt x="3606" y="2251"/>
-                    <a:pt x="3894" y="2167"/>
-                    <a:pt x="4183" y="2167"/>
-                  </a:cubicBezTo>
-                  <a:close/>
-                  <a:moveTo>
-                    <a:pt x="4170" y="1"/>
-                  </a:moveTo>
-                  <a:cubicBezTo>
-                    <a:pt x="3467" y="1"/>
-                    <a:pt x="2756" y="201"/>
-                    <a:pt x="2122" y="624"/>
-                  </a:cubicBezTo>
-                  <a:cubicBezTo>
-                    <a:pt x="444" y="1764"/>
-                    <a:pt x="0" y="4076"/>
-                    <a:pt x="1141" y="5754"/>
-                  </a:cubicBezTo>
-                  <a:cubicBezTo>
-                    <a:pt x="1853" y="6802"/>
-                    <a:pt x="3009" y="7369"/>
-                    <a:pt x="4186" y="7369"/>
-                  </a:cubicBezTo>
-                  <a:cubicBezTo>
-                    <a:pt x="4894" y="7369"/>
-                    <a:pt x="5609" y="7164"/>
-                    <a:pt x="6239" y="6736"/>
-                  </a:cubicBezTo>
-                  <a:cubicBezTo>
-                    <a:pt x="7949" y="5627"/>
-                    <a:pt x="8393" y="3316"/>
-                    <a:pt x="7253" y="1637"/>
-                  </a:cubicBezTo>
-                  <a:cubicBezTo>
-                    <a:pt x="6535" y="581"/>
-                    <a:pt x="5365" y="1"/>
-                    <a:pt x="4170" y="1"/>
-                  </a:cubicBezTo>
+                  <a:lnTo>
+                    <a:pt x="1" y="1521"/>
+                  </a:lnTo>
+                  <a:lnTo>
+                    <a:pt x="476" y="3643"/>
+                  </a:lnTo>
+                  <a:lnTo>
+                    <a:pt x="7443" y="2123"/>
+                  </a:lnTo>
+                  <a:lnTo>
+                    <a:pt x="6999" y="1"/>
+                  </a:lnTo>
                   <a:close/>
                 </a:path>
               </a:pathLst>
             </a:custGeom>
             <a:solidFill>
-              <a:srgbClr val="CECECE"/>
+              <a:srgbClr val="222831"/>
             </a:solidFill>
             <a:ln>
               <a:noFill/>
@@ -11932,27 +11556,27 @@
           </p:nvSpPr>
           <p:spPr>
             <a:xfrm>
-              <a:off x="3978225" y="2193625"/>
-              <a:ext cx="231225" cy="346000"/>
+              <a:off x="2917325" y="3359025"/>
+              <a:ext cx="447350" cy="280300"/>
             </a:xfrm>
             <a:custGeom>
               <a:rect b="b" l="l" r="r" t="t"/>
               <a:pathLst>
-                <a:path extrusionOk="0" h="13840" w="9249">
+                <a:path extrusionOk="0" h="11212" w="17894">
                   <a:moveTo>
-                    <a:pt x="7411" y="0"/>
+                    <a:pt x="16848" y="1"/>
                   </a:moveTo>
                   <a:lnTo>
-                    <a:pt x="1" y="12731"/>
-                  </a:lnTo>
-                  <a:lnTo>
-                    <a:pt x="1869" y="13839"/>
-                  </a:lnTo>
-                  <a:lnTo>
-                    <a:pt x="9248" y="1140"/>
-                  </a:lnTo>
-                  <a:lnTo>
-                    <a:pt x="7411" y="0"/>
+                    <a:pt x="0" y="9311"/>
+                  </a:lnTo>
+                  <a:lnTo>
+                    <a:pt x="1045" y="11212"/>
+                  </a:lnTo>
+                  <a:lnTo>
+                    <a:pt x="17893" y="1901"/>
+                  </a:lnTo>
+                  <a:lnTo>
+                    <a:pt x="16848" y="1"/>
                   </a:lnTo>
                   <a:close/>
                 </a:path>
@@ -12011,99 +11635,59 @@
           </p:nvSpPr>
           <p:spPr>
             <a:xfrm>
-              <a:off x="3189675" y="2450925"/>
-              <a:ext cx="1152775" cy="1152775"/>
+              <a:off x="4016225" y="3644850"/>
+              <a:ext cx="184500" cy="183700"/>
             </a:xfrm>
             <a:custGeom>
               <a:rect b="b" l="l" r="r" t="t"/>
               <a:pathLst>
-                <a:path extrusionOk="0" h="46111" w="46111">
+                <a:path extrusionOk="0" h="7348" w="7380">
                   <a:moveTo>
-                    <a:pt x="23055" y="2439"/>
+                    <a:pt x="3706" y="2154"/>
                   </a:moveTo>
                   <a:cubicBezTo>
-                    <a:pt x="27616" y="2439"/>
-                    <a:pt x="31828" y="3927"/>
-                    <a:pt x="35248" y="6461"/>
-                  </a:cubicBezTo>
-                  <a:cubicBezTo>
-                    <a:pt x="39428" y="9501"/>
-                    <a:pt x="42405" y="14093"/>
-                    <a:pt x="43355" y="19382"/>
-                  </a:cubicBezTo>
-                  <a:cubicBezTo>
-                    <a:pt x="43577" y="20585"/>
-                    <a:pt x="43672" y="21820"/>
-                    <a:pt x="43672" y="23055"/>
-                  </a:cubicBezTo>
-                  <a:cubicBezTo>
-                    <a:pt x="43672" y="34425"/>
-                    <a:pt x="34425" y="43672"/>
-                    <a:pt x="23055" y="43672"/>
-                  </a:cubicBezTo>
-                  <a:cubicBezTo>
-                    <a:pt x="11686" y="43672"/>
-                    <a:pt x="2439" y="34425"/>
-                    <a:pt x="2439" y="23055"/>
-                  </a:cubicBezTo>
-                  <a:cubicBezTo>
-                    <a:pt x="2439" y="18970"/>
-                    <a:pt x="3642" y="15170"/>
-                    <a:pt x="5701" y="11971"/>
-                  </a:cubicBezTo>
-                  <a:cubicBezTo>
-                    <a:pt x="7158" y="9660"/>
-                    <a:pt x="9089" y="7696"/>
-                    <a:pt x="11338" y="6113"/>
-                  </a:cubicBezTo>
-                  <a:cubicBezTo>
-                    <a:pt x="14663" y="3801"/>
-                    <a:pt x="18717" y="2439"/>
-                    <a:pt x="23055" y="2439"/>
+                    <a:pt x="4529" y="2154"/>
+                    <a:pt x="5195" y="2850"/>
+                    <a:pt x="5195" y="3674"/>
+                  </a:cubicBezTo>
+                  <a:cubicBezTo>
+                    <a:pt x="5195" y="4497"/>
+                    <a:pt x="4529" y="5194"/>
+                    <a:pt x="3706" y="5194"/>
+                  </a:cubicBezTo>
+                  <a:cubicBezTo>
+                    <a:pt x="2851" y="5194"/>
+                    <a:pt x="2186" y="4497"/>
+                    <a:pt x="2186" y="3674"/>
+                  </a:cubicBezTo>
+                  <a:cubicBezTo>
+                    <a:pt x="2186" y="2850"/>
+                    <a:pt x="2851" y="2154"/>
+                    <a:pt x="3706" y="2154"/>
                   </a:cubicBezTo>
                   <a:close/>
                   <a:moveTo>
-                    <a:pt x="23055" y="1"/>
+                    <a:pt x="3706" y="0"/>
                   </a:moveTo>
                   <a:cubicBezTo>
-                    <a:pt x="18115" y="1"/>
-                    <a:pt x="13523" y="1584"/>
-                    <a:pt x="9754" y="4244"/>
-                  </a:cubicBezTo>
-                  <a:cubicBezTo>
-                    <a:pt x="7316" y="5986"/>
-                    <a:pt x="5194" y="8203"/>
-                    <a:pt x="3579" y="10736"/>
-                  </a:cubicBezTo>
-                  <a:cubicBezTo>
-                    <a:pt x="1330" y="14315"/>
-                    <a:pt x="0" y="18527"/>
-                    <a:pt x="0" y="23055"/>
-                  </a:cubicBezTo>
-                  <a:cubicBezTo>
-                    <a:pt x="0" y="35786"/>
-                    <a:pt x="10356" y="46110"/>
-                    <a:pt x="23055" y="46110"/>
-                  </a:cubicBezTo>
-                  <a:cubicBezTo>
-                    <a:pt x="35786" y="46110"/>
-                    <a:pt x="46110" y="35786"/>
-                    <a:pt x="46110" y="23055"/>
-                  </a:cubicBezTo>
-                  <a:cubicBezTo>
-                    <a:pt x="46110" y="21757"/>
-                    <a:pt x="46015" y="20459"/>
-                    <a:pt x="45794" y="19192"/>
-                  </a:cubicBezTo>
-                  <a:cubicBezTo>
-                    <a:pt x="44780" y="13111"/>
-                    <a:pt x="41360" y="7854"/>
-                    <a:pt x="36546" y="4371"/>
-                  </a:cubicBezTo>
-                  <a:cubicBezTo>
-                    <a:pt x="32746" y="1616"/>
-                    <a:pt x="28091" y="1"/>
-                    <a:pt x="23055" y="1"/>
+                    <a:pt x="1648" y="0"/>
+                    <a:pt x="1" y="1647"/>
+                    <a:pt x="1" y="3674"/>
+                  </a:cubicBezTo>
+                  <a:cubicBezTo>
+                    <a:pt x="1" y="5701"/>
+                    <a:pt x="1648" y="7347"/>
+                    <a:pt x="3706" y="7347"/>
+                  </a:cubicBezTo>
+                  <a:cubicBezTo>
+                    <a:pt x="5733" y="7347"/>
+                    <a:pt x="7380" y="5701"/>
+                    <a:pt x="7380" y="3674"/>
+                  </a:cubicBezTo>
+                  <a:cubicBezTo>
+                    <a:pt x="7380" y="1647"/>
+                    <a:pt x="5733" y="0"/>
+                    <a:pt x="3706" y="0"/>
                   </a:cubicBezTo>
                   <a:close/>
                 </a:path>
@@ -12162,218 +11746,34 @@
           </p:nvSpPr>
           <p:spPr>
             <a:xfrm>
-              <a:off x="2696425" y="3599725"/>
-              <a:ext cx="187675" cy="187650"/>
+              <a:off x="3987725" y="3503925"/>
+              <a:ext cx="121175" cy="178950"/>
             </a:xfrm>
             <a:custGeom>
               <a:rect b="b" l="l" r="r" t="t"/>
               <a:pathLst>
-                <a:path extrusionOk="0" h="7506" w="7507">
+                <a:path extrusionOk="0" h="7158" w="4847">
                   <a:moveTo>
-                    <a:pt x="3769" y="2280"/>
+                    <a:pt x="1964" y="0"/>
                   </a:moveTo>
-                  <a:cubicBezTo>
-                    <a:pt x="4624" y="2280"/>
-                    <a:pt x="5321" y="3009"/>
-                    <a:pt x="5321" y="3864"/>
-                  </a:cubicBezTo>
-                  <a:cubicBezTo>
-                    <a:pt x="5321" y="4719"/>
-                    <a:pt x="4624" y="5415"/>
-                    <a:pt x="3769" y="5415"/>
-                  </a:cubicBezTo>
-                  <a:lnTo>
-                    <a:pt x="3737" y="5415"/>
-                  </a:lnTo>
-                  <a:cubicBezTo>
-                    <a:pt x="2882" y="5415"/>
-                    <a:pt x="2186" y="4687"/>
-                    <a:pt x="2186" y="3864"/>
-                  </a:cubicBezTo>
-                  <a:cubicBezTo>
-                    <a:pt x="2186" y="3009"/>
-                    <a:pt x="2882" y="2312"/>
-                    <a:pt x="3737" y="2280"/>
-                  </a:cubicBezTo>
-                  <a:close/>
-                  <a:moveTo>
-                    <a:pt x="3009" y="0"/>
-                  </a:moveTo>
-                  <a:cubicBezTo>
-                    <a:pt x="2914" y="0"/>
-                    <a:pt x="2819" y="63"/>
-                    <a:pt x="2787" y="158"/>
-                  </a:cubicBezTo>
-                  <a:lnTo>
-                    <a:pt x="2597" y="982"/>
-                  </a:lnTo>
-                  <a:lnTo>
-                    <a:pt x="1901" y="538"/>
-                  </a:lnTo>
-                  <a:cubicBezTo>
-                    <a:pt x="1864" y="514"/>
-                    <a:pt x="1828" y="504"/>
-                    <a:pt x="1792" y="504"/>
-                  </a:cubicBezTo>
-                  <a:cubicBezTo>
-                    <a:pt x="1733" y="504"/>
-                    <a:pt x="1674" y="531"/>
-                    <a:pt x="1616" y="570"/>
-                  </a:cubicBezTo>
-                  <a:lnTo>
-                    <a:pt x="571" y="1615"/>
-                  </a:lnTo>
-                  <a:cubicBezTo>
-                    <a:pt x="507" y="1710"/>
-                    <a:pt x="475" y="1805"/>
-                    <a:pt x="539" y="1900"/>
-                  </a:cubicBezTo>
-                  <a:lnTo>
-                    <a:pt x="982" y="2597"/>
-                  </a:lnTo>
-                  <a:lnTo>
-                    <a:pt x="159" y="2787"/>
-                  </a:lnTo>
-                  <a:cubicBezTo>
-                    <a:pt x="64" y="2819"/>
-                    <a:pt x="0" y="2914"/>
-                    <a:pt x="0" y="3009"/>
-                  </a:cubicBezTo>
-                  <a:lnTo>
-                    <a:pt x="0" y="4497"/>
-                  </a:lnTo>
-                  <a:cubicBezTo>
-                    <a:pt x="0" y="4592"/>
-                    <a:pt x="64" y="4687"/>
-                    <a:pt x="159" y="4719"/>
-                  </a:cubicBezTo>
-                  <a:lnTo>
-                    <a:pt x="982" y="4909"/>
-                  </a:lnTo>
-                  <a:lnTo>
-                    <a:pt x="539" y="5605"/>
-                  </a:lnTo>
-                  <a:cubicBezTo>
-                    <a:pt x="475" y="5700"/>
-                    <a:pt x="507" y="5795"/>
-                    <a:pt x="571" y="5891"/>
-                  </a:cubicBezTo>
-                  <a:lnTo>
-                    <a:pt x="1616" y="6936"/>
-                  </a:lnTo>
-                  <a:cubicBezTo>
-                    <a:pt x="1674" y="6975"/>
-                    <a:pt x="1733" y="7002"/>
-                    <a:pt x="1792" y="7002"/>
-                  </a:cubicBezTo>
-                  <a:cubicBezTo>
-                    <a:pt x="1828" y="7002"/>
-                    <a:pt x="1864" y="6991"/>
-                    <a:pt x="1901" y="6967"/>
-                  </a:cubicBezTo>
-                  <a:lnTo>
-                    <a:pt x="2597" y="6524"/>
-                  </a:lnTo>
-                  <a:lnTo>
-                    <a:pt x="2787" y="7316"/>
-                  </a:lnTo>
-                  <a:cubicBezTo>
-                    <a:pt x="2819" y="7442"/>
-                    <a:pt x="2914" y="7506"/>
-                    <a:pt x="3009" y="7506"/>
-                  </a:cubicBezTo>
-                  <a:lnTo>
-                    <a:pt x="4497" y="7506"/>
-                  </a:lnTo>
-                  <a:cubicBezTo>
-                    <a:pt x="4592" y="7506"/>
-                    <a:pt x="4687" y="7442"/>
-                    <a:pt x="4719" y="7316"/>
-                  </a:cubicBezTo>
-                  <a:lnTo>
-                    <a:pt x="4909" y="6524"/>
-                  </a:lnTo>
-                  <a:lnTo>
-                    <a:pt x="5606" y="6967"/>
-                  </a:lnTo>
-                  <a:cubicBezTo>
-                    <a:pt x="5642" y="6991"/>
-                    <a:pt x="5683" y="7002"/>
-                    <a:pt x="5723" y="7002"/>
-                  </a:cubicBezTo>
-                  <a:cubicBezTo>
-                    <a:pt x="5788" y="7002"/>
-                    <a:pt x="5852" y="6975"/>
-                    <a:pt x="5891" y="6936"/>
-                  </a:cubicBezTo>
-                  <a:lnTo>
-                    <a:pt x="6936" y="5891"/>
-                  </a:lnTo>
-                  <a:cubicBezTo>
-                    <a:pt x="6999" y="5795"/>
-                    <a:pt x="7031" y="5669"/>
-                    <a:pt x="6968" y="5605"/>
-                  </a:cubicBezTo>
-                  <a:lnTo>
-                    <a:pt x="6524" y="4909"/>
-                  </a:lnTo>
-                  <a:lnTo>
-                    <a:pt x="7316" y="4719"/>
-                  </a:lnTo>
-                  <a:cubicBezTo>
-                    <a:pt x="7443" y="4687"/>
-                    <a:pt x="7506" y="4592"/>
-                    <a:pt x="7506" y="4497"/>
-                  </a:cubicBezTo>
-                  <a:lnTo>
-                    <a:pt x="7506" y="3009"/>
-                  </a:lnTo>
-                  <a:cubicBezTo>
-                    <a:pt x="7506" y="2914"/>
-                    <a:pt x="7443" y="2819"/>
-                    <a:pt x="7348" y="2787"/>
-                  </a:cubicBezTo>
-                  <a:lnTo>
-                    <a:pt x="6524" y="2597"/>
-                  </a:lnTo>
-                  <a:lnTo>
-                    <a:pt x="6968" y="1900"/>
-                  </a:lnTo>
-                  <a:cubicBezTo>
-                    <a:pt x="7031" y="1805"/>
-                    <a:pt x="6999" y="1710"/>
-                    <a:pt x="6936" y="1615"/>
-                  </a:cubicBezTo>
-                  <a:lnTo>
-                    <a:pt x="5891" y="570"/>
-                  </a:lnTo>
-                  <a:cubicBezTo>
-                    <a:pt x="5832" y="531"/>
-                    <a:pt x="5773" y="504"/>
-                    <a:pt x="5715" y="504"/>
-                  </a:cubicBezTo>
-                  <a:cubicBezTo>
-                    <a:pt x="5678" y="504"/>
-                    <a:pt x="5642" y="514"/>
-                    <a:pt x="5606" y="538"/>
-                  </a:cubicBezTo>
-                  <a:lnTo>
-                    <a:pt x="4909" y="982"/>
-                  </a:lnTo>
-                  <a:lnTo>
-                    <a:pt x="4719" y="158"/>
-                  </a:lnTo>
-                  <a:cubicBezTo>
-                    <a:pt x="4687" y="63"/>
-                    <a:pt x="4592" y="0"/>
-                    <a:pt x="4497" y="0"/>
-                  </a:cubicBezTo>
+                  <a:lnTo>
+                    <a:pt x="1" y="919"/>
+                  </a:lnTo>
+                  <a:lnTo>
+                    <a:pt x="2883" y="7157"/>
+                  </a:lnTo>
+                  <a:lnTo>
+                    <a:pt x="4846" y="6239"/>
+                  </a:lnTo>
+                  <a:lnTo>
+                    <a:pt x="1964" y="0"/>
+                  </a:lnTo>
                   <a:close/>
                 </a:path>
               </a:pathLst>
             </a:custGeom>
             <a:solidFill>
-              <a:srgbClr val="222831"/>
+              <a:srgbClr val="F2A365"/>
             </a:solidFill>
             <a:ln>
               <a:noFill/>
@@ -12425,138 +11825,86 @@
           </p:nvSpPr>
           <p:spPr>
             <a:xfrm>
-              <a:off x="5064475" y="2405000"/>
-              <a:ext cx="264475" cy="236750"/>
+              <a:off x="3312375" y="2224300"/>
+              <a:ext cx="191625" cy="184175"/>
             </a:xfrm>
             <a:custGeom>
               <a:rect b="b" l="l" r="r" t="t"/>
               <a:pathLst>
-                <a:path extrusionOk="0" h="9470" w="10579">
+                <a:path extrusionOk="0" h="7367" w="7665">
                   <a:moveTo>
-                    <a:pt x="3294" y="3959"/>
+                    <a:pt x="3825" y="2189"/>
                   </a:moveTo>
                   <a:cubicBezTo>
-                    <a:pt x="3643" y="3959"/>
-                    <a:pt x="3928" y="4244"/>
-                    <a:pt x="3928" y="4593"/>
-                  </a:cubicBezTo>
-                  <a:cubicBezTo>
-                    <a:pt x="3928" y="4941"/>
-                    <a:pt x="3643" y="5226"/>
-                    <a:pt x="3294" y="5226"/>
-                  </a:cubicBezTo>
-                  <a:cubicBezTo>
-                    <a:pt x="2946" y="5226"/>
-                    <a:pt x="2661" y="4941"/>
-                    <a:pt x="2661" y="4593"/>
-                  </a:cubicBezTo>
-                  <a:cubicBezTo>
-                    <a:pt x="2661" y="4244"/>
-                    <a:pt x="2946" y="3959"/>
-                    <a:pt x="3294" y="3959"/>
+                    <a:pt x="4599" y="2189"/>
+                    <a:pt x="5261" y="2773"/>
+                    <a:pt x="5321" y="3587"/>
+                  </a:cubicBezTo>
+                  <a:cubicBezTo>
+                    <a:pt x="5385" y="4410"/>
+                    <a:pt x="4783" y="5139"/>
+                    <a:pt x="3928" y="5202"/>
+                  </a:cubicBezTo>
+                  <a:cubicBezTo>
+                    <a:pt x="3890" y="5205"/>
+                    <a:pt x="3852" y="5206"/>
+                    <a:pt x="3814" y="5206"/>
+                  </a:cubicBezTo>
+                  <a:cubicBezTo>
+                    <a:pt x="3039" y="5206"/>
+                    <a:pt x="2373" y="4594"/>
+                    <a:pt x="2313" y="3808"/>
+                  </a:cubicBezTo>
+                  <a:cubicBezTo>
+                    <a:pt x="2250" y="2985"/>
+                    <a:pt x="2883" y="2257"/>
+                    <a:pt x="3706" y="2193"/>
+                  </a:cubicBezTo>
+                  <a:cubicBezTo>
+                    <a:pt x="3746" y="2190"/>
+                    <a:pt x="3786" y="2189"/>
+                    <a:pt x="3825" y="2189"/>
                   </a:cubicBezTo>
                   <a:close/>
                   <a:moveTo>
-                    <a:pt x="5289" y="3959"/>
+                    <a:pt x="3784" y="1"/>
                   </a:moveTo>
                   <a:cubicBezTo>
-                    <a:pt x="5638" y="3959"/>
-                    <a:pt x="5923" y="4244"/>
-                    <a:pt x="5923" y="4593"/>
-                  </a:cubicBezTo>
-                  <a:cubicBezTo>
-                    <a:pt x="5923" y="4941"/>
-                    <a:pt x="5638" y="5226"/>
-                    <a:pt x="5289" y="5226"/>
-                  </a:cubicBezTo>
-                  <a:cubicBezTo>
-                    <a:pt x="4941" y="5226"/>
-                    <a:pt x="4656" y="4941"/>
-                    <a:pt x="4656" y="4593"/>
-                  </a:cubicBezTo>
-                  <a:cubicBezTo>
-                    <a:pt x="4656" y="4244"/>
-                    <a:pt x="4941" y="3959"/>
-                    <a:pt x="5289" y="3959"/>
-                  </a:cubicBezTo>
-                  <a:close/>
-                  <a:moveTo>
-                    <a:pt x="7221" y="3959"/>
-                  </a:moveTo>
-                  <a:cubicBezTo>
-                    <a:pt x="7570" y="3959"/>
-                    <a:pt x="7855" y="4244"/>
-                    <a:pt x="7855" y="4593"/>
-                  </a:cubicBezTo>
-                  <a:cubicBezTo>
-                    <a:pt x="7855" y="4941"/>
-                    <a:pt x="7570" y="5226"/>
-                    <a:pt x="7221" y="5226"/>
-                  </a:cubicBezTo>
-                  <a:cubicBezTo>
-                    <a:pt x="6873" y="5226"/>
-                    <a:pt x="6588" y="4941"/>
-                    <a:pt x="6588" y="4593"/>
-                  </a:cubicBezTo>
-                  <a:cubicBezTo>
-                    <a:pt x="6588" y="4244"/>
-                    <a:pt x="6873" y="3959"/>
-                    <a:pt x="7221" y="3959"/>
-                  </a:cubicBezTo>
-                  <a:close/>
-                  <a:moveTo>
-                    <a:pt x="5289" y="1"/>
-                  </a:moveTo>
-                  <a:cubicBezTo>
-                    <a:pt x="2376" y="1"/>
-                    <a:pt x="1" y="1869"/>
-                    <a:pt x="1" y="4181"/>
-                  </a:cubicBezTo>
-                  <a:cubicBezTo>
-                    <a:pt x="1" y="6461"/>
-                    <a:pt x="2376" y="8330"/>
-                    <a:pt x="5289" y="8330"/>
-                  </a:cubicBezTo>
-                  <a:cubicBezTo>
-                    <a:pt x="5448" y="8330"/>
-                    <a:pt x="5606" y="8330"/>
-                    <a:pt x="5764" y="8298"/>
-                  </a:cubicBezTo>
-                  <a:lnTo>
-                    <a:pt x="6176" y="9311"/>
-                  </a:lnTo>
-                  <a:cubicBezTo>
-                    <a:pt x="6208" y="9406"/>
-                    <a:pt x="6271" y="9438"/>
-                    <a:pt x="6366" y="9470"/>
-                  </a:cubicBezTo>
-                  <a:lnTo>
-                    <a:pt x="6398" y="9470"/>
-                  </a:lnTo>
-                  <a:cubicBezTo>
-                    <a:pt x="6461" y="9470"/>
-                    <a:pt x="6524" y="9438"/>
-                    <a:pt x="6588" y="9375"/>
-                  </a:cubicBezTo>
-                  <a:lnTo>
-                    <a:pt x="8076" y="7696"/>
-                  </a:lnTo>
-                  <a:cubicBezTo>
-                    <a:pt x="9660" y="6936"/>
-                    <a:pt x="10578" y="5606"/>
-                    <a:pt x="10578" y="4181"/>
-                  </a:cubicBezTo>
-                  <a:cubicBezTo>
-                    <a:pt x="10578" y="1869"/>
-                    <a:pt x="8203" y="1"/>
-                    <a:pt x="5289" y="1"/>
+                    <a:pt x="3706" y="1"/>
+                    <a:pt x="3627" y="3"/>
+                    <a:pt x="3548" y="8"/>
+                  </a:cubicBezTo>
+                  <a:cubicBezTo>
+                    <a:pt x="1521" y="167"/>
+                    <a:pt x="1" y="1940"/>
+                    <a:pt x="159" y="3967"/>
+                  </a:cubicBezTo>
+                  <a:cubicBezTo>
+                    <a:pt x="310" y="5896"/>
+                    <a:pt x="1896" y="7367"/>
+                    <a:pt x="3797" y="7367"/>
+                  </a:cubicBezTo>
+                  <a:cubicBezTo>
+                    <a:pt x="3892" y="7367"/>
+                    <a:pt x="3989" y="7363"/>
+                    <a:pt x="4086" y="7355"/>
+                  </a:cubicBezTo>
+                  <a:cubicBezTo>
+                    <a:pt x="6113" y="7229"/>
+                    <a:pt x="7665" y="5455"/>
+                    <a:pt x="7507" y="3428"/>
+                  </a:cubicBezTo>
+                  <a:cubicBezTo>
+                    <a:pt x="7354" y="1481"/>
+                    <a:pt x="5711" y="1"/>
+                    <a:pt x="3784" y="1"/>
                   </a:cubicBezTo>
                   <a:close/>
                 </a:path>
               </a:pathLst>
             </a:custGeom>
             <a:solidFill>
-              <a:srgbClr val="C4C4C4"/>
+              <a:srgbClr val="30475E"/>
             </a:solidFill>
             <a:ln>
               <a:noFill/>
@@ -12608,195 +11956,28 @@
           </p:nvSpPr>
           <p:spPr>
             <a:xfrm>
-              <a:off x="3534075" y="2825575"/>
-              <a:ext cx="495650" cy="505100"/>
+              <a:off x="3412925" y="2366200"/>
+              <a:ext cx="131475" cy="177375"/>
             </a:xfrm>
             <a:custGeom>
               <a:rect b="b" l="l" r="r" t="t"/>
               <a:pathLst>
-                <a:path extrusionOk="0" h="20204" w="19826">
+                <a:path extrusionOk="0" h="7095" w="5259">
                   <a:moveTo>
-                    <a:pt x="3734" y="1"/>
+                    <a:pt x="1901" y="1"/>
                   </a:moveTo>
-                  <a:cubicBezTo>
-                    <a:pt x="3586" y="1"/>
-                    <a:pt x="3429" y="28"/>
-                    <a:pt x="3262" y="89"/>
-                  </a:cubicBezTo>
-                  <a:cubicBezTo>
-                    <a:pt x="1710" y="691"/>
-                    <a:pt x="2566" y="2717"/>
-                    <a:pt x="2566" y="2717"/>
-                  </a:cubicBezTo>
-                  <a:lnTo>
-                    <a:pt x="6112" y="12123"/>
-                  </a:lnTo>
-                  <a:cubicBezTo>
-                    <a:pt x="6162" y="12248"/>
-                    <a:pt x="6075" y="12333"/>
-                    <a:pt x="5989" y="12333"/>
-                  </a:cubicBezTo>
-                  <a:cubicBezTo>
-                    <a:pt x="5966" y="12333"/>
-                    <a:pt x="5943" y="12327"/>
-                    <a:pt x="5922" y="12313"/>
-                  </a:cubicBezTo>
-                  <a:lnTo>
-                    <a:pt x="4212" y="11300"/>
-                  </a:lnTo>
-                  <a:cubicBezTo>
-                    <a:pt x="4212" y="11300"/>
-                    <a:pt x="4212" y="11268"/>
-                    <a:pt x="4181" y="11268"/>
-                  </a:cubicBezTo>
-                  <a:cubicBezTo>
-                    <a:pt x="4089" y="11199"/>
-                    <a:pt x="3134" y="10383"/>
-                    <a:pt x="2181" y="10383"/>
-                  </a:cubicBezTo>
-                  <a:cubicBezTo>
-                    <a:pt x="1818" y="10383"/>
-                    <a:pt x="1455" y="10501"/>
-                    <a:pt x="1140" y="10825"/>
-                  </a:cubicBezTo>
-                  <a:cubicBezTo>
-                    <a:pt x="0" y="12028"/>
-                    <a:pt x="1235" y="13327"/>
-                    <a:pt x="1330" y="13422"/>
-                  </a:cubicBezTo>
-                  <a:cubicBezTo>
-                    <a:pt x="1362" y="13422"/>
-                    <a:pt x="1362" y="13422"/>
-                    <a:pt x="1362" y="13453"/>
-                  </a:cubicBezTo>
-                  <a:lnTo>
-                    <a:pt x="9786" y="19565"/>
-                  </a:lnTo>
-                  <a:cubicBezTo>
-                    <a:pt x="9818" y="19597"/>
-                    <a:pt x="9818" y="19597"/>
-                    <a:pt x="9849" y="19629"/>
-                  </a:cubicBezTo>
-                  <a:lnTo>
-                    <a:pt x="9976" y="19914"/>
-                  </a:lnTo>
-                  <a:cubicBezTo>
-                    <a:pt x="10070" y="20102"/>
-                    <a:pt x="10253" y="20203"/>
-                    <a:pt x="10431" y="20203"/>
-                  </a:cubicBezTo>
-                  <a:cubicBezTo>
-                    <a:pt x="10492" y="20203"/>
-                    <a:pt x="10553" y="20191"/>
-                    <a:pt x="10609" y="20167"/>
-                  </a:cubicBezTo>
-                  <a:lnTo>
-                    <a:pt x="18115" y="17158"/>
-                  </a:lnTo>
-                  <a:cubicBezTo>
-                    <a:pt x="18368" y="17032"/>
-                    <a:pt x="18495" y="16778"/>
-                    <a:pt x="18400" y="16525"/>
-                  </a:cubicBezTo>
-                  <a:lnTo>
-                    <a:pt x="18305" y="16240"/>
-                  </a:lnTo>
-                  <a:cubicBezTo>
-                    <a:pt x="18273" y="16177"/>
-                    <a:pt x="18273" y="16113"/>
-                    <a:pt x="18305" y="16082"/>
-                  </a:cubicBezTo>
-                  <a:cubicBezTo>
-                    <a:pt x="19825" y="14118"/>
-                    <a:pt x="18812" y="11490"/>
-                    <a:pt x="18812" y="11490"/>
-                  </a:cubicBezTo>
-                  <a:lnTo>
-                    <a:pt x="17292" y="7626"/>
-                  </a:lnTo>
-                  <a:cubicBezTo>
-                    <a:pt x="17292" y="7626"/>
-                    <a:pt x="17292" y="7626"/>
-                    <a:pt x="17292" y="7594"/>
-                  </a:cubicBezTo>
-                  <a:cubicBezTo>
-                    <a:pt x="17260" y="7468"/>
-                    <a:pt x="16817" y="5631"/>
-                    <a:pt x="15455" y="5631"/>
-                  </a:cubicBezTo>
-                  <a:cubicBezTo>
-                    <a:pt x="14663" y="5631"/>
-                    <a:pt x="14220" y="5979"/>
-                    <a:pt x="13998" y="6296"/>
-                  </a:cubicBezTo>
-                  <a:cubicBezTo>
-                    <a:pt x="13973" y="6333"/>
-                    <a:pt x="13933" y="6351"/>
-                    <a:pt x="13892" y="6351"/>
-                  </a:cubicBezTo>
-                  <a:cubicBezTo>
-                    <a:pt x="13830" y="6351"/>
-                    <a:pt x="13764" y="6309"/>
-                    <a:pt x="13745" y="6233"/>
-                  </a:cubicBezTo>
-                  <a:cubicBezTo>
-                    <a:pt x="13650" y="5853"/>
-                    <a:pt x="13333" y="5346"/>
-                    <a:pt x="12383" y="5251"/>
-                  </a:cubicBezTo>
-                  <a:cubicBezTo>
-                    <a:pt x="12284" y="5239"/>
-                    <a:pt x="12190" y="5234"/>
-                    <a:pt x="12101" y="5234"/>
-                  </a:cubicBezTo>
-                  <a:cubicBezTo>
-                    <a:pt x="11227" y="5234"/>
-                    <a:pt x="10848" y="5764"/>
-                    <a:pt x="10704" y="6138"/>
-                  </a:cubicBezTo>
-                  <a:cubicBezTo>
-                    <a:pt x="10688" y="6206"/>
-                    <a:pt x="10634" y="6237"/>
-                    <a:pt x="10579" y="6237"/>
-                  </a:cubicBezTo>
-                  <a:cubicBezTo>
-                    <a:pt x="10530" y="6237"/>
-                    <a:pt x="10481" y="6213"/>
-                    <a:pt x="10451" y="6169"/>
-                  </a:cubicBezTo>
-                  <a:cubicBezTo>
-                    <a:pt x="10155" y="5551"/>
-                    <a:pt x="9586" y="4865"/>
-                    <a:pt x="8840" y="4865"/>
-                  </a:cubicBezTo>
-                  <a:cubicBezTo>
-                    <a:pt x="8707" y="4865"/>
-                    <a:pt x="8568" y="4886"/>
-                    <a:pt x="8424" y="4934"/>
-                  </a:cubicBezTo>
-                  <a:cubicBezTo>
-                    <a:pt x="7791" y="5124"/>
-                    <a:pt x="7506" y="5536"/>
-                    <a:pt x="7379" y="5853"/>
-                  </a:cubicBezTo>
-                  <a:cubicBezTo>
-                    <a:pt x="7348" y="5916"/>
-                    <a:pt x="7292" y="5948"/>
-                    <a:pt x="7237" y="5948"/>
-                  </a:cubicBezTo>
-                  <a:cubicBezTo>
-                    <a:pt x="7181" y="5948"/>
-                    <a:pt x="7126" y="5916"/>
-                    <a:pt x="7094" y="5853"/>
-                  </a:cubicBezTo>
-                  <a:lnTo>
-                    <a:pt x="5574" y="1894"/>
-                  </a:lnTo>
-                  <a:cubicBezTo>
-                    <a:pt x="5574" y="1894"/>
-                    <a:pt x="4968" y="1"/>
-                    <a:pt x="3734" y="1"/>
-                  </a:cubicBezTo>
+                  <a:lnTo>
+                    <a:pt x="1" y="1078"/>
+                  </a:lnTo>
+                  <a:lnTo>
+                    <a:pt x="3358" y="7095"/>
+                  </a:lnTo>
+                  <a:lnTo>
+                    <a:pt x="5258" y="6018"/>
+                  </a:lnTo>
+                  <a:lnTo>
+                    <a:pt x="1901" y="1"/>
+                  </a:lnTo>
                   <a:close/>
                 </a:path>
               </a:pathLst>
@@ -12854,64 +12035,86 @@
           </p:nvSpPr>
           <p:spPr>
             <a:xfrm>
-              <a:off x="3784250" y="3264025"/>
-              <a:ext cx="281100" cy="204375"/>
+              <a:off x="4122325" y="2059275"/>
+              <a:ext cx="209825" cy="184225"/>
             </a:xfrm>
             <a:custGeom>
               <a:rect b="b" l="l" r="r" t="t"/>
               <a:pathLst>
-                <a:path extrusionOk="0" h="8175" w="11244">
+                <a:path extrusionOk="0" h="7369" w="8393">
                   <a:moveTo>
-                    <a:pt x="8904" y="1"/>
+                    <a:pt x="4183" y="2167"/>
                   </a:moveTo>
                   <a:cubicBezTo>
-                    <a:pt x="8840" y="1"/>
-                    <a:pt x="8774" y="11"/>
-                    <a:pt x="8710" y="32"/>
-                  </a:cubicBezTo>
-                  <a:lnTo>
-                    <a:pt x="412" y="3389"/>
-                  </a:lnTo>
-                  <a:cubicBezTo>
-                    <a:pt x="127" y="3484"/>
-                    <a:pt x="1" y="3832"/>
-                    <a:pt x="127" y="4117"/>
-                  </a:cubicBezTo>
-                  <a:lnTo>
-                    <a:pt x="1838" y="7854"/>
-                  </a:lnTo>
-                  <a:cubicBezTo>
-                    <a:pt x="1933" y="8068"/>
-                    <a:pt x="2134" y="8175"/>
-                    <a:pt x="2350" y="8175"/>
-                  </a:cubicBezTo>
-                  <a:cubicBezTo>
-                    <a:pt x="2421" y="8175"/>
-                    <a:pt x="2495" y="8163"/>
-                    <a:pt x="2566" y="8139"/>
-                  </a:cubicBezTo>
-                  <a:lnTo>
-                    <a:pt x="10800" y="4877"/>
-                  </a:lnTo>
-                  <a:cubicBezTo>
-                    <a:pt x="11117" y="4782"/>
-                    <a:pt x="11243" y="4434"/>
-                    <a:pt x="11117" y="4149"/>
-                  </a:cubicBezTo>
-                  <a:lnTo>
-                    <a:pt x="9406" y="317"/>
-                  </a:lnTo>
-                  <a:cubicBezTo>
-                    <a:pt x="9333" y="121"/>
-                    <a:pt x="9126" y="1"/>
-                    <a:pt x="8904" y="1"/>
+                    <a:pt x="4666" y="2167"/>
+                    <a:pt x="5150" y="2404"/>
+                    <a:pt x="5448" y="2841"/>
+                  </a:cubicBezTo>
+                  <a:cubicBezTo>
+                    <a:pt x="5923" y="3537"/>
+                    <a:pt x="5733" y="4487"/>
+                    <a:pt x="5036" y="4962"/>
+                  </a:cubicBezTo>
+                  <a:cubicBezTo>
+                    <a:pt x="4780" y="5125"/>
+                    <a:pt x="4491" y="5202"/>
+                    <a:pt x="4204" y="5202"/>
+                  </a:cubicBezTo>
+                  <a:cubicBezTo>
+                    <a:pt x="3710" y="5202"/>
+                    <a:pt x="3226" y="4972"/>
+                    <a:pt x="2946" y="4551"/>
+                  </a:cubicBezTo>
+                  <a:cubicBezTo>
+                    <a:pt x="2471" y="3854"/>
+                    <a:pt x="2661" y="2904"/>
+                    <a:pt x="3357" y="2429"/>
+                  </a:cubicBezTo>
+                  <a:cubicBezTo>
+                    <a:pt x="3606" y="2251"/>
+                    <a:pt x="3894" y="2167"/>
+                    <a:pt x="4183" y="2167"/>
+                  </a:cubicBezTo>
+                  <a:close/>
+                  <a:moveTo>
+                    <a:pt x="4170" y="1"/>
+                  </a:moveTo>
+                  <a:cubicBezTo>
+                    <a:pt x="3467" y="1"/>
+                    <a:pt x="2756" y="201"/>
+                    <a:pt x="2122" y="624"/>
+                  </a:cubicBezTo>
+                  <a:cubicBezTo>
+                    <a:pt x="444" y="1764"/>
+                    <a:pt x="0" y="4076"/>
+                    <a:pt x="1141" y="5754"/>
+                  </a:cubicBezTo>
+                  <a:cubicBezTo>
+                    <a:pt x="1853" y="6802"/>
+                    <a:pt x="3009" y="7369"/>
+                    <a:pt x="4186" y="7369"/>
+                  </a:cubicBezTo>
+                  <a:cubicBezTo>
+                    <a:pt x="4894" y="7369"/>
+                    <a:pt x="5609" y="7164"/>
+                    <a:pt x="6239" y="6736"/>
+                  </a:cubicBezTo>
+                  <a:cubicBezTo>
+                    <a:pt x="7949" y="5627"/>
+                    <a:pt x="8393" y="3316"/>
+                    <a:pt x="7253" y="1637"/>
+                  </a:cubicBezTo>
+                  <a:cubicBezTo>
+                    <a:pt x="6535" y="581"/>
+                    <a:pt x="5365" y="1"/>
+                    <a:pt x="4170" y="1"/>
                   </a:cubicBezTo>
                   <a:close/>
                 </a:path>
               </a:pathLst>
             </a:custGeom>
             <a:solidFill>
-              <a:srgbClr val="30475E"/>
+              <a:srgbClr val="CECECE"/>
             </a:solidFill>
             <a:ln>
               <a:noFill/>
@@ -12963,58 +12166,34 @@
           </p:nvSpPr>
           <p:spPr>
             <a:xfrm>
-              <a:off x="3522200" y="2642100"/>
-              <a:ext cx="81575" cy="116825"/>
+              <a:off x="3978225" y="2193625"/>
+              <a:ext cx="231225" cy="346000"/>
             </a:xfrm>
             <a:custGeom>
               <a:rect b="b" l="l" r="r" t="t"/>
               <a:pathLst>
-                <a:path extrusionOk="0" h="4673" w="3263">
+                <a:path extrusionOk="0" h="13840" w="9249">
                   <a:moveTo>
-                    <a:pt x="1142" y="0"/>
+                    <a:pt x="7411" y="0"/>
                   </a:moveTo>
-                  <a:cubicBezTo>
-                    <a:pt x="1015" y="0"/>
-                    <a:pt x="886" y="26"/>
-                    <a:pt x="760" y="81"/>
-                  </a:cubicBezTo>
-                  <a:cubicBezTo>
-                    <a:pt x="254" y="271"/>
-                    <a:pt x="0" y="841"/>
-                    <a:pt x="190" y="1347"/>
-                  </a:cubicBezTo>
-                  <a:lnTo>
-                    <a:pt x="1235" y="4039"/>
-                  </a:lnTo>
-                  <a:cubicBezTo>
-                    <a:pt x="1394" y="4419"/>
-                    <a:pt x="1742" y="4673"/>
-                    <a:pt x="2154" y="4673"/>
-                  </a:cubicBezTo>
-                  <a:cubicBezTo>
-                    <a:pt x="2280" y="4673"/>
-                    <a:pt x="2375" y="4641"/>
-                    <a:pt x="2502" y="4609"/>
-                  </a:cubicBezTo>
-                  <a:cubicBezTo>
-                    <a:pt x="3009" y="4388"/>
-                    <a:pt x="3262" y="3818"/>
-                    <a:pt x="3072" y="3311"/>
-                  </a:cubicBezTo>
-                  <a:lnTo>
-                    <a:pt x="2027" y="619"/>
-                  </a:lnTo>
-                  <a:cubicBezTo>
-                    <a:pt x="1884" y="238"/>
-                    <a:pt x="1526" y="0"/>
-                    <a:pt x="1142" y="0"/>
-                  </a:cubicBezTo>
+                  <a:lnTo>
+                    <a:pt x="1" y="12731"/>
+                  </a:lnTo>
+                  <a:lnTo>
+                    <a:pt x="1869" y="13839"/>
+                  </a:lnTo>
+                  <a:lnTo>
+                    <a:pt x="9248" y="1140"/>
+                  </a:lnTo>
+                  <a:lnTo>
+                    <a:pt x="7411" y="0"/>
+                  </a:lnTo>
                   <a:close/>
                 </a:path>
               </a:pathLst>
             </a:custGeom>
             <a:solidFill>
-              <a:srgbClr val="30475E"/>
+              <a:srgbClr val="CECECE"/>
             </a:solidFill>
             <a:ln>
               <a:noFill/>
@@ -13066,58 +12245,106 @@
           </p:nvSpPr>
           <p:spPr>
             <a:xfrm>
-              <a:off x="3422425" y="2736975"/>
-              <a:ext cx="122750" cy="78175"/>
+              <a:off x="3189675" y="2450925"/>
+              <a:ext cx="1152775" cy="1152775"/>
             </a:xfrm>
             <a:custGeom>
               <a:rect b="b" l="l" r="r" t="t"/>
               <a:pathLst>
-                <a:path extrusionOk="0" h="3127" w="4910">
+                <a:path extrusionOk="0" h="46111" w="46111">
                   <a:moveTo>
-                    <a:pt x="1143" y="0"/>
+                    <a:pt x="23055" y="2439"/>
                   </a:moveTo>
                   <a:cubicBezTo>
-                    <a:pt x="757" y="0"/>
-                    <a:pt x="386" y="219"/>
-                    <a:pt x="223" y="593"/>
-                  </a:cubicBezTo>
-                  <a:cubicBezTo>
-                    <a:pt x="1" y="1068"/>
-                    <a:pt x="254" y="1669"/>
-                    <a:pt x="729" y="1891"/>
-                  </a:cubicBezTo>
-                  <a:lnTo>
-                    <a:pt x="3358" y="3063"/>
-                  </a:lnTo>
-                  <a:cubicBezTo>
-                    <a:pt x="3485" y="3126"/>
-                    <a:pt x="3643" y="3126"/>
-                    <a:pt x="3770" y="3126"/>
-                  </a:cubicBezTo>
-                  <a:cubicBezTo>
-                    <a:pt x="4150" y="3126"/>
-                    <a:pt x="4498" y="2905"/>
-                    <a:pt x="4688" y="2556"/>
-                  </a:cubicBezTo>
-                  <a:cubicBezTo>
-                    <a:pt x="4910" y="2049"/>
-                    <a:pt x="4656" y="1448"/>
-                    <a:pt x="4181" y="1226"/>
-                  </a:cubicBezTo>
-                  <a:lnTo>
-                    <a:pt x="1553" y="86"/>
-                  </a:lnTo>
-                  <a:cubicBezTo>
-                    <a:pt x="1420" y="28"/>
-                    <a:pt x="1280" y="0"/>
-                    <a:pt x="1143" y="0"/>
+                    <a:pt x="27616" y="2439"/>
+                    <a:pt x="31828" y="3927"/>
+                    <a:pt x="35248" y="6461"/>
+                  </a:cubicBezTo>
+                  <a:cubicBezTo>
+                    <a:pt x="39428" y="9501"/>
+                    <a:pt x="42405" y="14093"/>
+                    <a:pt x="43355" y="19382"/>
+                  </a:cubicBezTo>
+                  <a:cubicBezTo>
+                    <a:pt x="43577" y="20585"/>
+                    <a:pt x="43672" y="21820"/>
+                    <a:pt x="43672" y="23055"/>
+                  </a:cubicBezTo>
+                  <a:cubicBezTo>
+                    <a:pt x="43672" y="34425"/>
+                    <a:pt x="34425" y="43672"/>
+                    <a:pt x="23055" y="43672"/>
+                  </a:cubicBezTo>
+                  <a:cubicBezTo>
+                    <a:pt x="11686" y="43672"/>
+                    <a:pt x="2439" y="34425"/>
+                    <a:pt x="2439" y="23055"/>
+                  </a:cubicBezTo>
+                  <a:cubicBezTo>
+                    <a:pt x="2439" y="18970"/>
+                    <a:pt x="3642" y="15170"/>
+                    <a:pt x="5701" y="11971"/>
+                  </a:cubicBezTo>
+                  <a:cubicBezTo>
+                    <a:pt x="7158" y="9660"/>
+                    <a:pt x="9089" y="7696"/>
+                    <a:pt x="11338" y="6113"/>
+                  </a:cubicBezTo>
+                  <a:cubicBezTo>
+                    <a:pt x="14663" y="3801"/>
+                    <a:pt x="18717" y="2439"/>
+                    <a:pt x="23055" y="2439"/>
+                  </a:cubicBezTo>
+                  <a:close/>
+                  <a:moveTo>
+                    <a:pt x="23055" y="1"/>
+                  </a:moveTo>
+                  <a:cubicBezTo>
+                    <a:pt x="18115" y="1"/>
+                    <a:pt x="13523" y="1584"/>
+                    <a:pt x="9754" y="4244"/>
+                  </a:cubicBezTo>
+                  <a:cubicBezTo>
+                    <a:pt x="7316" y="5986"/>
+                    <a:pt x="5194" y="8203"/>
+                    <a:pt x="3579" y="10736"/>
+                  </a:cubicBezTo>
+                  <a:cubicBezTo>
+                    <a:pt x="1330" y="14315"/>
+                    <a:pt x="0" y="18527"/>
+                    <a:pt x="0" y="23055"/>
+                  </a:cubicBezTo>
+                  <a:cubicBezTo>
+                    <a:pt x="0" y="35786"/>
+                    <a:pt x="10356" y="46110"/>
+                    <a:pt x="23055" y="46110"/>
+                  </a:cubicBezTo>
+                  <a:cubicBezTo>
+                    <a:pt x="35786" y="46110"/>
+                    <a:pt x="46110" y="35786"/>
+                    <a:pt x="46110" y="23055"/>
+                  </a:cubicBezTo>
+                  <a:cubicBezTo>
+                    <a:pt x="46110" y="21757"/>
+                    <a:pt x="46015" y="20459"/>
+                    <a:pt x="45794" y="19192"/>
+                  </a:cubicBezTo>
+                  <a:cubicBezTo>
+                    <a:pt x="44780" y="13111"/>
+                    <a:pt x="41360" y="7854"/>
+                    <a:pt x="36546" y="4371"/>
+                  </a:cubicBezTo>
+                  <a:cubicBezTo>
+                    <a:pt x="32746" y="1616"/>
+                    <a:pt x="28091" y="1"/>
+                    <a:pt x="23055" y="1"/>
                   </a:cubicBezTo>
                   <a:close/>
                 </a:path>
               </a:pathLst>
             </a:custGeom>
             <a:solidFill>
-              <a:srgbClr val="30475E"/>
+              <a:srgbClr val="F2A365"/>
             </a:solidFill>
             <a:ln>
               <a:noFill/>
@@ -13169,58 +12396,218 @@
           </p:nvSpPr>
           <p:spPr>
             <a:xfrm>
-              <a:off x="3684500" y="2852550"/>
-              <a:ext cx="122750" cy="78975"/>
+              <a:off x="2696425" y="3599725"/>
+              <a:ext cx="187675" cy="187650"/>
             </a:xfrm>
             <a:custGeom>
               <a:rect b="b" l="l" r="r" t="t"/>
               <a:pathLst>
-                <a:path extrusionOk="0" h="3159" w="4910">
+                <a:path extrusionOk="0" h="7506" w="7507">
                   <a:moveTo>
-                    <a:pt x="1143" y="1"/>
+                    <a:pt x="3769" y="2280"/>
                   </a:moveTo>
                   <a:cubicBezTo>
-                    <a:pt x="756" y="1"/>
-                    <a:pt x="386" y="220"/>
-                    <a:pt x="222" y="593"/>
-                  </a:cubicBezTo>
-                  <a:cubicBezTo>
-                    <a:pt x="0" y="1068"/>
-                    <a:pt x="254" y="1670"/>
-                    <a:pt x="729" y="1892"/>
-                  </a:cubicBezTo>
-                  <a:lnTo>
-                    <a:pt x="3357" y="3064"/>
-                  </a:lnTo>
-                  <a:cubicBezTo>
-                    <a:pt x="3484" y="3127"/>
-                    <a:pt x="3642" y="3159"/>
-                    <a:pt x="3769" y="3159"/>
-                  </a:cubicBezTo>
-                  <a:cubicBezTo>
-                    <a:pt x="4149" y="3159"/>
-                    <a:pt x="4497" y="2937"/>
-                    <a:pt x="4687" y="2557"/>
-                  </a:cubicBezTo>
-                  <a:cubicBezTo>
-                    <a:pt x="4909" y="2050"/>
-                    <a:pt x="4656" y="1480"/>
-                    <a:pt x="4181" y="1258"/>
-                  </a:cubicBezTo>
-                  <a:lnTo>
-                    <a:pt x="1552" y="87"/>
-                  </a:lnTo>
-                  <a:cubicBezTo>
-                    <a:pt x="1419" y="29"/>
-                    <a:pt x="1280" y="1"/>
-                    <a:pt x="1143" y="1"/>
+                    <a:pt x="4624" y="2280"/>
+                    <a:pt x="5321" y="3009"/>
+                    <a:pt x="5321" y="3864"/>
+                  </a:cubicBezTo>
+                  <a:cubicBezTo>
+                    <a:pt x="5321" y="4719"/>
+                    <a:pt x="4624" y="5415"/>
+                    <a:pt x="3769" y="5415"/>
+                  </a:cubicBezTo>
+                  <a:lnTo>
+                    <a:pt x="3737" y="5415"/>
+                  </a:lnTo>
+                  <a:cubicBezTo>
+                    <a:pt x="2882" y="5415"/>
+                    <a:pt x="2186" y="4687"/>
+                    <a:pt x="2186" y="3864"/>
+                  </a:cubicBezTo>
+                  <a:cubicBezTo>
+                    <a:pt x="2186" y="3009"/>
+                    <a:pt x="2882" y="2312"/>
+                    <a:pt x="3737" y="2280"/>
+                  </a:cubicBezTo>
+                  <a:close/>
+                  <a:moveTo>
+                    <a:pt x="3009" y="0"/>
+                  </a:moveTo>
+                  <a:cubicBezTo>
+                    <a:pt x="2914" y="0"/>
+                    <a:pt x="2819" y="63"/>
+                    <a:pt x="2787" y="158"/>
+                  </a:cubicBezTo>
+                  <a:lnTo>
+                    <a:pt x="2597" y="982"/>
+                  </a:lnTo>
+                  <a:lnTo>
+                    <a:pt x="1901" y="538"/>
+                  </a:lnTo>
+                  <a:cubicBezTo>
+                    <a:pt x="1864" y="514"/>
+                    <a:pt x="1828" y="504"/>
+                    <a:pt x="1792" y="504"/>
+                  </a:cubicBezTo>
+                  <a:cubicBezTo>
+                    <a:pt x="1733" y="504"/>
+                    <a:pt x="1674" y="531"/>
+                    <a:pt x="1616" y="570"/>
+                  </a:cubicBezTo>
+                  <a:lnTo>
+                    <a:pt x="571" y="1615"/>
+                  </a:lnTo>
+                  <a:cubicBezTo>
+                    <a:pt x="507" y="1710"/>
+                    <a:pt x="475" y="1805"/>
+                    <a:pt x="539" y="1900"/>
+                  </a:cubicBezTo>
+                  <a:lnTo>
+                    <a:pt x="982" y="2597"/>
+                  </a:lnTo>
+                  <a:lnTo>
+                    <a:pt x="159" y="2787"/>
+                  </a:lnTo>
+                  <a:cubicBezTo>
+                    <a:pt x="64" y="2819"/>
+                    <a:pt x="0" y="2914"/>
+                    <a:pt x="0" y="3009"/>
+                  </a:cubicBezTo>
+                  <a:lnTo>
+                    <a:pt x="0" y="4497"/>
+                  </a:lnTo>
+                  <a:cubicBezTo>
+                    <a:pt x="0" y="4592"/>
+                    <a:pt x="64" y="4687"/>
+                    <a:pt x="159" y="4719"/>
+                  </a:cubicBezTo>
+                  <a:lnTo>
+                    <a:pt x="982" y="4909"/>
+                  </a:lnTo>
+                  <a:lnTo>
+                    <a:pt x="539" y="5605"/>
+                  </a:lnTo>
+                  <a:cubicBezTo>
+                    <a:pt x="475" y="5700"/>
+                    <a:pt x="507" y="5795"/>
+                    <a:pt x="571" y="5891"/>
+                  </a:cubicBezTo>
+                  <a:lnTo>
+                    <a:pt x="1616" y="6936"/>
+                  </a:lnTo>
+                  <a:cubicBezTo>
+                    <a:pt x="1674" y="6975"/>
+                    <a:pt x="1733" y="7002"/>
+                    <a:pt x="1792" y="7002"/>
+                  </a:cubicBezTo>
+                  <a:cubicBezTo>
+                    <a:pt x="1828" y="7002"/>
+                    <a:pt x="1864" y="6991"/>
+                    <a:pt x="1901" y="6967"/>
+                  </a:cubicBezTo>
+                  <a:lnTo>
+                    <a:pt x="2597" y="6524"/>
+                  </a:lnTo>
+                  <a:lnTo>
+                    <a:pt x="2787" y="7316"/>
+                  </a:lnTo>
+                  <a:cubicBezTo>
+                    <a:pt x="2819" y="7442"/>
+                    <a:pt x="2914" y="7506"/>
+                    <a:pt x="3009" y="7506"/>
+                  </a:cubicBezTo>
+                  <a:lnTo>
+                    <a:pt x="4497" y="7506"/>
+                  </a:lnTo>
+                  <a:cubicBezTo>
+                    <a:pt x="4592" y="7506"/>
+                    <a:pt x="4687" y="7442"/>
+                    <a:pt x="4719" y="7316"/>
+                  </a:cubicBezTo>
+                  <a:lnTo>
+                    <a:pt x="4909" y="6524"/>
+                  </a:lnTo>
+                  <a:lnTo>
+                    <a:pt x="5606" y="6967"/>
+                  </a:lnTo>
+                  <a:cubicBezTo>
+                    <a:pt x="5642" y="6991"/>
+                    <a:pt x="5683" y="7002"/>
+                    <a:pt x="5723" y="7002"/>
+                  </a:cubicBezTo>
+                  <a:cubicBezTo>
+                    <a:pt x="5788" y="7002"/>
+                    <a:pt x="5852" y="6975"/>
+                    <a:pt x="5891" y="6936"/>
+                  </a:cubicBezTo>
+                  <a:lnTo>
+                    <a:pt x="6936" y="5891"/>
+                  </a:lnTo>
+                  <a:cubicBezTo>
+                    <a:pt x="6999" y="5795"/>
+                    <a:pt x="7031" y="5669"/>
+                    <a:pt x="6968" y="5605"/>
+                  </a:cubicBezTo>
+                  <a:lnTo>
+                    <a:pt x="6524" y="4909"/>
+                  </a:lnTo>
+                  <a:lnTo>
+                    <a:pt x="7316" y="4719"/>
+                  </a:lnTo>
+                  <a:cubicBezTo>
+                    <a:pt x="7443" y="4687"/>
+                    <a:pt x="7506" y="4592"/>
+                    <a:pt x="7506" y="4497"/>
+                  </a:cubicBezTo>
+                  <a:lnTo>
+                    <a:pt x="7506" y="3009"/>
+                  </a:lnTo>
+                  <a:cubicBezTo>
+                    <a:pt x="7506" y="2914"/>
+                    <a:pt x="7443" y="2819"/>
+                    <a:pt x="7348" y="2787"/>
+                  </a:cubicBezTo>
+                  <a:lnTo>
+                    <a:pt x="6524" y="2597"/>
+                  </a:lnTo>
+                  <a:lnTo>
+                    <a:pt x="6968" y="1900"/>
+                  </a:lnTo>
+                  <a:cubicBezTo>
+                    <a:pt x="7031" y="1805"/>
+                    <a:pt x="6999" y="1710"/>
+                    <a:pt x="6936" y="1615"/>
+                  </a:cubicBezTo>
+                  <a:lnTo>
+                    <a:pt x="5891" y="570"/>
+                  </a:lnTo>
+                  <a:cubicBezTo>
+                    <a:pt x="5832" y="531"/>
+                    <a:pt x="5773" y="504"/>
+                    <a:pt x="5715" y="504"/>
+                  </a:cubicBezTo>
+                  <a:cubicBezTo>
+                    <a:pt x="5678" y="504"/>
+                    <a:pt x="5642" y="514"/>
+                    <a:pt x="5606" y="538"/>
+                  </a:cubicBezTo>
+                  <a:lnTo>
+                    <a:pt x="4909" y="982"/>
+                  </a:lnTo>
+                  <a:lnTo>
+                    <a:pt x="4719" y="158"/>
+                  </a:lnTo>
+                  <a:cubicBezTo>
+                    <a:pt x="4687" y="63"/>
+                    <a:pt x="4592" y="0"/>
+                    <a:pt x="4497" y="0"/>
                   </a:cubicBezTo>
                   <a:close/>
                 </a:path>
               </a:pathLst>
             </a:custGeom>
             <a:solidFill>
-              <a:srgbClr val="30475E"/>
+              <a:srgbClr val="222831"/>
             </a:solidFill>
             <a:ln>
               <a:noFill/>
@@ -13272,58 +12659,138 @@
           </p:nvSpPr>
           <p:spPr>
             <a:xfrm>
-              <a:off x="3420050" y="2847950"/>
-              <a:ext cx="122750" cy="75650"/>
+              <a:off x="5064475" y="2405000"/>
+              <a:ext cx="264475" cy="236750"/>
             </a:xfrm>
             <a:custGeom>
               <a:rect b="b" l="l" r="r" t="t"/>
               <a:pathLst>
-                <a:path extrusionOk="0" h="3026" w="4910">
+                <a:path extrusionOk="0" h="9470" w="10579">
                   <a:moveTo>
-                    <a:pt x="3817" y="0"/>
+                    <a:pt x="3294" y="3959"/>
                   </a:moveTo>
                   <a:cubicBezTo>
-                    <a:pt x="3687" y="0"/>
-                    <a:pt x="3553" y="26"/>
-                    <a:pt x="3421" y="81"/>
-                  </a:cubicBezTo>
-                  <a:lnTo>
-                    <a:pt x="761" y="1094"/>
-                  </a:lnTo>
-                  <a:cubicBezTo>
-                    <a:pt x="254" y="1316"/>
-                    <a:pt x="1" y="1886"/>
-                    <a:pt x="191" y="2392"/>
-                  </a:cubicBezTo>
-                  <a:cubicBezTo>
-                    <a:pt x="349" y="2773"/>
-                    <a:pt x="698" y="3026"/>
-                    <a:pt x="1109" y="3026"/>
-                  </a:cubicBezTo>
-                  <a:cubicBezTo>
-                    <a:pt x="1236" y="3026"/>
-                    <a:pt x="1331" y="2994"/>
-                    <a:pt x="1458" y="2963"/>
-                  </a:cubicBezTo>
-                  <a:lnTo>
-                    <a:pt x="4150" y="1917"/>
-                  </a:lnTo>
-                  <a:cubicBezTo>
-                    <a:pt x="4656" y="1727"/>
-                    <a:pt x="4910" y="1157"/>
-                    <a:pt x="4720" y="651"/>
-                  </a:cubicBezTo>
-                  <a:cubicBezTo>
-                    <a:pt x="4576" y="244"/>
-                    <a:pt x="4216" y="0"/>
-                    <a:pt x="3817" y="0"/>
+                    <a:pt x="3643" y="3959"/>
+                    <a:pt x="3928" y="4244"/>
+                    <a:pt x="3928" y="4593"/>
+                  </a:cubicBezTo>
+                  <a:cubicBezTo>
+                    <a:pt x="3928" y="4941"/>
+                    <a:pt x="3643" y="5226"/>
+                    <a:pt x="3294" y="5226"/>
+                  </a:cubicBezTo>
+                  <a:cubicBezTo>
+                    <a:pt x="2946" y="5226"/>
+                    <a:pt x="2661" y="4941"/>
+                    <a:pt x="2661" y="4593"/>
+                  </a:cubicBezTo>
+                  <a:cubicBezTo>
+                    <a:pt x="2661" y="4244"/>
+                    <a:pt x="2946" y="3959"/>
+                    <a:pt x="3294" y="3959"/>
+                  </a:cubicBezTo>
+                  <a:close/>
+                  <a:moveTo>
+                    <a:pt x="5289" y="3959"/>
+                  </a:moveTo>
+                  <a:cubicBezTo>
+                    <a:pt x="5638" y="3959"/>
+                    <a:pt x="5923" y="4244"/>
+                    <a:pt x="5923" y="4593"/>
+                  </a:cubicBezTo>
+                  <a:cubicBezTo>
+                    <a:pt x="5923" y="4941"/>
+                    <a:pt x="5638" y="5226"/>
+                    <a:pt x="5289" y="5226"/>
+                  </a:cubicBezTo>
+                  <a:cubicBezTo>
+                    <a:pt x="4941" y="5226"/>
+                    <a:pt x="4656" y="4941"/>
+                    <a:pt x="4656" y="4593"/>
+                  </a:cubicBezTo>
+                  <a:cubicBezTo>
+                    <a:pt x="4656" y="4244"/>
+                    <a:pt x="4941" y="3959"/>
+                    <a:pt x="5289" y="3959"/>
+                  </a:cubicBezTo>
+                  <a:close/>
+                  <a:moveTo>
+                    <a:pt x="7221" y="3959"/>
+                  </a:moveTo>
+                  <a:cubicBezTo>
+                    <a:pt x="7570" y="3959"/>
+                    <a:pt x="7855" y="4244"/>
+                    <a:pt x="7855" y="4593"/>
+                  </a:cubicBezTo>
+                  <a:cubicBezTo>
+                    <a:pt x="7855" y="4941"/>
+                    <a:pt x="7570" y="5226"/>
+                    <a:pt x="7221" y="5226"/>
+                  </a:cubicBezTo>
+                  <a:cubicBezTo>
+                    <a:pt x="6873" y="5226"/>
+                    <a:pt x="6588" y="4941"/>
+                    <a:pt x="6588" y="4593"/>
+                  </a:cubicBezTo>
+                  <a:cubicBezTo>
+                    <a:pt x="6588" y="4244"/>
+                    <a:pt x="6873" y="3959"/>
+                    <a:pt x="7221" y="3959"/>
+                  </a:cubicBezTo>
+                  <a:close/>
+                  <a:moveTo>
+                    <a:pt x="5289" y="1"/>
+                  </a:moveTo>
+                  <a:cubicBezTo>
+                    <a:pt x="2376" y="1"/>
+                    <a:pt x="1" y="1869"/>
+                    <a:pt x="1" y="4181"/>
+                  </a:cubicBezTo>
+                  <a:cubicBezTo>
+                    <a:pt x="1" y="6461"/>
+                    <a:pt x="2376" y="8330"/>
+                    <a:pt x="5289" y="8330"/>
+                  </a:cubicBezTo>
+                  <a:cubicBezTo>
+                    <a:pt x="5448" y="8330"/>
+                    <a:pt x="5606" y="8330"/>
+                    <a:pt x="5764" y="8298"/>
+                  </a:cubicBezTo>
+                  <a:lnTo>
+                    <a:pt x="6176" y="9311"/>
+                  </a:lnTo>
+                  <a:cubicBezTo>
+                    <a:pt x="6208" y="9406"/>
+                    <a:pt x="6271" y="9438"/>
+                    <a:pt x="6366" y="9470"/>
+                  </a:cubicBezTo>
+                  <a:lnTo>
+                    <a:pt x="6398" y="9470"/>
+                  </a:lnTo>
+                  <a:cubicBezTo>
+                    <a:pt x="6461" y="9470"/>
+                    <a:pt x="6524" y="9438"/>
+                    <a:pt x="6588" y="9375"/>
+                  </a:cubicBezTo>
+                  <a:lnTo>
+                    <a:pt x="8076" y="7696"/>
+                  </a:lnTo>
+                  <a:cubicBezTo>
+                    <a:pt x="9660" y="6936"/>
+                    <a:pt x="10578" y="5606"/>
+                    <a:pt x="10578" y="4181"/>
+                  </a:cubicBezTo>
+                  <a:cubicBezTo>
+                    <a:pt x="10578" y="1869"/>
+                    <a:pt x="8203" y="1"/>
+                    <a:pt x="5289" y="1"/>
                   </a:cubicBezTo>
                   <a:close/>
                 </a:path>
               </a:pathLst>
             </a:custGeom>
             <a:solidFill>
-              <a:srgbClr val="30475E"/>
+              <a:srgbClr val="C4C4C4"/>
             </a:solidFill>
             <a:ln>
               <a:noFill/>
@@ -13375,51 +12842,194 @@
           </p:nvSpPr>
           <p:spPr>
             <a:xfrm>
-              <a:off x="3686875" y="2744650"/>
-              <a:ext cx="122750" cy="75250"/>
+              <a:off x="3534075" y="2825575"/>
+              <a:ext cx="495650" cy="505100"/>
             </a:xfrm>
             <a:custGeom>
               <a:rect b="b" l="l" r="r" t="t"/>
               <a:pathLst>
-                <a:path extrusionOk="0" h="3010" w="4910">
+                <a:path extrusionOk="0" h="20204" w="19826">
                   <a:moveTo>
-                    <a:pt x="3799" y="1"/>
+                    <a:pt x="3734" y="1"/>
                   </a:moveTo>
                   <a:cubicBezTo>
-                    <a:pt x="3684" y="1"/>
-                    <a:pt x="3566" y="21"/>
-                    <a:pt x="3452" y="64"/>
-                  </a:cubicBezTo>
-                  <a:lnTo>
-                    <a:pt x="761" y="1109"/>
-                  </a:lnTo>
-                  <a:cubicBezTo>
-                    <a:pt x="254" y="1299"/>
-                    <a:pt x="0" y="1869"/>
-                    <a:pt x="190" y="2376"/>
-                  </a:cubicBezTo>
-                  <a:cubicBezTo>
-                    <a:pt x="349" y="2756"/>
-                    <a:pt x="729" y="3009"/>
-                    <a:pt x="1109" y="3009"/>
-                  </a:cubicBezTo>
-                  <a:cubicBezTo>
-                    <a:pt x="1236" y="3009"/>
-                    <a:pt x="1362" y="2978"/>
-                    <a:pt x="1457" y="2946"/>
-                  </a:cubicBezTo>
-                  <a:lnTo>
-                    <a:pt x="4149" y="1901"/>
-                  </a:lnTo>
-                  <a:cubicBezTo>
-                    <a:pt x="4656" y="1711"/>
-                    <a:pt x="4909" y="1141"/>
-                    <a:pt x="4719" y="634"/>
-                  </a:cubicBezTo>
-                  <a:cubicBezTo>
-                    <a:pt x="4572" y="241"/>
-                    <a:pt x="4197" y="1"/>
-                    <a:pt x="3799" y="1"/>
+                    <a:pt x="3586" y="1"/>
+                    <a:pt x="3429" y="28"/>
+                    <a:pt x="3262" y="89"/>
+                  </a:cubicBezTo>
+                  <a:cubicBezTo>
+                    <a:pt x="1710" y="691"/>
+                    <a:pt x="2566" y="2717"/>
+                    <a:pt x="2566" y="2717"/>
+                  </a:cubicBezTo>
+                  <a:lnTo>
+                    <a:pt x="6112" y="12123"/>
+                  </a:lnTo>
+                  <a:cubicBezTo>
+                    <a:pt x="6162" y="12248"/>
+                    <a:pt x="6075" y="12333"/>
+                    <a:pt x="5989" y="12333"/>
+                  </a:cubicBezTo>
+                  <a:cubicBezTo>
+                    <a:pt x="5966" y="12333"/>
+                    <a:pt x="5943" y="12327"/>
+                    <a:pt x="5922" y="12313"/>
+                  </a:cubicBezTo>
+                  <a:lnTo>
+                    <a:pt x="4212" y="11300"/>
+                  </a:lnTo>
+                  <a:cubicBezTo>
+                    <a:pt x="4212" y="11300"/>
+                    <a:pt x="4212" y="11268"/>
+                    <a:pt x="4181" y="11268"/>
+                  </a:cubicBezTo>
+                  <a:cubicBezTo>
+                    <a:pt x="4089" y="11199"/>
+                    <a:pt x="3134" y="10383"/>
+                    <a:pt x="2181" y="10383"/>
+                  </a:cubicBezTo>
+                  <a:cubicBezTo>
+                    <a:pt x="1818" y="10383"/>
+                    <a:pt x="1455" y="10501"/>
+                    <a:pt x="1140" y="10825"/>
+                  </a:cubicBezTo>
+                  <a:cubicBezTo>
+                    <a:pt x="0" y="12028"/>
+                    <a:pt x="1235" y="13327"/>
+                    <a:pt x="1330" y="13422"/>
+                  </a:cubicBezTo>
+                  <a:cubicBezTo>
+                    <a:pt x="1362" y="13422"/>
+                    <a:pt x="1362" y="13422"/>
+                    <a:pt x="1362" y="13453"/>
+                  </a:cubicBezTo>
+                  <a:lnTo>
+                    <a:pt x="9786" y="19565"/>
+                  </a:lnTo>
+                  <a:cubicBezTo>
+                    <a:pt x="9818" y="19597"/>
+                    <a:pt x="9818" y="19597"/>
+                    <a:pt x="9849" y="19629"/>
+                  </a:cubicBezTo>
+                  <a:lnTo>
+                    <a:pt x="9976" y="19914"/>
+                  </a:lnTo>
+                  <a:cubicBezTo>
+                    <a:pt x="10070" y="20102"/>
+                    <a:pt x="10253" y="20203"/>
+                    <a:pt x="10431" y="20203"/>
+                  </a:cubicBezTo>
+                  <a:cubicBezTo>
+                    <a:pt x="10492" y="20203"/>
+                    <a:pt x="10553" y="20191"/>
+                    <a:pt x="10609" y="20167"/>
+                  </a:cubicBezTo>
+                  <a:lnTo>
+                    <a:pt x="18115" y="17158"/>
+                  </a:lnTo>
+                  <a:cubicBezTo>
+                    <a:pt x="18368" y="17032"/>
+                    <a:pt x="18495" y="16778"/>
+                    <a:pt x="18400" y="16525"/>
+                  </a:cubicBezTo>
+                  <a:lnTo>
+                    <a:pt x="18305" y="16240"/>
+                  </a:lnTo>
+                  <a:cubicBezTo>
+                    <a:pt x="18273" y="16177"/>
+                    <a:pt x="18273" y="16113"/>
+                    <a:pt x="18305" y="16082"/>
+                  </a:cubicBezTo>
+                  <a:cubicBezTo>
+                    <a:pt x="19825" y="14118"/>
+                    <a:pt x="18812" y="11490"/>
+                    <a:pt x="18812" y="11490"/>
+                  </a:cubicBezTo>
+                  <a:lnTo>
+                    <a:pt x="17292" y="7626"/>
+                  </a:lnTo>
+                  <a:cubicBezTo>
+                    <a:pt x="17292" y="7626"/>
+                    <a:pt x="17292" y="7626"/>
+                    <a:pt x="17292" y="7594"/>
+                  </a:cubicBezTo>
+                  <a:cubicBezTo>
+                    <a:pt x="17260" y="7468"/>
+                    <a:pt x="16817" y="5631"/>
+                    <a:pt x="15455" y="5631"/>
+                  </a:cubicBezTo>
+                  <a:cubicBezTo>
+                    <a:pt x="14663" y="5631"/>
+                    <a:pt x="14220" y="5979"/>
+                    <a:pt x="13998" y="6296"/>
+                  </a:cubicBezTo>
+                  <a:cubicBezTo>
+                    <a:pt x="13973" y="6333"/>
+                    <a:pt x="13933" y="6351"/>
+                    <a:pt x="13892" y="6351"/>
+                  </a:cubicBezTo>
+                  <a:cubicBezTo>
+                    <a:pt x="13830" y="6351"/>
+                    <a:pt x="13764" y="6309"/>
+                    <a:pt x="13745" y="6233"/>
+                  </a:cubicBezTo>
+                  <a:cubicBezTo>
+                    <a:pt x="13650" y="5853"/>
+                    <a:pt x="13333" y="5346"/>
+                    <a:pt x="12383" y="5251"/>
+                  </a:cubicBezTo>
+                  <a:cubicBezTo>
+                    <a:pt x="12284" y="5239"/>
+                    <a:pt x="12190" y="5234"/>
+                    <a:pt x="12101" y="5234"/>
+                  </a:cubicBezTo>
+                  <a:cubicBezTo>
+                    <a:pt x="11227" y="5234"/>
+                    <a:pt x="10848" y="5764"/>
+                    <a:pt x="10704" y="6138"/>
+                  </a:cubicBezTo>
+                  <a:cubicBezTo>
+                    <a:pt x="10688" y="6206"/>
+                    <a:pt x="10634" y="6237"/>
+                    <a:pt x="10579" y="6237"/>
+                  </a:cubicBezTo>
+                  <a:cubicBezTo>
+                    <a:pt x="10530" y="6237"/>
+                    <a:pt x="10481" y="6213"/>
+                    <a:pt x="10451" y="6169"/>
+                  </a:cubicBezTo>
+                  <a:cubicBezTo>
+                    <a:pt x="10155" y="5551"/>
+                    <a:pt x="9586" y="4865"/>
+                    <a:pt x="8840" y="4865"/>
+                  </a:cubicBezTo>
+                  <a:cubicBezTo>
+                    <a:pt x="8707" y="4865"/>
+                    <a:pt x="8568" y="4886"/>
+                    <a:pt x="8424" y="4934"/>
+                  </a:cubicBezTo>
+                  <a:cubicBezTo>
+                    <a:pt x="7791" y="5124"/>
+                    <a:pt x="7506" y="5536"/>
+                    <a:pt x="7379" y="5853"/>
+                  </a:cubicBezTo>
+                  <a:cubicBezTo>
+                    <a:pt x="7348" y="5916"/>
+                    <a:pt x="7292" y="5948"/>
+                    <a:pt x="7237" y="5948"/>
+                  </a:cubicBezTo>
+                  <a:cubicBezTo>
+                    <a:pt x="7181" y="5948"/>
+                    <a:pt x="7126" y="5916"/>
+                    <a:pt x="7094" y="5853"/>
+                  </a:cubicBezTo>
+                  <a:lnTo>
+                    <a:pt x="5574" y="1894"/>
+                  </a:lnTo>
+                  <a:cubicBezTo>
+                    <a:pt x="5574" y="1894"/>
+                    <a:pt x="4968" y="1"/>
+                    <a:pt x="3734" y="1"/>
                   </a:cubicBezTo>
                   <a:close/>
                 </a:path>
@@ -13478,51 +13088,57 @@
           </p:nvSpPr>
           <p:spPr>
             <a:xfrm>
-              <a:off x="3514275" y="2907200"/>
-              <a:ext cx="85525" cy="115375"/>
+              <a:off x="3784250" y="3264025"/>
+              <a:ext cx="281100" cy="204375"/>
             </a:xfrm>
             <a:custGeom>
               <a:rect b="b" l="l" r="r" t="t"/>
               <a:pathLst>
-                <a:path extrusionOk="0" h="4615" w="3421">
+                <a:path extrusionOk="0" h="8175" w="11244">
                   <a:moveTo>
-                    <a:pt x="2288" y="0"/>
+                    <a:pt x="8904" y="1"/>
                   </a:moveTo>
                   <a:cubicBezTo>
-                    <a:pt x="1911" y="0"/>
-                    <a:pt x="1558" y="219"/>
-                    <a:pt x="1394" y="593"/>
-                  </a:cubicBezTo>
-                  <a:lnTo>
-                    <a:pt x="222" y="3221"/>
-                  </a:lnTo>
-                  <a:cubicBezTo>
-                    <a:pt x="1" y="3728"/>
-                    <a:pt x="222" y="4298"/>
-                    <a:pt x="729" y="4519"/>
-                  </a:cubicBezTo>
-                  <a:cubicBezTo>
-                    <a:pt x="856" y="4583"/>
-                    <a:pt x="982" y="4614"/>
-                    <a:pt x="1109" y="4614"/>
-                  </a:cubicBezTo>
-                  <a:cubicBezTo>
-                    <a:pt x="1489" y="4614"/>
-                    <a:pt x="1869" y="4393"/>
-                    <a:pt x="2027" y="4013"/>
-                  </a:cubicBezTo>
-                  <a:lnTo>
-                    <a:pt x="3199" y="1384"/>
-                  </a:lnTo>
-                  <a:cubicBezTo>
-                    <a:pt x="3421" y="909"/>
-                    <a:pt x="3199" y="307"/>
-                    <a:pt x="2692" y="86"/>
-                  </a:cubicBezTo>
-                  <a:cubicBezTo>
-                    <a:pt x="2560" y="28"/>
-                    <a:pt x="2422" y="0"/>
-                    <a:pt x="2288" y="0"/>
+                    <a:pt x="8840" y="1"/>
+                    <a:pt x="8774" y="11"/>
+                    <a:pt x="8710" y="32"/>
+                  </a:cubicBezTo>
+                  <a:lnTo>
+                    <a:pt x="412" y="3389"/>
+                  </a:lnTo>
+                  <a:cubicBezTo>
+                    <a:pt x="127" y="3484"/>
+                    <a:pt x="1" y="3832"/>
+                    <a:pt x="127" y="4117"/>
+                  </a:cubicBezTo>
+                  <a:lnTo>
+                    <a:pt x="1838" y="7854"/>
+                  </a:lnTo>
+                  <a:cubicBezTo>
+                    <a:pt x="1933" y="8068"/>
+                    <a:pt x="2134" y="8175"/>
+                    <a:pt x="2350" y="8175"/>
+                  </a:cubicBezTo>
+                  <a:cubicBezTo>
+                    <a:pt x="2421" y="8175"/>
+                    <a:pt x="2495" y="8163"/>
+                    <a:pt x="2566" y="8139"/>
+                  </a:cubicBezTo>
+                  <a:lnTo>
+                    <a:pt x="10800" y="4877"/>
+                  </a:lnTo>
+                  <a:cubicBezTo>
+                    <a:pt x="11117" y="4782"/>
+                    <a:pt x="11243" y="4434"/>
+                    <a:pt x="11117" y="4149"/>
+                  </a:cubicBezTo>
+                  <a:lnTo>
+                    <a:pt x="9406" y="317"/>
+                  </a:lnTo>
+                  <a:cubicBezTo>
+                    <a:pt x="9333" y="121"/>
+                    <a:pt x="9126" y="1"/>
+                    <a:pt x="8904" y="1"/>
                   </a:cubicBezTo>
                   <a:close/>
                 </a:path>
@@ -13581,51 +13197,51 @@
           </p:nvSpPr>
           <p:spPr>
             <a:xfrm>
-              <a:off x="3629875" y="2645125"/>
-              <a:ext cx="85525" cy="115400"/>
+              <a:off x="3522200" y="2642100"/>
+              <a:ext cx="81575" cy="116825"/>
             </a:xfrm>
             <a:custGeom>
               <a:rect b="b" l="l" r="r" t="t"/>
               <a:pathLst>
-                <a:path extrusionOk="0" h="4616" w="3421">
+                <a:path extrusionOk="0" h="4673" w="3263">
                   <a:moveTo>
-                    <a:pt x="2288" y="1"/>
+                    <a:pt x="1142" y="0"/>
                   </a:moveTo>
                   <a:cubicBezTo>
-                    <a:pt x="1910" y="1"/>
-                    <a:pt x="1557" y="219"/>
-                    <a:pt x="1394" y="593"/>
-                  </a:cubicBezTo>
-                  <a:lnTo>
-                    <a:pt x="222" y="3222"/>
-                  </a:lnTo>
-                  <a:cubicBezTo>
-                    <a:pt x="0" y="3728"/>
-                    <a:pt x="222" y="4298"/>
-                    <a:pt x="729" y="4520"/>
-                  </a:cubicBezTo>
-                  <a:cubicBezTo>
-                    <a:pt x="855" y="4583"/>
-                    <a:pt x="982" y="4615"/>
-                    <a:pt x="1140" y="4615"/>
-                  </a:cubicBezTo>
-                  <a:cubicBezTo>
-                    <a:pt x="1520" y="4615"/>
-                    <a:pt x="1869" y="4393"/>
-                    <a:pt x="2027" y="4013"/>
-                  </a:cubicBezTo>
-                  <a:lnTo>
-                    <a:pt x="3199" y="1385"/>
-                  </a:lnTo>
-                  <a:cubicBezTo>
-                    <a:pt x="3421" y="910"/>
-                    <a:pt x="3199" y="308"/>
-                    <a:pt x="2692" y="86"/>
-                  </a:cubicBezTo>
-                  <a:cubicBezTo>
-                    <a:pt x="2559" y="28"/>
-                    <a:pt x="2422" y="1"/>
-                    <a:pt x="2288" y="1"/>
+                    <a:pt x="1015" y="0"/>
+                    <a:pt x="886" y="26"/>
+                    <a:pt x="760" y="81"/>
+                  </a:cubicBezTo>
+                  <a:cubicBezTo>
+                    <a:pt x="254" y="271"/>
+                    <a:pt x="0" y="841"/>
+                    <a:pt x="190" y="1347"/>
+                  </a:cubicBezTo>
+                  <a:lnTo>
+                    <a:pt x="1235" y="4039"/>
+                  </a:lnTo>
+                  <a:cubicBezTo>
+                    <a:pt x="1394" y="4419"/>
+                    <a:pt x="1742" y="4673"/>
+                    <a:pt x="2154" y="4673"/>
+                  </a:cubicBezTo>
+                  <a:cubicBezTo>
+                    <a:pt x="2280" y="4673"/>
+                    <a:pt x="2375" y="4641"/>
+                    <a:pt x="2502" y="4609"/>
+                  </a:cubicBezTo>
+                  <a:cubicBezTo>
+                    <a:pt x="3009" y="4388"/>
+                    <a:pt x="3262" y="3818"/>
+                    <a:pt x="3072" y="3311"/>
+                  </a:cubicBezTo>
+                  <a:lnTo>
+                    <a:pt x="2027" y="619"/>
+                  </a:lnTo>
+                  <a:cubicBezTo>
+                    <a:pt x="1884" y="238"/>
+                    <a:pt x="1526" y="0"/>
+                    <a:pt x="1142" y="0"/>
                   </a:cubicBezTo>
                   <a:close/>
                 </a:path>
@@ -13684,6 +13300,624 @@
           </p:nvSpPr>
           <p:spPr>
             <a:xfrm>
+              <a:off x="3422425" y="2736975"/>
+              <a:ext cx="122750" cy="78175"/>
+            </a:xfrm>
+            <a:custGeom>
+              <a:rect b="b" l="l" r="r" t="t"/>
+              <a:pathLst>
+                <a:path extrusionOk="0" h="3127" w="4910">
+                  <a:moveTo>
+                    <a:pt x="1143" y="0"/>
+                  </a:moveTo>
+                  <a:cubicBezTo>
+                    <a:pt x="757" y="0"/>
+                    <a:pt x="386" y="219"/>
+                    <a:pt x="223" y="593"/>
+                  </a:cubicBezTo>
+                  <a:cubicBezTo>
+                    <a:pt x="1" y="1068"/>
+                    <a:pt x="254" y="1669"/>
+                    <a:pt x="729" y="1891"/>
+                  </a:cubicBezTo>
+                  <a:lnTo>
+                    <a:pt x="3358" y="3063"/>
+                  </a:lnTo>
+                  <a:cubicBezTo>
+                    <a:pt x="3485" y="3126"/>
+                    <a:pt x="3643" y="3126"/>
+                    <a:pt x="3770" y="3126"/>
+                  </a:cubicBezTo>
+                  <a:cubicBezTo>
+                    <a:pt x="4150" y="3126"/>
+                    <a:pt x="4498" y="2905"/>
+                    <a:pt x="4688" y="2556"/>
+                  </a:cubicBezTo>
+                  <a:cubicBezTo>
+                    <a:pt x="4910" y="2049"/>
+                    <a:pt x="4656" y="1448"/>
+                    <a:pt x="4181" y="1226"/>
+                  </a:cubicBezTo>
+                  <a:lnTo>
+                    <a:pt x="1553" y="86"/>
+                  </a:lnTo>
+                  <a:cubicBezTo>
+                    <a:pt x="1420" y="28"/>
+                    <a:pt x="1280" y="0"/>
+                    <a:pt x="1143" y="0"/>
+                  </a:cubicBezTo>
+                  <a:close/>
+                </a:path>
+              </a:pathLst>
+            </a:custGeom>
+            <a:solidFill>
+              <a:srgbClr val="30475E"/>
+            </a:solidFill>
+            <a:ln>
+              <a:noFill/>
+            </a:ln>
+          </p:spPr>
+          <p:txBody>
+            <a:bodyPr anchorCtr="0" anchor="ctr" bIns="89650" lIns="89650" spcFirstLastPara="1" rIns="89650" wrap="square" tIns="89650">
+              <a:noAutofit/>
+            </a:bodyPr>
+            <a:lstStyle/>
+            <a:p>
+              <a:pPr indent="0" lvl="0" marL="0" marR="0" rtl="0" algn="l">
+                <a:lnSpc>
+                  <a:spcPct val="100000"/>
+                </a:lnSpc>
+                <a:spcBef>
+                  <a:spcPts val="0"/>
+                </a:spcBef>
+                <a:spcAft>
+                  <a:spcPts val="0"/>
+                </a:spcAft>
+                <a:buClr>
+                  <a:srgbClr val="000000"/>
+                </a:buClr>
+                <a:buSzPts val="1373"/>
+                <a:buFont typeface="Arial"/>
+                <a:buNone/>
+              </a:pPr>
+              <a:r>
+                <a:t/>
+              </a:r>
+              <a:endParaRPr b="0" i="0" sz="1372" u="none" cap="none" strike="noStrike">
+                <a:solidFill>
+                  <a:srgbClr val="000000"/>
+                </a:solidFill>
+                <a:latin typeface="Arial"/>
+                <a:ea typeface="Arial"/>
+                <a:cs typeface="Arial"/>
+                <a:sym typeface="Arial"/>
+              </a:endParaRPr>
+            </a:p>
+          </p:txBody>
+        </p:sp>
+        <p:sp>
+          <p:nvSpPr>
+            <p:cNvPr id="449" name="Google Shape;449;g385652bf586_0_219"/>
+            <p:cNvSpPr/>
+            <p:nvPr/>
+          </p:nvSpPr>
+          <p:spPr>
+            <a:xfrm>
+              <a:off x="3684500" y="2852550"/>
+              <a:ext cx="122750" cy="78975"/>
+            </a:xfrm>
+            <a:custGeom>
+              <a:rect b="b" l="l" r="r" t="t"/>
+              <a:pathLst>
+                <a:path extrusionOk="0" h="3159" w="4910">
+                  <a:moveTo>
+                    <a:pt x="1143" y="1"/>
+                  </a:moveTo>
+                  <a:cubicBezTo>
+                    <a:pt x="756" y="1"/>
+                    <a:pt x="386" y="220"/>
+                    <a:pt x="222" y="593"/>
+                  </a:cubicBezTo>
+                  <a:cubicBezTo>
+                    <a:pt x="0" y="1068"/>
+                    <a:pt x="254" y="1670"/>
+                    <a:pt x="729" y="1892"/>
+                  </a:cubicBezTo>
+                  <a:lnTo>
+                    <a:pt x="3357" y="3064"/>
+                  </a:lnTo>
+                  <a:cubicBezTo>
+                    <a:pt x="3484" y="3127"/>
+                    <a:pt x="3642" y="3159"/>
+                    <a:pt x="3769" y="3159"/>
+                  </a:cubicBezTo>
+                  <a:cubicBezTo>
+                    <a:pt x="4149" y="3159"/>
+                    <a:pt x="4497" y="2937"/>
+                    <a:pt x="4687" y="2557"/>
+                  </a:cubicBezTo>
+                  <a:cubicBezTo>
+                    <a:pt x="4909" y="2050"/>
+                    <a:pt x="4656" y="1480"/>
+                    <a:pt x="4181" y="1258"/>
+                  </a:cubicBezTo>
+                  <a:lnTo>
+                    <a:pt x="1552" y="87"/>
+                  </a:lnTo>
+                  <a:cubicBezTo>
+                    <a:pt x="1419" y="29"/>
+                    <a:pt x="1280" y="1"/>
+                    <a:pt x="1143" y="1"/>
+                  </a:cubicBezTo>
+                  <a:close/>
+                </a:path>
+              </a:pathLst>
+            </a:custGeom>
+            <a:solidFill>
+              <a:srgbClr val="30475E"/>
+            </a:solidFill>
+            <a:ln>
+              <a:noFill/>
+            </a:ln>
+          </p:spPr>
+          <p:txBody>
+            <a:bodyPr anchorCtr="0" anchor="ctr" bIns="89650" lIns="89650" spcFirstLastPara="1" rIns="89650" wrap="square" tIns="89650">
+              <a:noAutofit/>
+            </a:bodyPr>
+            <a:lstStyle/>
+            <a:p>
+              <a:pPr indent="0" lvl="0" marL="0" marR="0" rtl="0" algn="l">
+                <a:lnSpc>
+                  <a:spcPct val="100000"/>
+                </a:lnSpc>
+                <a:spcBef>
+                  <a:spcPts val="0"/>
+                </a:spcBef>
+                <a:spcAft>
+                  <a:spcPts val="0"/>
+                </a:spcAft>
+                <a:buClr>
+                  <a:srgbClr val="000000"/>
+                </a:buClr>
+                <a:buSzPts val="1373"/>
+                <a:buFont typeface="Arial"/>
+                <a:buNone/>
+              </a:pPr>
+              <a:r>
+                <a:t/>
+              </a:r>
+              <a:endParaRPr b="0" i="0" sz="1372" u="none" cap="none" strike="noStrike">
+                <a:solidFill>
+                  <a:srgbClr val="000000"/>
+                </a:solidFill>
+                <a:latin typeface="Arial"/>
+                <a:ea typeface="Arial"/>
+                <a:cs typeface="Arial"/>
+                <a:sym typeface="Arial"/>
+              </a:endParaRPr>
+            </a:p>
+          </p:txBody>
+        </p:sp>
+        <p:sp>
+          <p:nvSpPr>
+            <p:cNvPr id="450" name="Google Shape;450;g385652bf586_0_219"/>
+            <p:cNvSpPr/>
+            <p:nvPr/>
+          </p:nvSpPr>
+          <p:spPr>
+            <a:xfrm>
+              <a:off x="3420050" y="2847950"/>
+              <a:ext cx="122750" cy="75650"/>
+            </a:xfrm>
+            <a:custGeom>
+              <a:rect b="b" l="l" r="r" t="t"/>
+              <a:pathLst>
+                <a:path extrusionOk="0" h="3026" w="4910">
+                  <a:moveTo>
+                    <a:pt x="3817" y="0"/>
+                  </a:moveTo>
+                  <a:cubicBezTo>
+                    <a:pt x="3687" y="0"/>
+                    <a:pt x="3553" y="26"/>
+                    <a:pt x="3421" y="81"/>
+                  </a:cubicBezTo>
+                  <a:lnTo>
+                    <a:pt x="761" y="1094"/>
+                  </a:lnTo>
+                  <a:cubicBezTo>
+                    <a:pt x="254" y="1316"/>
+                    <a:pt x="1" y="1886"/>
+                    <a:pt x="191" y="2392"/>
+                  </a:cubicBezTo>
+                  <a:cubicBezTo>
+                    <a:pt x="349" y="2773"/>
+                    <a:pt x="698" y="3026"/>
+                    <a:pt x="1109" y="3026"/>
+                  </a:cubicBezTo>
+                  <a:cubicBezTo>
+                    <a:pt x="1236" y="3026"/>
+                    <a:pt x="1331" y="2994"/>
+                    <a:pt x="1458" y="2963"/>
+                  </a:cubicBezTo>
+                  <a:lnTo>
+                    <a:pt x="4150" y="1917"/>
+                  </a:lnTo>
+                  <a:cubicBezTo>
+                    <a:pt x="4656" y="1727"/>
+                    <a:pt x="4910" y="1157"/>
+                    <a:pt x="4720" y="651"/>
+                  </a:cubicBezTo>
+                  <a:cubicBezTo>
+                    <a:pt x="4576" y="244"/>
+                    <a:pt x="4216" y="0"/>
+                    <a:pt x="3817" y="0"/>
+                  </a:cubicBezTo>
+                  <a:close/>
+                </a:path>
+              </a:pathLst>
+            </a:custGeom>
+            <a:solidFill>
+              <a:srgbClr val="30475E"/>
+            </a:solidFill>
+            <a:ln>
+              <a:noFill/>
+            </a:ln>
+          </p:spPr>
+          <p:txBody>
+            <a:bodyPr anchorCtr="0" anchor="ctr" bIns="89650" lIns="89650" spcFirstLastPara="1" rIns="89650" wrap="square" tIns="89650">
+              <a:noAutofit/>
+            </a:bodyPr>
+            <a:lstStyle/>
+            <a:p>
+              <a:pPr indent="0" lvl="0" marL="0" marR="0" rtl="0" algn="l">
+                <a:lnSpc>
+                  <a:spcPct val="100000"/>
+                </a:lnSpc>
+                <a:spcBef>
+                  <a:spcPts val="0"/>
+                </a:spcBef>
+                <a:spcAft>
+                  <a:spcPts val="0"/>
+                </a:spcAft>
+                <a:buClr>
+                  <a:srgbClr val="000000"/>
+                </a:buClr>
+                <a:buSzPts val="1373"/>
+                <a:buFont typeface="Arial"/>
+                <a:buNone/>
+              </a:pPr>
+              <a:r>
+                <a:t/>
+              </a:r>
+              <a:endParaRPr b="0" i="0" sz="1372" u="none" cap="none" strike="noStrike">
+                <a:solidFill>
+                  <a:srgbClr val="000000"/>
+                </a:solidFill>
+                <a:latin typeface="Arial"/>
+                <a:ea typeface="Arial"/>
+                <a:cs typeface="Arial"/>
+                <a:sym typeface="Arial"/>
+              </a:endParaRPr>
+            </a:p>
+          </p:txBody>
+        </p:sp>
+        <p:sp>
+          <p:nvSpPr>
+            <p:cNvPr id="451" name="Google Shape;451;g385652bf586_0_219"/>
+            <p:cNvSpPr/>
+            <p:nvPr/>
+          </p:nvSpPr>
+          <p:spPr>
+            <a:xfrm>
+              <a:off x="3686875" y="2744650"/>
+              <a:ext cx="122750" cy="75250"/>
+            </a:xfrm>
+            <a:custGeom>
+              <a:rect b="b" l="l" r="r" t="t"/>
+              <a:pathLst>
+                <a:path extrusionOk="0" h="3010" w="4910">
+                  <a:moveTo>
+                    <a:pt x="3799" y="1"/>
+                  </a:moveTo>
+                  <a:cubicBezTo>
+                    <a:pt x="3684" y="1"/>
+                    <a:pt x="3566" y="21"/>
+                    <a:pt x="3452" y="64"/>
+                  </a:cubicBezTo>
+                  <a:lnTo>
+                    <a:pt x="761" y="1109"/>
+                  </a:lnTo>
+                  <a:cubicBezTo>
+                    <a:pt x="254" y="1299"/>
+                    <a:pt x="0" y="1869"/>
+                    <a:pt x="190" y="2376"/>
+                  </a:cubicBezTo>
+                  <a:cubicBezTo>
+                    <a:pt x="349" y="2756"/>
+                    <a:pt x="729" y="3009"/>
+                    <a:pt x="1109" y="3009"/>
+                  </a:cubicBezTo>
+                  <a:cubicBezTo>
+                    <a:pt x="1236" y="3009"/>
+                    <a:pt x="1362" y="2978"/>
+                    <a:pt x="1457" y="2946"/>
+                  </a:cubicBezTo>
+                  <a:lnTo>
+                    <a:pt x="4149" y="1901"/>
+                  </a:lnTo>
+                  <a:cubicBezTo>
+                    <a:pt x="4656" y="1711"/>
+                    <a:pt x="4909" y="1141"/>
+                    <a:pt x="4719" y="634"/>
+                  </a:cubicBezTo>
+                  <a:cubicBezTo>
+                    <a:pt x="4572" y="241"/>
+                    <a:pt x="4197" y="1"/>
+                    <a:pt x="3799" y="1"/>
+                  </a:cubicBezTo>
+                  <a:close/>
+                </a:path>
+              </a:pathLst>
+            </a:custGeom>
+            <a:solidFill>
+              <a:srgbClr val="30475E"/>
+            </a:solidFill>
+            <a:ln>
+              <a:noFill/>
+            </a:ln>
+          </p:spPr>
+          <p:txBody>
+            <a:bodyPr anchorCtr="0" anchor="ctr" bIns="89650" lIns="89650" spcFirstLastPara="1" rIns="89650" wrap="square" tIns="89650">
+              <a:noAutofit/>
+            </a:bodyPr>
+            <a:lstStyle/>
+            <a:p>
+              <a:pPr indent="0" lvl="0" marL="0" marR="0" rtl="0" algn="l">
+                <a:lnSpc>
+                  <a:spcPct val="100000"/>
+                </a:lnSpc>
+                <a:spcBef>
+                  <a:spcPts val="0"/>
+                </a:spcBef>
+                <a:spcAft>
+                  <a:spcPts val="0"/>
+                </a:spcAft>
+                <a:buClr>
+                  <a:srgbClr val="000000"/>
+                </a:buClr>
+                <a:buSzPts val="1373"/>
+                <a:buFont typeface="Arial"/>
+                <a:buNone/>
+              </a:pPr>
+              <a:r>
+                <a:t/>
+              </a:r>
+              <a:endParaRPr b="0" i="0" sz="1372" u="none" cap="none" strike="noStrike">
+                <a:solidFill>
+                  <a:srgbClr val="000000"/>
+                </a:solidFill>
+                <a:latin typeface="Arial"/>
+                <a:ea typeface="Arial"/>
+                <a:cs typeface="Arial"/>
+                <a:sym typeface="Arial"/>
+              </a:endParaRPr>
+            </a:p>
+          </p:txBody>
+        </p:sp>
+        <p:sp>
+          <p:nvSpPr>
+            <p:cNvPr id="452" name="Google Shape;452;g385652bf586_0_219"/>
+            <p:cNvSpPr/>
+            <p:nvPr/>
+          </p:nvSpPr>
+          <p:spPr>
+            <a:xfrm>
+              <a:off x="3514275" y="2907200"/>
+              <a:ext cx="85525" cy="115375"/>
+            </a:xfrm>
+            <a:custGeom>
+              <a:rect b="b" l="l" r="r" t="t"/>
+              <a:pathLst>
+                <a:path extrusionOk="0" h="4615" w="3421">
+                  <a:moveTo>
+                    <a:pt x="2288" y="0"/>
+                  </a:moveTo>
+                  <a:cubicBezTo>
+                    <a:pt x="1911" y="0"/>
+                    <a:pt x="1558" y="219"/>
+                    <a:pt x="1394" y="593"/>
+                  </a:cubicBezTo>
+                  <a:lnTo>
+                    <a:pt x="222" y="3221"/>
+                  </a:lnTo>
+                  <a:cubicBezTo>
+                    <a:pt x="1" y="3728"/>
+                    <a:pt x="222" y="4298"/>
+                    <a:pt x="729" y="4519"/>
+                  </a:cubicBezTo>
+                  <a:cubicBezTo>
+                    <a:pt x="856" y="4583"/>
+                    <a:pt x="982" y="4614"/>
+                    <a:pt x="1109" y="4614"/>
+                  </a:cubicBezTo>
+                  <a:cubicBezTo>
+                    <a:pt x="1489" y="4614"/>
+                    <a:pt x="1869" y="4393"/>
+                    <a:pt x="2027" y="4013"/>
+                  </a:cubicBezTo>
+                  <a:lnTo>
+                    <a:pt x="3199" y="1384"/>
+                  </a:lnTo>
+                  <a:cubicBezTo>
+                    <a:pt x="3421" y="909"/>
+                    <a:pt x="3199" y="307"/>
+                    <a:pt x="2692" y="86"/>
+                  </a:cubicBezTo>
+                  <a:cubicBezTo>
+                    <a:pt x="2560" y="28"/>
+                    <a:pt x="2422" y="0"/>
+                    <a:pt x="2288" y="0"/>
+                  </a:cubicBezTo>
+                  <a:close/>
+                </a:path>
+              </a:pathLst>
+            </a:custGeom>
+            <a:solidFill>
+              <a:srgbClr val="30475E"/>
+            </a:solidFill>
+            <a:ln>
+              <a:noFill/>
+            </a:ln>
+          </p:spPr>
+          <p:txBody>
+            <a:bodyPr anchorCtr="0" anchor="ctr" bIns="89650" lIns="89650" spcFirstLastPara="1" rIns="89650" wrap="square" tIns="89650">
+              <a:noAutofit/>
+            </a:bodyPr>
+            <a:lstStyle/>
+            <a:p>
+              <a:pPr indent="0" lvl="0" marL="0" marR="0" rtl="0" algn="l">
+                <a:lnSpc>
+                  <a:spcPct val="100000"/>
+                </a:lnSpc>
+                <a:spcBef>
+                  <a:spcPts val="0"/>
+                </a:spcBef>
+                <a:spcAft>
+                  <a:spcPts val="0"/>
+                </a:spcAft>
+                <a:buClr>
+                  <a:srgbClr val="000000"/>
+                </a:buClr>
+                <a:buSzPts val="1373"/>
+                <a:buFont typeface="Arial"/>
+                <a:buNone/>
+              </a:pPr>
+              <a:r>
+                <a:t/>
+              </a:r>
+              <a:endParaRPr b="0" i="0" sz="1372" u="none" cap="none" strike="noStrike">
+                <a:solidFill>
+                  <a:srgbClr val="000000"/>
+                </a:solidFill>
+                <a:latin typeface="Arial"/>
+                <a:ea typeface="Arial"/>
+                <a:cs typeface="Arial"/>
+                <a:sym typeface="Arial"/>
+              </a:endParaRPr>
+            </a:p>
+          </p:txBody>
+        </p:sp>
+        <p:sp>
+          <p:nvSpPr>
+            <p:cNvPr id="453" name="Google Shape;453;g385652bf586_0_219"/>
+            <p:cNvSpPr/>
+            <p:nvPr/>
+          </p:nvSpPr>
+          <p:spPr>
+            <a:xfrm>
+              <a:off x="3629875" y="2645125"/>
+              <a:ext cx="85525" cy="115400"/>
+            </a:xfrm>
+            <a:custGeom>
+              <a:rect b="b" l="l" r="r" t="t"/>
+              <a:pathLst>
+                <a:path extrusionOk="0" h="4616" w="3421">
+                  <a:moveTo>
+                    <a:pt x="2288" y="1"/>
+                  </a:moveTo>
+                  <a:cubicBezTo>
+                    <a:pt x="1910" y="1"/>
+                    <a:pt x="1557" y="219"/>
+                    <a:pt x="1394" y="593"/>
+                  </a:cubicBezTo>
+                  <a:lnTo>
+                    <a:pt x="222" y="3222"/>
+                  </a:lnTo>
+                  <a:cubicBezTo>
+                    <a:pt x="0" y="3728"/>
+                    <a:pt x="222" y="4298"/>
+                    <a:pt x="729" y="4520"/>
+                  </a:cubicBezTo>
+                  <a:cubicBezTo>
+                    <a:pt x="855" y="4583"/>
+                    <a:pt x="982" y="4615"/>
+                    <a:pt x="1140" y="4615"/>
+                  </a:cubicBezTo>
+                  <a:cubicBezTo>
+                    <a:pt x="1520" y="4615"/>
+                    <a:pt x="1869" y="4393"/>
+                    <a:pt x="2027" y="4013"/>
+                  </a:cubicBezTo>
+                  <a:lnTo>
+                    <a:pt x="3199" y="1385"/>
+                  </a:lnTo>
+                  <a:cubicBezTo>
+                    <a:pt x="3421" y="910"/>
+                    <a:pt x="3199" y="308"/>
+                    <a:pt x="2692" y="86"/>
+                  </a:cubicBezTo>
+                  <a:cubicBezTo>
+                    <a:pt x="2559" y="28"/>
+                    <a:pt x="2422" y="1"/>
+                    <a:pt x="2288" y="1"/>
+                  </a:cubicBezTo>
+                  <a:close/>
+                </a:path>
+              </a:pathLst>
+            </a:custGeom>
+            <a:solidFill>
+              <a:srgbClr val="30475E"/>
+            </a:solidFill>
+            <a:ln>
+              <a:noFill/>
+            </a:ln>
+          </p:spPr>
+          <p:txBody>
+            <a:bodyPr anchorCtr="0" anchor="ctr" bIns="89650" lIns="89650" spcFirstLastPara="1" rIns="89650" wrap="square" tIns="89650">
+              <a:noAutofit/>
+            </a:bodyPr>
+            <a:lstStyle/>
+            <a:p>
+              <a:pPr indent="0" lvl="0" marL="0" marR="0" rtl="0" algn="l">
+                <a:lnSpc>
+                  <a:spcPct val="100000"/>
+                </a:lnSpc>
+                <a:spcBef>
+                  <a:spcPts val="0"/>
+                </a:spcBef>
+                <a:spcAft>
+                  <a:spcPts val="0"/>
+                </a:spcAft>
+                <a:buClr>
+                  <a:srgbClr val="000000"/>
+                </a:buClr>
+                <a:buSzPts val="1373"/>
+                <a:buFont typeface="Arial"/>
+                <a:buNone/>
+              </a:pPr>
+              <a:r>
+                <a:t/>
+              </a:r>
+              <a:endParaRPr b="0" i="0" sz="1372" u="none" cap="none" strike="noStrike">
+                <a:solidFill>
+                  <a:srgbClr val="000000"/>
+                </a:solidFill>
+                <a:latin typeface="Arial"/>
+                <a:ea typeface="Arial"/>
+                <a:cs typeface="Arial"/>
+                <a:sym typeface="Arial"/>
+              </a:endParaRPr>
+            </a:p>
+          </p:txBody>
+        </p:sp>
+        <p:sp>
+          <p:nvSpPr>
+            <p:cNvPr id="454" name="Google Shape;454;g385652bf586_0_219"/>
+            <p:cNvSpPr/>
+            <p:nvPr/>
+          </p:nvSpPr>
+          <p:spPr>
+            <a:xfrm>
               <a:off x="4718500" y="3382775"/>
               <a:ext cx="175775" cy="308800"/>
             </a:xfrm>
@@ -13840,7 +14074,7 @@
         </p:sp>
         <p:sp>
           <p:nvSpPr>
-            <p:cNvPr id="449" name="Google Shape;449;g385652bf586_0_219"/>
+            <p:cNvPr id="455" name="Google Shape;455;g385652bf586_0_219"/>
             <p:cNvSpPr/>
             <p:nvPr/>
           </p:nvSpPr>
@@ -13952,7 +14186,7 @@
       </p:grpSp>
       <p:sp>
         <p:nvSpPr>
-          <p:cNvPr id="450" name="Google Shape;450;g385652bf586_0_219"/>
+          <p:cNvPr id="456" name="Google Shape;456;g385652bf586_0_219"/>
           <p:cNvSpPr txBox="1"/>
           <p:nvPr/>
         </p:nvSpPr>
@@ -14009,12 +14243,12 @@
 </p:sld>
 </file>
 
-<file path=ppt/slides/slide12.xml><?xml version="1.0" encoding="utf-8"?>
+<file path=ppt/slides/slide13.xml><?xml version="1.0" encoding="utf-8"?>
 <p:sld xmlns:a="http://schemas.openxmlformats.org/drawingml/2006/main" xmlns:r="http://schemas.openxmlformats.org/officeDocument/2006/relationships" xmlns:mc="http://schemas.openxmlformats.org/markup-compatibility/2006" xmlns:mv="urn:schemas-microsoft-com:mac:vml" xmlns:p="http://schemas.openxmlformats.org/presentationml/2006/main" xmlns:c="http://schemas.openxmlformats.org/drawingml/2006/chart" xmlns:dgm="http://schemas.openxmlformats.org/drawingml/2006/diagram" xmlns:o="urn:schemas-microsoft-com:office:office" xmlns:v="urn:schemas-microsoft-com:vml" xmlns:pvml="urn:schemas-microsoft-com:office:powerpoint" xmlns:com="http://schemas.openxmlformats.org/drawingml/2006/compatibility" xmlns:p14="http://schemas.microsoft.com/office/powerpoint/2010/main" xmlns:p15="http://schemas.microsoft.com/office/powerpoint/2012/main" xmlns:ahyp="http://schemas.microsoft.com/office/drawing/2018/hyperlinkcolor">
   <p:cSld>
     <p:spTree>
       <p:nvGrpSpPr>
-        <p:cNvPr id="454" name="Shape 454"/>
+        <p:cNvPr id="460" name="Shape 460"/>
         <p:cNvGrpSpPr/>
         <p:nvPr/>
       </p:nvGrpSpPr>
@@ -14028,7 +14262,7 @@
       </p:grpSpPr>
       <p:sp>
         <p:nvSpPr>
-          <p:cNvPr id="455" name="Google Shape;455;p31"/>
+          <p:cNvPr id="461" name="Google Shape;461;p31"/>
           <p:cNvSpPr/>
           <p:nvPr/>
         </p:nvSpPr>
@@ -14169,7 +14403,7 @@
       </p:sp>
       <p:sp>
         <p:nvSpPr>
-          <p:cNvPr id="456" name="Google Shape;456;p31"/>
+          <p:cNvPr id="462" name="Google Shape;462;p31"/>
           <p:cNvSpPr/>
           <p:nvPr/>
         </p:nvSpPr>
@@ -14245,7 +14479,7 @@
       </p:sp>
       <p:sp>
         <p:nvSpPr>
-          <p:cNvPr id="457" name="Google Shape;457;p31"/>
+          <p:cNvPr id="463" name="Google Shape;463;p31"/>
           <p:cNvSpPr/>
           <p:nvPr/>
         </p:nvSpPr>
@@ -14332,7 +14566,7 @@
       </p:sp>
       <p:sp>
         <p:nvSpPr>
-          <p:cNvPr id="458" name="Google Shape;458;p31"/>
+          <p:cNvPr id="464" name="Google Shape;464;p31"/>
           <p:cNvSpPr/>
           <p:nvPr/>
         </p:nvSpPr>
@@ -14419,7 +14653,7 @@
       </p:sp>
       <p:sp>
         <p:nvSpPr>
-          <p:cNvPr id="459" name="Google Shape;459;p31"/>
+          <p:cNvPr id="465" name="Google Shape;465;p31"/>
           <p:cNvSpPr txBox="1"/>
           <p:nvPr/>
         </p:nvSpPr>
@@ -14485,7 +14719,7 @@
       </p:sp>
       <p:pic>
         <p:nvPicPr>
-          <p:cNvPr id="460" name="Google Shape;460;p31" title="Generated Image September 01, 2025 - 8_22PM.jpeg"/>
+          <p:cNvPr id="466" name="Google Shape;466;p31" title="Generated Image September 01, 2025 - 8_22PM.jpeg"/>
           <p:cNvPicPr preferRelativeResize="0"/>
           <p:nvPr/>
         </p:nvPicPr>
@@ -14512,7 +14746,7 @@
       </p:pic>
       <p:sp>
         <p:nvSpPr>
-          <p:cNvPr id="461" name="Google Shape;461;p31"/>
+          <p:cNvPr id="467" name="Google Shape;467;p31"/>
           <p:cNvSpPr txBox="1"/>
           <p:nvPr/>
         </p:nvSpPr>
@@ -44472,6 +44706,285 @@
 </file>
 
 <file path=ppt/theme/theme1.xml><?xml version="1.0" encoding="utf-8"?>
+<a:theme xmlns:a="http://schemas.openxmlformats.org/drawingml/2006/main" xmlns:r="http://schemas.openxmlformats.org/officeDocument/2006/relationships">
+  <a:themeElements>
+    <a:clrScheme name="Default">
+      <a:dk1>
+        <a:srgbClr val="000000"/>
+      </a:dk1>
+      <a:lt1>
+        <a:srgbClr val="FFFFFF"/>
+      </a:lt1>
+      <a:dk2>
+        <a:srgbClr val="158158"/>
+      </a:dk2>
+      <a:lt2>
+        <a:srgbClr val="F3F3F3"/>
+      </a:lt2>
+      <a:accent1>
+        <a:srgbClr val="058DC7"/>
+      </a:accent1>
+      <a:accent2>
+        <a:srgbClr val="50B432"/>
+      </a:accent2>
+      <a:accent3>
+        <a:srgbClr val="ED561B"/>
+      </a:accent3>
+      <a:accent4>
+        <a:srgbClr val="EDEF00"/>
+      </a:accent4>
+      <a:accent5>
+        <a:srgbClr val="24CBE5"/>
+      </a:accent5>
+      <a:accent6>
+        <a:srgbClr val="64E572"/>
+      </a:accent6>
+      <a:hlink>
+        <a:srgbClr val="2200CC"/>
+      </a:hlink>
+      <a:folHlink>
+        <a:srgbClr val="551A8B"/>
+      </a:folHlink>
+    </a:clrScheme>
+    <a:fontScheme name="Office">
+      <a:majorFont>
+        <a:latin typeface="Arial"/>
+        <a:ea typeface=""/>
+        <a:cs typeface=""/>
+        <a:font script="Jpan" typeface="ＭＳ Ｐゴシック"/>
+        <a:font script="Hang" typeface="맑은 고딕"/>
+        <a:font script="Hans" typeface="宋体"/>
+        <a:font script="Hant" typeface="新細明體"/>
+        <a:font script="Arab" typeface="Times New Roman"/>
+        <a:font script="Hebr" typeface="Times New Roman"/>
+        <a:font script="Thai" typeface="Angsana New"/>
+        <a:font script="Ethi" typeface="Nyala"/>
+        <a:font script="Beng" typeface="Vrinda"/>
+        <a:font script="Gujr" typeface="Shruti"/>
+        <a:font script="Khmr" typeface="MoolBoran"/>
+        <a:font script="Knda" typeface="Tunga"/>
+        <a:font script="Guru" typeface="Raavi"/>
+        <a:font script="Cans" typeface="Euphemia"/>
+        <a:font script="Cher" typeface="Plantagenet Cherokee"/>
+        <a:font script="Yiii" typeface="Microsoft Yi Baiti"/>
+        <a:font script="Tibt" typeface="Microsoft Himalaya"/>
+        <a:font script="Thaa" typeface="MV Boli"/>
+        <a:font script="Deva" typeface="Mangal"/>
+        <a:font script="Telu" typeface="Gautami"/>
+        <a:font script="Taml" typeface="Latha"/>
+        <a:font script="Syrc" typeface="Estrangelo Edessa"/>
+        <a:font script="Orya" typeface="Kalinga"/>
+        <a:font script="Mlym" typeface="Kartika"/>
+        <a:font script="Laoo" typeface="DokChampa"/>
+        <a:font script="Sinh" typeface="Iskoola Pota"/>
+        <a:font script="Mong" typeface="Mongolian Baiti"/>
+        <a:font script="Viet" typeface="Times New Roman"/>
+        <a:font script="Uigh" typeface="Microsoft Uighur"/>
+        <a:font script="Geor" typeface="Sylfaen"/>
+      </a:majorFont>
+      <a:minorFont>
+        <a:latin typeface="Arial"/>
+        <a:ea typeface=""/>
+        <a:cs typeface=""/>
+        <a:font script="Jpan" typeface="ＭＳ Ｐゴシック"/>
+        <a:font script="Hang" typeface="맑은 고딕"/>
+        <a:font script="Hans" typeface="宋体"/>
+        <a:font script="Hant" typeface="新細明體"/>
+        <a:font script="Arab" typeface="Arial"/>
+        <a:font script="Hebr" typeface="Arial"/>
+        <a:font script="Thai" typeface="Cordia New"/>
+        <a:font script="Ethi" typeface="Nyala"/>
+        <a:font script="Beng" typeface="Vrinda"/>
+        <a:font script="Gujr" typeface="Shruti"/>
+        <a:font script="Khmr" typeface="DaunPenh"/>
+        <a:font script="Knda" typeface="Tunga"/>
+        <a:font script="Guru" typeface="Raavi"/>
+        <a:font script="Cans" typeface="Euphemia"/>
+        <a:font script="Cher" typeface="Plantagenet Cherokee"/>
+        <a:font script="Yiii" typeface="Microsoft Yi Baiti"/>
+        <a:font script="Tibt" typeface="Microsoft Himalaya"/>
+        <a:font script="Thaa" typeface="MV Boli"/>
+        <a:font script="Deva" typeface="Mangal"/>
+        <a:font script="Telu" typeface="Gautami"/>
+        <a:font script="Taml" typeface="Latha"/>
+        <a:font script="Syrc" typeface="Estrangelo Edessa"/>
+        <a:font script="Orya" typeface="Kalinga"/>
+        <a:font script="Mlym" typeface="Kartika"/>
+        <a:font script="Laoo" typeface="DokChampa"/>
+        <a:font script="Sinh" typeface="Iskoola Pota"/>
+        <a:font script="Mong" typeface="Mongolian Baiti"/>
+        <a:font script="Viet" typeface="Arial"/>
+        <a:font script="Uigh" typeface="Microsoft Uighur"/>
+        <a:font script="Geor" typeface="Sylfaen"/>
+      </a:minorFont>
+    </a:fontScheme>
+    <a:fmtScheme name="Office">
+      <a:fillStyleLst>
+        <a:solidFill>
+          <a:schemeClr val="phClr"/>
+        </a:solidFill>
+        <a:gradFill rotWithShape="1">
+          <a:gsLst>
+            <a:gs pos="0">
+              <a:schemeClr val="phClr">
+                <a:tint val="50000"/>
+                <a:satMod val="300000"/>
+              </a:schemeClr>
+            </a:gs>
+            <a:gs pos="35000">
+              <a:schemeClr val="phClr">
+                <a:tint val="37000"/>
+                <a:satMod val="300000"/>
+              </a:schemeClr>
+            </a:gs>
+            <a:gs pos="100000">
+              <a:schemeClr val="phClr">
+                <a:tint val="15000"/>
+                <a:satMod val="350000"/>
+              </a:schemeClr>
+            </a:gs>
+          </a:gsLst>
+          <a:lin ang="16200000" scaled="1"/>
+        </a:gradFill>
+        <a:gradFill rotWithShape="1">
+          <a:gsLst>
+            <a:gs pos="0">
+              <a:schemeClr val="phClr">
+                <a:tint val="100000"/>
+                <a:shade val="100000"/>
+                <a:satMod val="130000"/>
+              </a:schemeClr>
+            </a:gs>
+            <a:gs pos="100000">
+              <a:schemeClr val="phClr">
+                <a:tint val="50000"/>
+                <a:shade val="100000"/>
+                <a:satMod val="350000"/>
+              </a:schemeClr>
+            </a:gs>
+          </a:gsLst>
+          <a:lin ang="16200000" scaled="0"/>
+        </a:gradFill>
+      </a:fillStyleLst>
+      <a:lnStyleLst>
+        <a:ln w="9525" cap="flat" cmpd="sng" algn="ctr">
+          <a:solidFill>
+            <a:schemeClr val="phClr">
+              <a:shade val="95000"/>
+              <a:satMod val="105000"/>
+            </a:schemeClr>
+          </a:solidFill>
+          <a:prstDash val="solid"/>
+        </a:ln>
+        <a:ln w="25400" cap="flat" cmpd="sng" algn="ctr">
+          <a:solidFill>
+            <a:schemeClr val="phClr"/>
+          </a:solidFill>
+          <a:prstDash val="solid"/>
+        </a:ln>
+        <a:ln w="38100" cap="flat" cmpd="sng" algn="ctr">
+          <a:solidFill>
+            <a:schemeClr val="phClr"/>
+          </a:solidFill>
+          <a:prstDash val="solid"/>
+        </a:ln>
+      </a:lnStyleLst>
+      <a:effectStyleLst>
+        <a:effectStyle>
+          <a:effectLst>
+            <a:outerShdw blurRad="40000" dist="20000" dir="5400000" rotWithShape="0">
+              <a:srgbClr val="000000">
+                <a:alpha val="38000"/>
+              </a:srgbClr>
+            </a:outerShdw>
+          </a:effectLst>
+        </a:effectStyle>
+        <a:effectStyle>
+          <a:effectLst>
+            <a:outerShdw blurRad="40000" dist="23000" dir="5400000" rotWithShape="0">
+              <a:srgbClr val="000000">
+                <a:alpha val="35000"/>
+              </a:srgbClr>
+            </a:outerShdw>
+          </a:effectLst>
+        </a:effectStyle>
+        <a:effectStyle>
+          <a:effectLst>
+            <a:outerShdw blurRad="40000" dist="23000" dir="5400000" rotWithShape="0">
+              <a:srgbClr val="000000">
+                <a:alpha val="35000"/>
+              </a:srgbClr>
+            </a:outerShdw>
+          </a:effectLst>
+          <a:scene3d>
+            <a:camera prst="orthographicFront">
+              <a:rot lat="0" lon="0" rev="0"/>
+            </a:camera>
+            <a:lightRig rig="threePt" dir="t">
+              <a:rot lat="0" lon="0" rev="1200000"/>
+            </a:lightRig>
+          </a:scene3d>
+          <a:sp3d>
+            <a:bevelT w="63500" h="25400"/>
+          </a:sp3d>
+        </a:effectStyle>
+      </a:effectStyleLst>
+      <a:bgFillStyleLst>
+        <a:solidFill>
+          <a:schemeClr val="phClr"/>
+        </a:solidFill>
+        <a:gradFill rotWithShape="1">
+          <a:gsLst>
+            <a:gs pos="0">
+              <a:schemeClr val="phClr">
+                <a:tint val="40000"/>
+                <a:satMod val="350000"/>
+              </a:schemeClr>
+            </a:gs>
+            <a:gs pos="40000">
+              <a:schemeClr val="phClr">
+                <a:tint val="45000"/>
+                <a:shade val="99000"/>
+                <a:satMod val="350000"/>
+              </a:schemeClr>
+            </a:gs>
+            <a:gs pos="100000">
+              <a:schemeClr val="phClr">
+                <a:shade val="20000"/>
+                <a:satMod val="255000"/>
+              </a:schemeClr>
+            </a:gs>
+          </a:gsLst>
+          <a:path path="circle">
+            <a:fillToRect l="50000" t="-80000" r="50000" b="180000"/>
+          </a:path>
+        </a:gradFill>
+        <a:gradFill rotWithShape="1">
+          <a:gsLst>
+            <a:gs pos="0">
+              <a:schemeClr val="phClr">
+                <a:tint val="80000"/>
+                <a:satMod val="300000"/>
+              </a:schemeClr>
+            </a:gs>
+            <a:gs pos="100000">
+              <a:schemeClr val="phClr">
+                <a:shade val="30000"/>
+                <a:satMod val="200000"/>
+              </a:schemeClr>
+            </a:gs>
+          </a:gsLst>
+          <a:path path="circle">
+            <a:fillToRect l="50000" t="50000" r="50000" b="50000"/>
+          </a:path>
+        </a:gradFill>
+      </a:bgFillStyleLst>
+    </a:fmtScheme>
+  </a:themeElements>
+</a:theme>
+</file>
+
+<file path=ppt/theme/theme2.xml><?xml version="1.0" encoding="utf-8"?>
 <a:theme xmlns:a="http://schemas.openxmlformats.org/drawingml/2006/main" xmlns:r="http://schemas.openxmlformats.org/officeDocument/2006/relationships" name="Technology Infographics by Slidesgo">
   <a:themeElements>
     <a:clrScheme name="Simple Light">
@@ -44748,283 +45261,4 @@
     </a:fmtScheme>
   </a:themeElements>
 </a:theme>
-</file>
-
-<file path=ppt/theme/theme2.xml><?xml version="1.0" encoding="utf-8"?>
-<a:theme xmlns:a="http://schemas.openxmlformats.org/drawingml/2006/main" xmlns:r="http://schemas.openxmlformats.org/officeDocument/2006/relationships">
-  <a:themeElements>
-    <a:clrScheme name="Default">
-      <a:dk1>
-        <a:srgbClr val="000000"/>
-      </a:dk1>
-      <a:lt1>
-        <a:srgbClr val="FFFFFF"/>
-      </a:lt1>
-      <a:dk2>
-        <a:srgbClr val="158158"/>
-      </a:dk2>
-      <a:lt2>
-        <a:srgbClr val="F3F3F3"/>
-      </a:lt2>
-      <a:accent1>
-        <a:srgbClr val="058DC7"/>
-      </a:accent1>
-      <a:accent2>
-        <a:srgbClr val="50B432"/>
-      </a:accent2>
-      <a:accent3>
-        <a:srgbClr val="ED561B"/>
-      </a:accent3>
-      <a:accent4>
-        <a:srgbClr val="EDEF00"/>
-      </a:accent4>
-      <a:accent5>
-        <a:srgbClr val="24CBE5"/>
-      </a:accent5>
-      <a:accent6>
-        <a:srgbClr val="64E572"/>
-      </a:accent6>
-      <a:hlink>
-        <a:srgbClr val="2200CC"/>
-      </a:hlink>
-      <a:folHlink>
-        <a:srgbClr val="551A8B"/>
-      </a:folHlink>
-    </a:clrScheme>
-    <a:fontScheme name="Office">
-      <a:majorFont>
-        <a:latin typeface="Arial"/>
-        <a:ea typeface=""/>
-        <a:cs typeface=""/>
-        <a:font script="Jpan" typeface="ＭＳ Ｐゴシック"/>
-        <a:font script="Hang" typeface="맑은 고딕"/>
-        <a:font script="Hans" typeface="宋体"/>
-        <a:font script="Hant" typeface="新細明體"/>
-        <a:font script="Arab" typeface="Times New Roman"/>
-        <a:font script="Hebr" typeface="Times New Roman"/>
-        <a:font script="Thai" typeface="Angsana New"/>
-        <a:font script="Ethi" typeface="Nyala"/>
-        <a:font script="Beng" typeface="Vrinda"/>
-        <a:font script="Gujr" typeface="Shruti"/>
-        <a:font script="Khmr" typeface="MoolBoran"/>
-        <a:font script="Knda" typeface="Tunga"/>
-        <a:font script="Guru" typeface="Raavi"/>
-        <a:font script="Cans" typeface="Euphemia"/>
-        <a:font script="Cher" typeface="Plantagenet Cherokee"/>
-        <a:font script="Yiii" typeface="Microsoft Yi Baiti"/>
-        <a:font script="Tibt" typeface="Microsoft Himalaya"/>
-        <a:font script="Thaa" typeface="MV Boli"/>
-        <a:font script="Deva" typeface="Mangal"/>
-        <a:font script="Telu" typeface="Gautami"/>
-        <a:font script="Taml" typeface="Latha"/>
-        <a:font script="Syrc" typeface="Estrangelo Edessa"/>
-        <a:font script="Orya" typeface="Kalinga"/>
-        <a:font script="Mlym" typeface="Kartika"/>
-        <a:font script="Laoo" typeface="DokChampa"/>
-        <a:font script="Sinh" typeface="Iskoola Pota"/>
-        <a:font script="Mong" typeface="Mongolian Baiti"/>
-        <a:font script="Viet" typeface="Times New Roman"/>
-        <a:font script="Uigh" typeface="Microsoft Uighur"/>
-        <a:font script="Geor" typeface="Sylfaen"/>
-      </a:majorFont>
-      <a:minorFont>
-        <a:latin typeface="Arial"/>
-        <a:ea typeface=""/>
-        <a:cs typeface=""/>
-        <a:font script="Jpan" typeface="ＭＳ Ｐゴシック"/>
-        <a:font script="Hang" typeface="맑은 고딕"/>
-        <a:font script="Hans" typeface="宋体"/>
-        <a:font script="Hant" typeface="新細明體"/>
-        <a:font script="Arab" typeface="Arial"/>
-        <a:font script="Hebr" typeface="Arial"/>
-        <a:font script="Thai" typeface="Cordia New"/>
-        <a:font script="Ethi" typeface="Nyala"/>
-        <a:font script="Beng" typeface="Vrinda"/>
-        <a:font script="Gujr" typeface="Shruti"/>
-        <a:font script="Khmr" typeface="DaunPenh"/>
-        <a:font script="Knda" typeface="Tunga"/>
-        <a:font script="Guru" typeface="Raavi"/>
-        <a:font script="Cans" typeface="Euphemia"/>
-        <a:font script="Cher" typeface="Plantagenet Cherokee"/>
-        <a:font script="Yiii" typeface="Microsoft Yi Baiti"/>
-        <a:font script="Tibt" typeface="Microsoft Himalaya"/>
-        <a:font script="Thaa" typeface="MV Boli"/>
-        <a:font script="Deva" typeface="Mangal"/>
-        <a:font script="Telu" typeface="Gautami"/>
-        <a:font script="Taml" typeface="Latha"/>
-        <a:font script="Syrc" typeface="Estrangelo Edessa"/>
-        <a:font script="Orya" typeface="Kalinga"/>
-        <a:font script="Mlym" typeface="Kartika"/>
-        <a:font script="Laoo" typeface="DokChampa"/>
-        <a:font script="Sinh" typeface="Iskoola Pota"/>
-        <a:font script="Mong" typeface="Mongolian Baiti"/>
-        <a:font script="Viet" typeface="Arial"/>
-        <a:font script="Uigh" typeface="Microsoft Uighur"/>
-        <a:font script="Geor" typeface="Sylfaen"/>
-      </a:minorFont>
-    </a:fontScheme>
-    <a:fmtScheme name="Office">
-      <a:fillStyleLst>
-        <a:solidFill>
-          <a:schemeClr val="phClr"/>
-        </a:solidFill>
-        <a:gradFill rotWithShape="1">
-          <a:gsLst>
-            <a:gs pos="0">
-              <a:schemeClr val="phClr">
-                <a:tint val="50000"/>
-                <a:satMod val="300000"/>
-              </a:schemeClr>
-            </a:gs>
-            <a:gs pos="35000">
-              <a:schemeClr val="phClr">
-                <a:tint val="37000"/>
-                <a:satMod val="300000"/>
-              </a:schemeClr>
-            </a:gs>
-            <a:gs pos="100000">
-              <a:schemeClr val="phClr">
-                <a:tint val="15000"/>
-                <a:satMod val="350000"/>
-              </a:schemeClr>
-            </a:gs>
-          </a:gsLst>
-          <a:lin ang="16200000" scaled="1"/>
-        </a:gradFill>
-        <a:gradFill rotWithShape="1">
-          <a:gsLst>
-            <a:gs pos="0">
-              <a:schemeClr val="phClr">
-                <a:tint val="100000"/>
-                <a:shade val="100000"/>
-                <a:satMod val="130000"/>
-              </a:schemeClr>
-            </a:gs>
-            <a:gs pos="100000">
-              <a:schemeClr val="phClr">
-                <a:tint val="50000"/>
-                <a:shade val="100000"/>
-                <a:satMod val="350000"/>
-              </a:schemeClr>
-            </a:gs>
-          </a:gsLst>
-          <a:lin ang="16200000" scaled="0"/>
-        </a:gradFill>
-      </a:fillStyleLst>
-      <a:lnStyleLst>
-        <a:ln w="9525" cap="flat" cmpd="sng" algn="ctr">
-          <a:solidFill>
-            <a:schemeClr val="phClr">
-              <a:shade val="95000"/>
-              <a:satMod val="105000"/>
-            </a:schemeClr>
-          </a:solidFill>
-          <a:prstDash val="solid"/>
-        </a:ln>
-        <a:ln w="25400" cap="flat" cmpd="sng" algn="ctr">
-          <a:solidFill>
-            <a:schemeClr val="phClr"/>
-          </a:solidFill>
-          <a:prstDash val="solid"/>
-        </a:ln>
-        <a:ln w="38100" cap="flat" cmpd="sng" algn="ctr">
-          <a:solidFill>
-            <a:schemeClr val="phClr"/>
-          </a:solidFill>
-          <a:prstDash val="solid"/>
-        </a:ln>
-      </a:lnStyleLst>
-      <a:effectStyleLst>
-        <a:effectStyle>
-          <a:effectLst>
-            <a:outerShdw blurRad="40000" dist="20000" dir="5400000" rotWithShape="0">
-              <a:srgbClr val="000000">
-                <a:alpha val="38000"/>
-              </a:srgbClr>
-            </a:outerShdw>
-          </a:effectLst>
-        </a:effectStyle>
-        <a:effectStyle>
-          <a:effectLst>
-            <a:outerShdw blurRad="40000" dist="23000" dir="5400000" rotWithShape="0">
-              <a:srgbClr val="000000">
-                <a:alpha val="35000"/>
-              </a:srgbClr>
-            </a:outerShdw>
-          </a:effectLst>
-        </a:effectStyle>
-        <a:effectStyle>
-          <a:effectLst>
-            <a:outerShdw blurRad="40000" dist="23000" dir="5400000" rotWithShape="0">
-              <a:srgbClr val="000000">
-                <a:alpha val="35000"/>
-              </a:srgbClr>
-            </a:outerShdw>
-          </a:effectLst>
-          <a:scene3d>
-            <a:camera prst="orthographicFront">
-              <a:rot lat="0" lon="0" rev="0"/>
-            </a:camera>
-            <a:lightRig rig="threePt" dir="t">
-              <a:rot lat="0" lon="0" rev="1200000"/>
-            </a:lightRig>
-          </a:scene3d>
-          <a:sp3d>
-            <a:bevelT w="63500" h="25400"/>
-          </a:sp3d>
-        </a:effectStyle>
-      </a:effectStyleLst>
-      <a:bgFillStyleLst>
-        <a:solidFill>
-          <a:schemeClr val="phClr"/>
-        </a:solidFill>
-        <a:gradFill rotWithShape="1">
-          <a:gsLst>
-            <a:gs pos="0">
-              <a:schemeClr val="phClr">
-                <a:tint val="40000"/>
-                <a:satMod val="350000"/>
-              </a:schemeClr>
-            </a:gs>
-            <a:gs pos="40000">
-              <a:schemeClr val="phClr">
-                <a:tint val="45000"/>
-                <a:shade val="99000"/>
-                <a:satMod val="350000"/>
-              </a:schemeClr>
-            </a:gs>
-            <a:gs pos="100000">
-              <a:schemeClr val="phClr">
-                <a:shade val="20000"/>
-                <a:satMod val="255000"/>
-              </a:schemeClr>
-            </a:gs>
-          </a:gsLst>
-          <a:path path="circle">
-            <a:fillToRect l="50000" t="-80000" r="50000" b="180000"/>
-          </a:path>
-        </a:gradFill>
-        <a:gradFill rotWithShape="1">
-          <a:gsLst>
-            <a:gs pos="0">
-              <a:schemeClr val="phClr">
-                <a:tint val="80000"/>
-                <a:satMod val="300000"/>
-              </a:schemeClr>
-            </a:gs>
-            <a:gs pos="100000">
-              <a:schemeClr val="phClr">
-                <a:shade val="30000"/>
-                <a:satMod val="200000"/>
-              </a:schemeClr>
-            </a:gs>
-          </a:gsLst>
-          <a:path path="circle">
-            <a:fillToRect l="50000" t="50000" r="50000" b="50000"/>
-          </a:path>
-        </a:gradFill>
-      </a:bgFillStyleLst>
-    </a:fmtScheme>
-  </a:themeElements>
-</a:theme>
 </file>